--- a/Slides/L18-24 Advanced SQL.pptx
+++ b/Slides/L18-24 Advanced SQL.pptx
@@ -46,8 +46,8 @@
     <p:sldId id="472" r:id="rId36"/>
     <p:sldId id="471" r:id="rId37"/>
     <p:sldId id="521" r:id="rId38"/>
-    <p:sldId id="523" r:id="rId39"/>
-    <p:sldId id="395" r:id="rId40"/>
+    <p:sldId id="395" r:id="rId39"/>
+    <p:sldId id="523" r:id="rId40"/>
     <p:sldId id="396" r:id="rId41"/>
     <p:sldId id="397" r:id="rId42"/>
     <p:sldId id="525" r:id="rId43"/>
@@ -13319,7 +13319,7 @@
               <a:rPr lang="en-US" dirty="0">
                 <a:ea typeface="+mj-ea"/>
               </a:rPr>
-              <a:t>Chapter 5: Advanced SQL</a:t>
+              <a:t>Advanced SQL</a:t>
             </a:r>
             <a:endParaRPr lang="en-US" dirty="0">
               <a:ea typeface="+mj-ea"/>
@@ -16129,16 +16129,32 @@
           <a:p>
             <a:pPr lvl="1"/>
             <a:r>
-              <a:rPr lang="en-US" altLang="en-US" dirty="0" err="1">
-                <a:ea typeface="MS PGothic" panose="020B0600070205080204" pitchFamily="34" charset="-128"/>
+              <a:rPr lang="en-US" altLang="en-US" b="1" dirty="0" err="1">
+                <a:solidFill>
+                  <a:srgbClr val="002060"/>
+                </a:solidFill>
+                <a:latin typeface="Helvetica Bold" charset="0"/>
+                <a:ea typeface="MS PGothic" panose="020B0600070205080204" pitchFamily="34" charset="-128"/>
+                <a:cs typeface="Helvetica Bold" charset="0"/>
               </a:rPr>
               <a:t>conn.setAutoCommit</a:t>
             </a:r>
             <a:r>
+              <a:rPr lang="en-US" altLang="en-US" b="1" dirty="0">
+                <a:solidFill>
+                  <a:srgbClr val="002060"/>
+                </a:solidFill>
+                <a:latin typeface="Helvetica Bold" charset="0"/>
+                <a:ea typeface="MS PGothic" panose="020B0600070205080204" pitchFamily="34" charset="-128"/>
+                <a:cs typeface="Helvetica Bold" charset="0"/>
+              </a:rPr>
+              <a:t>(false); </a:t>
+            </a:r>
+            <a:r>
               <a:rPr lang="en-US" altLang="en-US" dirty="0">
                 <a:ea typeface="MS PGothic" panose="020B0600070205080204" pitchFamily="34" charset="-128"/>
               </a:rPr>
-              <a:t>(false);  // Inside the config</a:t>
+              <a:t> // Inside the config</a:t>
             </a:r>
             <a:endParaRPr lang="en-US" altLang="en-US" dirty="0">
               <a:ea typeface="MS PGothic" panose="020B0600070205080204" pitchFamily="34" charset="-128"/>
@@ -16154,16 +16170,40 @@
           <a:p>
             <a:pPr lvl="1"/>
             <a:r>
-              <a:rPr lang="en-US" altLang="en-US" dirty="0" err="1">
-                <a:ea typeface="MS PGothic" panose="020B0600070205080204" pitchFamily="34" charset="-128"/>
+              <a:rPr lang="en-US" altLang="en-US" b="1" dirty="0" err="1">
+                <a:solidFill>
+                  <a:srgbClr val="002060"/>
+                </a:solidFill>
+                <a:latin typeface="Helvetica Bold" charset="0"/>
+                <a:ea typeface="MS PGothic" panose="020B0600070205080204" pitchFamily="34" charset="-128"/>
+                <a:cs typeface="Helvetica Bold" charset="0"/>
               </a:rPr>
               <a:t>conn.commit</a:t>
             </a:r>
             <a:r>
+              <a:rPr lang="en-US" altLang="en-US" b="1" dirty="0">
+                <a:solidFill>
+                  <a:srgbClr val="002060"/>
+                </a:solidFill>
+                <a:latin typeface="Helvetica Bold" charset="0"/>
+                <a:ea typeface="MS PGothic" panose="020B0600070205080204" pitchFamily="34" charset="-128"/>
+                <a:cs typeface="Helvetica Bold" charset="0"/>
+              </a:rPr>
+              <a:t>();</a:t>
+            </a:r>
+            <a:r>
+              <a:rPr lang="en-US" altLang="en-US" b="1" dirty="0">
+                <a:latin typeface="Helvetica Bold" charset="0"/>
+                <a:ea typeface="MS PGothic" panose="020B0600070205080204" pitchFamily="34" charset="-128"/>
+                <a:cs typeface="Helvetica Bold" charset="0"/>
+              </a:rPr>
+              <a:t>  </a:t>
+            </a:r>
+            <a:r>
               <a:rPr lang="en-US" altLang="en-US" dirty="0">
                 <a:ea typeface="MS PGothic" panose="020B0600070205080204" pitchFamily="34" charset="-128"/>
               </a:rPr>
-              <a:t>();     or</a:t>
+              <a:t>   or</a:t>
             </a:r>
             <a:endParaRPr lang="en-US" altLang="en-US" dirty="0">
               <a:ea typeface="MS PGothic" panose="020B0600070205080204" pitchFamily="34" charset="-128"/>
@@ -16172,29 +16212,60 @@
           <a:p>
             <a:pPr lvl="1"/>
             <a:r>
-              <a:rPr lang="en-US" altLang="en-US" dirty="0" err="1">
-                <a:ea typeface="MS PGothic" panose="020B0600070205080204" pitchFamily="34" charset="-128"/>
+              <a:rPr lang="en-US" altLang="en-US" b="1" dirty="0" err="1">
+                <a:solidFill>
+                  <a:srgbClr val="002060"/>
+                </a:solidFill>
+                <a:latin typeface="Helvetica Bold" charset="0"/>
+                <a:ea typeface="MS PGothic" panose="020B0600070205080204" pitchFamily="34" charset="-128"/>
+                <a:cs typeface="Helvetica Bold" charset="0"/>
               </a:rPr>
               <a:t>conn.rollback</a:t>
             </a:r>
             <a:r>
-              <a:rPr lang="en-US" altLang="en-US" dirty="0">
-                <a:ea typeface="MS PGothic" panose="020B0600070205080204" pitchFamily="34" charset="-128"/>
+              <a:rPr lang="en-US" altLang="en-US" b="1" dirty="0">
+                <a:solidFill>
+                  <a:srgbClr val="002060"/>
+                </a:solidFill>
+                <a:latin typeface="Helvetica Bold" charset="0"/>
+                <a:ea typeface="MS PGothic" panose="020B0600070205080204" pitchFamily="34" charset="-128"/>
+                <a:cs typeface="Helvetica Bold" charset="0"/>
               </a:rPr>
               <a:t>();</a:t>
             </a:r>
-            <a:endParaRPr lang="en-US" altLang="en-US" dirty="0">
+            <a:endParaRPr lang="en-US" altLang="en-US" b="1" dirty="0">
+              <a:solidFill>
+                <a:srgbClr val="002060"/>
+              </a:solidFill>
+              <a:latin typeface="Helvetica Bold" charset="0"/>
               <a:ea typeface="MS PGothic" panose="020B0600070205080204" pitchFamily="34" charset="-128"/>
+              <a:cs typeface="Helvetica Bold" charset="0"/>
             </a:endParaRPr>
           </a:p>
           <a:p>
             <a:r>
-              <a:rPr lang="en-US" altLang="en-US" dirty="0" err="1"/>
+              <a:rPr lang="en-US" altLang="en-US" b="1" dirty="0" err="1">
+                <a:solidFill>
+                  <a:srgbClr val="002060"/>
+                </a:solidFill>
+                <a:latin typeface="Helvetica Bold" charset="0"/>
+                <a:cs typeface="Helvetica Bold" charset="0"/>
+              </a:rPr>
               <a:t>conn.setAutoCommit</a:t>
             </a:r>
             <a:r>
-              <a:rPr lang="en-US" altLang="en-US" dirty="0"/>
-              <a:t>(true) turns on automatic commit.</a:t>
+              <a:rPr lang="en-US" altLang="en-US" b="1" dirty="0">
+                <a:solidFill>
+                  <a:srgbClr val="002060"/>
+                </a:solidFill>
+                <a:latin typeface="Helvetica Bold" charset="0"/>
+                <a:cs typeface="Helvetica Bold" charset="0"/>
+              </a:rPr>
+              <a:t>(true)</a:t>
+            </a:r>
+            <a:r>
+              <a:rPr lang="en-US" altLang="en-US" dirty="0"/>
+              <a:t> turns on automatic commit.</a:t>
             </a:r>
             <a:endParaRPr lang="en-US" altLang="en-US" dirty="0"/>
           </a:p>
@@ -16365,10 +16436,22 @@
           </a:p>
           <a:p>
             <a:r>
-              <a:rPr lang="en-US" sz="1800"/>
+              <a:rPr lang="en-US" sz="1800" b="1">
+                <a:solidFill>
+                  <a:srgbClr val="002060"/>
+                </a:solidFill>
+                <a:latin typeface="Helvetica Bold" charset="0"/>
+                <a:cs typeface="Helvetica Bold" charset="0"/>
+              </a:rPr>
               <a:t>conn.commit();</a:t>
             </a:r>
-            <a:endParaRPr lang="en-US" sz="1800"/>
+            <a:endParaRPr lang="en-US" sz="1800" b="1">
+              <a:solidFill>
+                <a:srgbClr val="002060"/>
+              </a:solidFill>
+              <a:latin typeface="Helvetica Bold" charset="0"/>
+              <a:cs typeface="Helvetica Bold" charset="0"/>
+            </a:endParaRPr>
           </a:p>
           <a:p>
             <a:r>
@@ -16422,16 +16505,24 @@
               <a:rPr lang="en-US" sz="1800">
                 <a:sym typeface="+mn-ea"/>
               </a:rPr>
-              <a:t>    if (conn != null) {</a:t>
-            </a:r>
-            <a:endParaRPr lang="en-US" sz="1800"/>
-          </a:p>
-          <a:p>
+              <a:t>    if (</a:t>
+            </a:r>
+            <a:r>
+              <a:rPr lang="en-US" sz="1800" b="1" i="1">
+                <a:solidFill>
+                  <a:srgbClr val="002060"/>
+                </a:solidFill>
+                <a:latin typeface="Helvetica Bold Oblique" charset="0"/>
+                <a:cs typeface="Helvetica Bold Oblique" charset="0"/>
+                <a:sym typeface="+mn-ea"/>
+              </a:rPr>
+              <a:t>conn != null</a:t>
+            </a:r>
             <a:r>
               <a:rPr lang="en-US" sz="1800">
                 <a:sym typeface="+mn-ea"/>
               </a:rPr>
-              <a:t>        try {</a:t>
+              <a:t>) {</a:t>
             </a:r>
             <a:endParaRPr lang="en-US" sz="1800"/>
           </a:p>
@@ -16440,7 +16531,7 @@
               <a:rPr lang="en-US" sz="1800">
                 <a:sym typeface="+mn-ea"/>
               </a:rPr>
-              <a:t>            conn.rollback();</a:t>
+              <a:t>        try {</a:t>
             </a:r>
             <a:endParaRPr lang="en-US" sz="1800"/>
           </a:p>
@@ -16449,7 +16540,18 @@
               <a:rPr lang="en-US" sz="1800">
                 <a:sym typeface="+mn-ea"/>
               </a:rPr>
-              <a:t>        } catch (SQLException e) {</a:t>
+              <a:t>            </a:t>
+            </a:r>
+            <a:r>
+              <a:rPr lang="en-US" sz="1800" b="1">
+                <a:solidFill>
+                  <a:srgbClr val="002060"/>
+                </a:solidFill>
+                <a:latin typeface="Helvetica Bold" charset="0"/>
+                <a:cs typeface="Helvetica Bold" charset="0"/>
+                <a:sym typeface="+mn-ea"/>
+              </a:rPr>
+              <a:t>conn.rollback();</a:t>
             </a:r>
             <a:endParaRPr lang="en-US" sz="1800"/>
           </a:p>
@@ -16458,7 +16560,7 @@
               <a:rPr lang="en-US" sz="1800">
                 <a:sym typeface="+mn-ea"/>
               </a:rPr>
-              <a:t>            e.printStackTrace();</a:t>
+              <a:t>        } catch (SQLException e) {</a:t>
             </a:r>
             <a:endParaRPr lang="en-US" sz="1800"/>
           </a:p>
@@ -16467,7 +16569,7 @@
               <a:rPr lang="en-US" sz="1800">
                 <a:sym typeface="+mn-ea"/>
               </a:rPr>
-              <a:t>        }</a:t>
+              <a:t>            e.printStackTrace();</a:t>
             </a:r>
             <a:endParaRPr lang="en-US" sz="1800"/>
           </a:p>
@@ -16476,7 +16578,7 @@
               <a:rPr lang="en-US" sz="1800">
                 <a:sym typeface="+mn-ea"/>
               </a:rPr>
-              <a:t>    }</a:t>
+              <a:t>        }</a:t>
             </a:r>
             <a:endParaRPr lang="en-US" sz="1800"/>
           </a:p>
@@ -16485,7 +16587,7 @@
               <a:rPr lang="en-US" sz="1800">
                 <a:sym typeface="+mn-ea"/>
               </a:rPr>
-              <a:t>    ex.printStackTrace();</a:t>
+              <a:t>    }</a:t>
             </a:r>
             <a:endParaRPr lang="en-US" sz="1800"/>
           </a:p>
@@ -16494,7 +16596,7 @@
               <a:rPr lang="en-US" sz="1800">
                 <a:sym typeface="+mn-ea"/>
               </a:rPr>
-              <a:t>} finally {</a:t>
+              <a:t>    ex.printStackTrace();</a:t>
             </a:r>
             <a:endParaRPr lang="en-US" sz="1800"/>
           </a:p>
@@ -16503,7 +16605,7 @@
               <a:rPr lang="en-US" sz="1800">
                 <a:sym typeface="+mn-ea"/>
               </a:rPr>
-              <a:t>    // Close resources, handle exceptions</a:t>
+              <a:t>} finally {</a:t>
             </a:r>
             <a:endParaRPr lang="en-US" sz="1800"/>
           </a:p>
@@ -16512,7 +16614,7 @@
               <a:rPr lang="en-US" sz="1800">
                 <a:sym typeface="+mn-ea"/>
               </a:rPr>
-              <a:t>    try {</a:t>
+              <a:t>    // Close resources, handle exceptions</a:t>
             </a:r>
             <a:endParaRPr lang="en-US" sz="1800"/>
           </a:p>
@@ -16521,7 +16623,7 @@
               <a:rPr lang="en-US" sz="1800">
                 <a:sym typeface="+mn-ea"/>
               </a:rPr>
-              <a:t>        if (pstmt1 != null) pstmt1.close();</a:t>
+              <a:t>    try {</a:t>
             </a:r>
             <a:endParaRPr lang="en-US" sz="1800"/>
           </a:p>
@@ -16530,7 +16632,7 @@
               <a:rPr lang="en-US" sz="1800">
                 <a:sym typeface="+mn-ea"/>
               </a:rPr>
-              <a:t>        if (pstmt2 != null) pstmt2.close();</a:t>
+              <a:t>        if (pstmt1 != null) pstmt1.close();</a:t>
             </a:r>
             <a:endParaRPr lang="en-US" sz="1800"/>
           </a:p>
@@ -16539,7 +16641,27 @@
               <a:rPr lang="en-US" sz="1800">
                 <a:sym typeface="+mn-ea"/>
               </a:rPr>
-              <a:t>        if (conn != null) conn.close();</a:t>
+              <a:t>        if (pstmt2 != null) pstmt2.close();</a:t>
+            </a:r>
+            <a:endParaRPr lang="en-US" sz="1800"/>
+          </a:p>
+          <a:p>
+            <a:r>
+              <a:rPr lang="en-US" sz="1800">
+                <a:sym typeface="+mn-ea"/>
+              </a:rPr>
+              <a:t>        </a:t>
+            </a:r>
+            <a:r>
+              <a:rPr lang="en-US" sz="1800" b="1">
+                <a:solidFill>
+                  <a:srgbClr val="002060"/>
+                </a:solidFill>
+                <a:latin typeface="Helvetica Bold" charset="0"/>
+                <a:cs typeface="Helvetica Bold" charset="0"/>
+                <a:sym typeface="+mn-ea"/>
+              </a:rPr>
+              <a:t>if (conn != null) conn.close();</a:t>
             </a:r>
             <a:endParaRPr lang="en-US" sz="1800"/>
           </a:p>
@@ -17020,44 +17142,114 @@
           <a:p>
             <a:pPr lvl="1"/>
             <a:r>
-              <a:rPr lang="en-US" altLang="en-US" dirty="0" err="1">
-                <a:ea typeface="MS PGothic" panose="020B0600070205080204" pitchFamily="34" charset="-128"/>
+              <a:rPr lang="en-US" altLang="en-US" b="1" dirty="0" err="1">
+                <a:solidFill>
+                  <a:srgbClr val="002060"/>
+                </a:solidFill>
+                <a:latin typeface="Helvetica Bold" charset="0"/>
+                <a:ea typeface="MS PGothic" panose="020B0600070205080204" pitchFamily="34" charset="-128"/>
+                <a:cs typeface="Helvetica Bold" charset="0"/>
               </a:rPr>
               <a:t>getBlob</a:t>
             </a:r>
             <a:r>
+              <a:rPr lang="en-US" altLang="en-US" b="1" dirty="0">
+                <a:solidFill>
+                  <a:srgbClr val="002060"/>
+                </a:solidFill>
+                <a:latin typeface="Helvetica Bold" charset="0"/>
+                <a:ea typeface="MS PGothic" panose="020B0600070205080204" pitchFamily="34" charset="-128"/>
+                <a:cs typeface="Helvetica Bold" charset="0"/>
+              </a:rPr>
+              <a:t>()</a:t>
+            </a:r>
+            <a:r>
               <a:rPr lang="en-US" altLang="en-US" dirty="0">
                 <a:ea typeface="MS PGothic" panose="020B0600070205080204" pitchFamily="34" charset="-128"/>
               </a:rPr>
-              <a:t>() and </a:t>
-            </a:r>
-            <a:r>
-              <a:rPr lang="en-US" altLang="en-US" dirty="0" err="1">
-                <a:ea typeface="MS PGothic" panose="020B0600070205080204" pitchFamily="34" charset="-128"/>
+              <a:t> and </a:t>
+            </a:r>
+            <a:r>
+              <a:rPr lang="en-US" altLang="en-US" b="1" dirty="0" err="1">
+                <a:solidFill>
+                  <a:srgbClr val="002060"/>
+                </a:solidFill>
+                <a:latin typeface="Helvetica Bold" charset="0"/>
+                <a:ea typeface="MS PGothic" panose="020B0600070205080204" pitchFamily="34" charset="-128"/>
+                <a:cs typeface="Helvetica Bold" charset="0"/>
               </a:rPr>
               <a:t>getClob</a:t>
             </a:r>
             <a:r>
+              <a:rPr lang="en-US" altLang="en-US" b="1" dirty="0">
+                <a:solidFill>
+                  <a:srgbClr val="002060"/>
+                </a:solidFill>
+                <a:latin typeface="Helvetica Bold" charset="0"/>
+                <a:ea typeface="MS PGothic" panose="020B0600070205080204" pitchFamily="34" charset="-128"/>
+                <a:cs typeface="Helvetica Bold" charset="0"/>
+              </a:rPr>
+              <a:t>()</a:t>
+            </a:r>
+            <a:r>
               <a:rPr lang="en-US" altLang="en-US" dirty="0">
                 <a:ea typeface="MS PGothic" panose="020B0600070205080204" pitchFamily="34" charset="-128"/>
               </a:rPr>
-              <a:t>() that are similar to the </a:t>
-            </a:r>
-            <a:r>
-              <a:rPr lang="en-US" altLang="en-US" dirty="0" err="1">
-                <a:ea typeface="MS PGothic" panose="020B0600070205080204" pitchFamily="34" charset="-128"/>
+              <a:t> that are similar to the </a:t>
+            </a:r>
+            <a:r>
+              <a:rPr lang="en-US" altLang="en-US" b="1" dirty="0" err="1">
+                <a:solidFill>
+                  <a:srgbClr val="002060"/>
+                </a:solidFill>
+                <a:latin typeface="Helvetica Bold" charset="0"/>
+                <a:ea typeface="MS PGothic" panose="020B0600070205080204" pitchFamily="34" charset="-128"/>
+                <a:cs typeface="Helvetica Bold" charset="0"/>
               </a:rPr>
               <a:t>getString</a:t>
             </a:r>
             <a:r>
+              <a:rPr lang="en-US" altLang="en-US" b="1" dirty="0">
+                <a:solidFill>
+                  <a:srgbClr val="002060"/>
+                </a:solidFill>
+                <a:latin typeface="Helvetica Bold" charset="0"/>
+                <a:ea typeface="MS PGothic" panose="020B0600070205080204" pitchFamily="34" charset="-128"/>
+                <a:cs typeface="Helvetica Bold" charset="0"/>
+              </a:rPr>
+              <a:t>()</a:t>
+            </a:r>
+            <a:r>
               <a:rPr lang="en-US" altLang="en-US" dirty="0">
                 <a:ea typeface="MS PGothic" panose="020B0600070205080204" pitchFamily="34" charset="-128"/>
               </a:rPr>
-              <a:t>() method, but return objects of type Blob and </a:t>
-            </a:r>
-            <a:r>
-              <a:rPr lang="en-US" altLang="en-US" dirty="0" err="1">
-                <a:ea typeface="MS PGothic" panose="020B0600070205080204" pitchFamily="34" charset="-128"/>
+              <a:t> method, but return objects of type </a:t>
+            </a:r>
+            <a:r>
+              <a:rPr lang="en-US" altLang="en-US" b="1" i="1" dirty="0">
+                <a:solidFill>
+                  <a:srgbClr val="002060"/>
+                </a:solidFill>
+                <a:latin typeface="Helvetica Bold Oblique" charset="0"/>
+                <a:ea typeface="MS PGothic" panose="020B0600070205080204" pitchFamily="34" charset="-128"/>
+                <a:cs typeface="Helvetica Bold Oblique" charset="0"/>
+              </a:rPr>
+              <a:t>Blob </a:t>
+            </a:r>
+            <a:r>
+              <a:rPr lang="en-US" altLang="en-US" dirty="0">
+                <a:ea typeface="MS PGothic" panose="020B0600070205080204" pitchFamily="34" charset="-128"/>
+              </a:rPr>
+              <a:t>and </a:t>
+            </a:r>
+            <a:r>
+              <a:rPr lang="en-US" altLang="en-US" b="1" i="1" dirty="0" err="1">
+                <a:solidFill>
+                  <a:srgbClr val="002060"/>
+                </a:solidFill>
+                <a:latin typeface="Helvetica Bold Oblique" charset="0"/>
+                <a:ea typeface="MS PGothic" panose="020B0600070205080204" pitchFamily="34" charset="-128"/>
+                <a:cs typeface="Helvetica Bold Oblique" charset="0"/>
               </a:rPr>
               <a:t>Clob</a:t>
             </a:r>
@@ -17122,64 +17314,90 @@
           <a:p>
             <a:pPr lvl="2"/>
             <a:r>
-              <a:rPr lang="en-US" altLang="en-US" dirty="0" err="1">
-                <a:ea typeface="MS PGothic" panose="020B0600070205080204" pitchFamily="34" charset="-128"/>
+              <a:rPr lang="en-US" altLang="en-US" b="1" i="1" dirty="0" err="1">
+                <a:latin typeface="Helvetica Bold Oblique" charset="0"/>
+                <a:ea typeface="MS PGothic" panose="020B0600070205080204" pitchFamily="34" charset="-128"/>
+                <a:cs typeface="Helvetica Bold Oblique" charset="0"/>
               </a:rPr>
               <a:t>blob.setBlob</a:t>
             </a:r>
             <a:r>
+              <a:rPr lang="en-US" altLang="en-US" b="1" i="1" dirty="0">
+                <a:latin typeface="Helvetica Bold Oblique" charset="0"/>
+                <a:ea typeface="MS PGothic" panose="020B0600070205080204" pitchFamily="34" charset="-128"/>
+                <a:cs typeface="Helvetica Bold Oblique" charset="0"/>
+              </a:rPr>
+              <a:t>(</a:t>
+            </a:r>
+            <a:r>
+              <a:rPr lang="en-US" altLang="en-US" b="1" i="1" dirty="0" err="1">
+                <a:latin typeface="Helvetica Bold Oblique" charset="0"/>
+                <a:ea typeface="MS PGothic" panose="020B0600070205080204" pitchFamily="34" charset="-128"/>
+                <a:cs typeface="Helvetica Bold Oblique" charset="0"/>
+              </a:rPr>
+              <a:t>int</a:t>
+            </a:r>
+            <a:r>
+              <a:rPr lang="en-US" altLang="en-US" b="1" i="1" dirty="0">
+                <a:latin typeface="Helvetica Bold Oblique" charset="0"/>
+                <a:ea typeface="MS PGothic" panose="020B0600070205080204" pitchFamily="34" charset="-128"/>
+                <a:cs typeface="Helvetica Bold Oblique" charset="0"/>
+              </a:rPr>
+              <a:t> </a:t>
+            </a:r>
+            <a:r>
+              <a:rPr lang="en-US" altLang="en-US" b="1" i="1" dirty="0" err="1">
+                <a:latin typeface="Helvetica Bold Oblique" charset="0"/>
+                <a:ea typeface="MS PGothic" panose="020B0600070205080204" pitchFamily="34" charset="-128"/>
+                <a:cs typeface="Helvetica Bold Oblique" charset="0"/>
+              </a:rPr>
+              <a:t>parameterIndex</a:t>
+            </a:r>
+            <a:r>
+              <a:rPr lang="en-US" altLang="en-US" b="1" i="1" dirty="0">
+                <a:latin typeface="Helvetica Bold Oblique" charset="0"/>
+                <a:ea typeface="MS PGothic" panose="020B0600070205080204" pitchFamily="34" charset="-128"/>
+                <a:cs typeface="Helvetica Bold Oblique" charset="0"/>
+              </a:rPr>
+              <a:t>, </a:t>
+            </a:r>
+            <a:r>
+              <a:rPr lang="en-US" altLang="en-US" b="1" i="1" dirty="0" err="1">
+                <a:latin typeface="Helvetica Bold Oblique" charset="0"/>
+                <a:ea typeface="MS PGothic" panose="020B0600070205080204" pitchFamily="34" charset="-128"/>
+                <a:cs typeface="Helvetica Bold Oblique" charset="0"/>
+              </a:rPr>
+              <a:t>InputStream</a:t>
+            </a:r>
+            <a:r>
+              <a:rPr lang="en-US" altLang="en-US" b="1" i="1" dirty="0">
+                <a:latin typeface="Helvetica Bold Oblique" charset="0"/>
+                <a:ea typeface="MS PGothic" panose="020B0600070205080204" pitchFamily="34" charset="-128"/>
+                <a:cs typeface="Helvetica Bold Oblique" charset="0"/>
+              </a:rPr>
+              <a:t> </a:t>
+            </a:r>
+            <a:r>
+              <a:rPr lang="en-US" altLang="en-US" b="1" i="1" dirty="0" err="1">
+                <a:latin typeface="Helvetica Bold Oblique" charset="0"/>
+                <a:ea typeface="MS PGothic" panose="020B0600070205080204" pitchFamily="34" charset="-128"/>
+                <a:cs typeface="Helvetica Bold Oblique" charset="0"/>
+              </a:rPr>
+              <a:t>inputStream</a:t>
+            </a:r>
+            <a:r>
+              <a:rPr lang="en-US" altLang="en-US" b="1" i="1" dirty="0">
+                <a:latin typeface="Helvetica Bold Oblique" charset="0"/>
+                <a:ea typeface="MS PGothic" panose="020B0600070205080204" pitchFamily="34" charset="-128"/>
+                <a:cs typeface="Helvetica Bold Oblique" charset="0"/>
+              </a:rPr>
+              <a:t>)</a:t>
+            </a:r>
+            <a:r>
               <a:rPr lang="en-US" altLang="en-US" dirty="0">
                 <a:ea typeface="MS PGothic" panose="020B0600070205080204" pitchFamily="34" charset="-128"/>
               </a:rPr>
-              <a:t>(</a:t>
-            </a:r>
-            <a:r>
-              <a:rPr lang="en-US" altLang="en-US" dirty="0" err="1">
-                <a:ea typeface="MS PGothic" panose="020B0600070205080204" pitchFamily="34" charset="-128"/>
-              </a:rPr>
-              <a:t>int</a:t>
-            </a:r>
-            <a:r>
-              <a:rPr lang="en-US" altLang="en-US" dirty="0">
-                <a:ea typeface="MS PGothic" panose="020B0600070205080204" pitchFamily="34" charset="-128"/>
-              </a:rPr>
-              <a:t> </a:t>
-            </a:r>
-            <a:r>
-              <a:rPr lang="en-US" altLang="en-US" dirty="0" err="1">
-                <a:ea typeface="MS PGothic" panose="020B0600070205080204" pitchFamily="34" charset="-128"/>
-              </a:rPr>
-              <a:t>parameterIndex</a:t>
-            </a:r>
-            <a:r>
-              <a:rPr lang="en-US" altLang="en-US" dirty="0">
-                <a:ea typeface="MS PGothic" panose="020B0600070205080204" pitchFamily="34" charset="-128"/>
-              </a:rPr>
-              <a:t>, </a:t>
-            </a:r>
-            <a:r>
-              <a:rPr lang="en-US" altLang="en-US" dirty="0" err="1">
-                <a:ea typeface="MS PGothic" panose="020B0600070205080204" pitchFamily="34" charset="-128"/>
-              </a:rPr>
-              <a:t>InputStream</a:t>
-            </a:r>
-            <a:r>
-              <a:rPr lang="en-US" altLang="en-US" dirty="0">
-                <a:ea typeface="MS PGothic" panose="020B0600070205080204" pitchFamily="34" charset="-128"/>
-              </a:rPr>
-              <a:t> </a:t>
-            </a:r>
-            <a:r>
-              <a:rPr lang="en-US" altLang="en-US" dirty="0" err="1">
-                <a:ea typeface="MS PGothic" panose="020B0600070205080204" pitchFamily="34" charset="-128"/>
-              </a:rPr>
-              <a:t>inputStream</a:t>
-            </a:r>
-            <a:r>
-              <a:rPr lang="en-US" altLang="en-US" dirty="0">
-                <a:ea typeface="MS PGothic" panose="020B0600070205080204" pitchFamily="34" charset="-128"/>
-              </a:rPr>
-              <a:t>).</a:t>
+              <a:t>.</a:t>
             </a:r>
             <a:endParaRPr lang="en-US" altLang="en-US" dirty="0">
               <a:ea typeface="MS PGothic" panose="020B0600070205080204" pitchFamily="34" charset="-128"/>
@@ -18595,7 +18813,41 @@
           <a:p>
             <a:r>
               <a:rPr lang="en-US" altLang="en-US" dirty="0"/>
-              <a:t>These can be defined either by the procedural component of SQL or  by an external programming language such as Java, C, or C++.</a:t>
+              <a:t>These can be defined either by the procedural component of SQL or  by an external programming language such as </a:t>
+            </a:r>
+            <a:r>
+              <a:rPr lang="en-US" altLang="en-US" b="1" dirty="0">
+                <a:solidFill>
+                  <a:srgbClr val="002060"/>
+                </a:solidFill>
+                <a:latin typeface="Helvetica Bold" charset="0"/>
+                <a:cs typeface="Helvetica Bold" charset="0"/>
+              </a:rPr>
+              <a:t>Java, C, </a:t>
+            </a:r>
+            <a:r>
+              <a:rPr lang="en-US" altLang="en-US" dirty="0">
+                <a:solidFill>
+                  <a:srgbClr val="002060"/>
+                </a:solidFill>
+                <a:latin typeface="Helvetica" pitchFamily="34" charset="0"/>
+                <a:cs typeface="Helvetica" pitchFamily="34" charset="0"/>
+              </a:rPr>
+              <a:t>or </a:t>
+            </a:r>
+            <a:r>
+              <a:rPr lang="en-US" altLang="en-US" b="1" dirty="0">
+                <a:solidFill>
+                  <a:srgbClr val="002060"/>
+                </a:solidFill>
+                <a:latin typeface="Helvetica Bold" charset="0"/>
+                <a:cs typeface="Helvetica Bold" charset="0"/>
+              </a:rPr>
+              <a:t>C++</a:t>
+            </a:r>
+            <a:r>
+              <a:rPr lang="en-US" altLang="en-US" dirty="0"/>
+              <a:t>.</a:t>
             </a:r>
             <a:endParaRPr lang="en-US" altLang="en-US" dirty="0"/>
           </a:p>
@@ -19759,109 +20011,136 @@
               <a:buNone/>
             </a:pPr>
             <a:r>
-              <a:rPr lang="en-US"/>
+              <a:rPr lang="en-US" sz="1400"/>
               <a:t>DELIMITER //</a:t>
             </a:r>
-            <a:endParaRPr lang="en-US"/>
+            <a:endParaRPr lang="en-US" sz="1400"/>
           </a:p>
           <a:p>
             <a:pPr marL="0" indent="0">
               <a:buNone/>
             </a:pPr>
+            <a:r>
+              <a:rPr lang="en-US" sz="1400" b="1">
+                <a:latin typeface="Helvetica Bold" charset="0"/>
+                <a:cs typeface="Helvetica Bold" charset="0"/>
+              </a:rPr>
+              <a:t>CREATE FUNCTION </a:t>
+            </a:r>
+            <a:r>
+              <a:rPr lang="en-US" sz="1400"/>
+              <a:t>calculate_bonus(salary DECIMAL(10, 2), bonus_rate DECIMAL(3, 2)) </a:t>
+            </a:r>
+            <a:endParaRPr lang="en-US" sz="1400"/>
+          </a:p>
+          <a:p>
+            <a:pPr marL="0" indent="0">
+              <a:buNone/>
+            </a:pPr>
+            <a:r>
+              <a:rPr lang="en-US" sz="1400" b="1">
+                <a:latin typeface="Helvetica Bold" charset="0"/>
+                <a:cs typeface="Helvetica Bold" charset="0"/>
+              </a:rPr>
+              <a:t>RETURNS DECIMAL(10, 2)</a:t>
+            </a:r>
+            <a:endParaRPr lang="en-US" sz="1400" b="1">
+              <a:latin typeface="Helvetica Bold" charset="0"/>
+              <a:cs typeface="Helvetica Bold" charset="0"/>
+            </a:endParaRPr>
+          </a:p>
+          <a:p>
+            <a:pPr marL="0" indent="0">
+              <a:buNone/>
+            </a:pPr>
+            <a:r>
+              <a:rPr lang="en-US" sz="1400" b="1">
+                <a:latin typeface="Helvetica Bold" charset="0"/>
+                <a:cs typeface="Helvetica Bold" charset="0"/>
+              </a:rPr>
+              <a:t>BEGIN</a:t>
+            </a:r>
+            <a:endParaRPr lang="en-US" sz="1400" b="1">
+              <a:latin typeface="Helvetica Bold" charset="0"/>
+              <a:cs typeface="Helvetica Bold" charset="0"/>
+            </a:endParaRPr>
+          </a:p>
+          <a:p>
+            <a:pPr marL="0" indent="0">
+              <a:buNone/>
+            </a:pPr>
+            <a:r>
+              <a:rPr lang="en-US" sz="1400"/>
+              <a:t>   </a:t>
+            </a:r>
+            <a:r>
+              <a:rPr lang="en-US" sz="1400" b="1">
+                <a:latin typeface="Helvetica Bold" charset="0"/>
+                <a:cs typeface="Helvetica Bold" charset="0"/>
+              </a:rPr>
+              <a:t> RETURN</a:t>
+            </a:r>
+            <a:r>
+              <a:rPr lang="en-US" sz="1400"/>
+              <a:t> salary * bonus_rate;</a:t>
+            </a:r>
+            <a:endParaRPr lang="en-US" sz="1400"/>
+          </a:p>
+          <a:p>
+            <a:pPr marL="0" indent="0">
+              <a:buNone/>
+            </a:pPr>
+            <a:r>
+              <a:rPr lang="en-US" sz="1400" b="1">
+                <a:latin typeface="Helvetica Bold" charset="0"/>
+                <a:cs typeface="Helvetica Bold" charset="0"/>
+              </a:rPr>
+              <a:t>END</a:t>
+            </a:r>
+            <a:r>
+              <a:rPr lang="en-US" sz="1400"/>
+              <a:t> //</a:t>
+            </a:r>
+            <a:endParaRPr lang="en-US" sz="1400"/>
+          </a:p>
+          <a:p>
+            <a:pPr marL="0" indent="0">
+              <a:buNone/>
+            </a:pPr>
+            <a:r>
+              <a:rPr lang="en-US" sz="1400"/>
+              <a:t>DELIMITER ;</a:t>
+            </a:r>
+            <a:endParaRPr lang="en-US" sz="1400"/>
+          </a:p>
+          <a:p>
+            <a:pPr marL="0" indent="0">
+              <a:buNone/>
+            </a:pPr>
+            <a:endParaRPr lang="en-US"/>
+          </a:p>
+          <a:p>
+            <a:r>
+              <a:rPr lang="en-US"/>
+              <a:t>The function calculate_bonus takes a salary and a bonus rate as input parameters and returns the calculated bonus.</a:t>
+            </a:r>
+            <a:endParaRPr lang="en-US"/>
+          </a:p>
+          <a:p>
+            <a:r>
+              <a:rPr lang="en-US"/>
+              <a:t>The DELIMITER command allows the function definition to be treated as a </a:t>
+            </a:r>
             <a:r>
               <a:rPr lang="en-US" b="1">
                 <a:latin typeface="Helvetica Bold" charset="0"/>
                 <a:cs typeface="Helvetica Bold" charset="0"/>
               </a:rPr>
-              <a:t>CREATE FUNCTION </a:t>
+              <a:t>single </a:t>
             </a:r>
             <a:r>
               <a:rPr lang="en-US"/>
-              <a:t>calculate_bonus(salary DECIMAL(10, 2), bonus_rate DECIMAL(3, 2)) RETURNS DECIMAL(10, 2)</a:t>
-            </a:r>
-            <a:endParaRPr lang="en-US"/>
-          </a:p>
-          <a:p>
-            <a:pPr marL="0" indent="0">
-              <a:buNone/>
-            </a:pPr>
-            <a:r>
-              <a:rPr lang="en-US" b="1">
-                <a:latin typeface="Helvetica Bold" charset="0"/>
-                <a:cs typeface="Helvetica Bold" charset="0"/>
-              </a:rPr>
-              <a:t>BEGIN</a:t>
-            </a:r>
-            <a:endParaRPr lang="en-US" b="1">
-              <a:latin typeface="Helvetica Bold" charset="0"/>
-              <a:cs typeface="Helvetica Bold" charset="0"/>
-            </a:endParaRPr>
-          </a:p>
-          <a:p>
-            <a:pPr marL="0" indent="0">
-              <a:buNone/>
-            </a:pPr>
-            <a:r>
-              <a:rPr lang="en-US"/>
-              <a:t>   </a:t>
-            </a:r>
-            <a:r>
-              <a:rPr lang="en-US" b="1">
-                <a:latin typeface="Helvetica Bold" charset="0"/>
-                <a:cs typeface="Helvetica Bold" charset="0"/>
-              </a:rPr>
-              <a:t> RETURN</a:t>
-            </a:r>
-            <a:r>
-              <a:rPr lang="en-US"/>
-              <a:t> salary * bonus_rate;</a:t>
-            </a:r>
-            <a:endParaRPr lang="en-US"/>
-          </a:p>
-          <a:p>
-            <a:pPr marL="0" indent="0">
-              <a:buNone/>
-            </a:pPr>
-            <a:r>
-              <a:rPr lang="en-US" b="1">
-                <a:latin typeface="Helvetica Bold" charset="0"/>
-                <a:cs typeface="Helvetica Bold" charset="0"/>
-              </a:rPr>
-              <a:t>END</a:t>
-            </a:r>
-            <a:r>
-              <a:rPr lang="en-US"/>
-              <a:t> //</a:t>
-            </a:r>
-            <a:endParaRPr lang="en-US"/>
-          </a:p>
-          <a:p>
-            <a:pPr marL="0" indent="0">
-              <a:buNone/>
-            </a:pPr>
-            <a:r>
-              <a:rPr lang="en-US"/>
-              <a:t>DELIMITER ;</a:t>
-            </a:r>
-            <a:endParaRPr lang="en-US"/>
-          </a:p>
-          <a:p>
-            <a:pPr marL="0" indent="0">
-              <a:buNone/>
-            </a:pPr>
-            <a:endParaRPr lang="en-US"/>
-          </a:p>
-          <a:p>
-            <a:r>
-              <a:rPr lang="en-US"/>
-              <a:t>The function calculate_bonus takes a salary and a bonus rate as input parameters and returns the calculated bonus.</a:t>
-            </a:r>
-            <a:endParaRPr lang="en-US"/>
-          </a:p>
-          <a:p>
-            <a:r>
-              <a:rPr lang="en-US"/>
-              <a:t>The DELIMITER command allows the function definition to be treated as a single statement.</a:t>
+              <a:t>statement.</a:t>
             </a:r>
             <a:endParaRPr lang="en-US"/>
           </a:p>
@@ -20229,28 +20508,36 @@
               <a:t>where </a:t>
             </a:r>
             <a:r>
-              <a:rPr lang="en-US" altLang="en-US" i="1" dirty="0" err="1"/>
-              <a:t>dept_</a:t>
-            </a:r>
-            <a:r>
-              <a:rPr lang="en-US" altLang="en-US" dirty="0" err="1"/>
-              <a:t>count</a:t>
-            </a:r>
-            <a:r>
-              <a:rPr lang="en-US" altLang="en-US" dirty="0"/>
+              <a:rPr lang="en-US" altLang="en-US" i="1" dirty="0" err="1">
+                <a:latin typeface="Helvetica Oblique" charset="0"/>
+                <a:cs typeface="Helvetica Oblique" charset="0"/>
+              </a:rPr>
+              <a:t>dept_count</a:t>
+            </a:r>
+            <a:r>
+              <a:rPr lang="en-US" altLang="en-US" i="1" dirty="0">
+                <a:latin typeface="Helvetica Oblique" charset="0"/>
+                <a:cs typeface="Helvetica Oblique" charset="0"/>
+              </a:rPr>
               <a:t> (</a:t>
             </a:r>
             <a:r>
-              <a:rPr lang="en-US" altLang="en-US" i="1" dirty="0" err="1"/>
+              <a:rPr lang="en-US" altLang="en-US" i="1" dirty="0" err="1">
+                <a:latin typeface="Helvetica Oblique" charset="0"/>
+                <a:cs typeface="Helvetica Oblique" charset="0"/>
+              </a:rPr>
               <a:t>dept_name</a:t>
             </a:r>
             <a:r>
-              <a:rPr lang="en-US" altLang="en-US" i="1" dirty="0"/>
-              <a:t> </a:t>
-            </a:r>
-            <a:r>
-              <a:rPr lang="en-US" altLang="en-US" dirty="0"/>
-              <a:t>) &gt; 12</a:t>
+              <a:rPr lang="en-US" altLang="en-US" i="1" dirty="0">
+                <a:latin typeface="Helvetica Oblique" charset="0"/>
+                <a:cs typeface="Helvetica Oblique" charset="0"/>
+              </a:rPr>
+              <a:t> ) </a:t>
+            </a:r>
+            <a:r>
+              <a:rPr lang="en-US" altLang="en-US" dirty="0"/>
+              <a:t>&gt; 12</a:t>
             </a:r>
             <a:endParaRPr lang="en-US" altLang="en-US" i="1" dirty="0"/>
           </a:p>
@@ -20741,31 +21028,13 @@
       </p:sp>
       <p:sp>
         <p:nvSpPr>
-          <p:cNvPr id="3" name="Content Placeholder 2"/>
-          <p:cNvSpPr>
-            <a:spLocks noGrp="1"/>
-          </p:cNvSpPr>
-          <p:nvPr>
-            <p:ph idx="1"/>
-          </p:nvPr>
-        </p:nvSpPr>
-        <p:spPr/>
-        <p:txBody>
-          <a:bodyPr/>
-          <a:p>
-            <a:endParaRPr lang="en-US"/>
-          </a:p>
-        </p:txBody>
-      </p:sp>
-      <p:sp>
-        <p:nvSpPr>
           <p:cNvPr id="4" name="Text Box 3"/>
           <p:cNvSpPr txBox="1"/>
           <p:nvPr/>
         </p:nvSpPr>
         <p:spPr>
           <a:xfrm>
-            <a:off x="1018540" y="1125855"/>
+            <a:off x="1018540" y="1149985"/>
             <a:ext cx="7576820" cy="2306955"/>
           </a:xfrm>
           <a:prstGeom prst="rect">
@@ -21506,270 +21775,6 @@
 </file>
 
 <file path=ppt/slides/slide36.xml><?xml version="1.0" encoding="utf-8"?>
-<p:sld xmlns:a="http://schemas.openxmlformats.org/drawingml/2006/main" xmlns:r="http://schemas.openxmlformats.org/officeDocument/2006/relationships" xmlns:p="http://schemas.openxmlformats.org/presentationml/2006/main">
-  <p:cSld>
-    <p:spTree>
-      <p:nvGrpSpPr>
-        <p:cNvPr id="1" name=""/>
-        <p:cNvGrpSpPr/>
-        <p:nvPr/>
-      </p:nvGrpSpPr>
-      <p:grpSpPr/>
-      <p:sp>
-        <p:nvSpPr>
-          <p:cNvPr id="2" name="Title 1"/>
-          <p:cNvSpPr>
-            <a:spLocks noGrp="1"/>
-          </p:cNvSpPr>
-          <p:nvPr>
-            <p:ph type="title"/>
-          </p:nvPr>
-        </p:nvSpPr>
-        <p:spPr/>
-        <p:txBody>
-          <a:bodyPr/>
-          <a:p>
-            <a:r>
-              <a:rPr lang="en-US"/>
-              <a:t>MySQL Example: Stored Procedure</a:t>
-            </a:r>
-            <a:endParaRPr lang="en-US"/>
-          </a:p>
-        </p:txBody>
-      </p:sp>
-      <p:sp>
-        <p:nvSpPr>
-          <p:cNvPr id="3" name="Content Placeholder 2"/>
-          <p:cNvSpPr>
-            <a:spLocks noGrp="1"/>
-          </p:cNvSpPr>
-          <p:nvPr>
-            <p:ph idx="1"/>
-          </p:nvPr>
-        </p:nvSpPr>
-        <p:spPr/>
-        <p:txBody>
-          <a:bodyPr/>
-          <a:p>
-            <a:pPr marL="0" indent="0">
-              <a:buNone/>
-            </a:pPr>
-            <a:r>
-              <a:rPr lang="en-US"/>
-              <a:t>DELIMITER //</a:t>
-            </a:r>
-            <a:endParaRPr lang="en-US"/>
-          </a:p>
-          <a:p>
-            <a:pPr marL="0" indent="0">
-              <a:buNone/>
-            </a:pPr>
-            <a:r>
-              <a:rPr lang="en-US" b="1">
-                <a:latin typeface="Helvetica Bold" charset="0"/>
-                <a:cs typeface="Helvetica Bold" charset="0"/>
-              </a:rPr>
-              <a:t>CREATE PROCEDURE</a:t>
-            </a:r>
-            <a:r>
-              <a:rPr lang="en-US"/>
-              <a:t> add_employee(</a:t>
-            </a:r>
-            <a:endParaRPr lang="en-US"/>
-          </a:p>
-          <a:p>
-            <a:pPr marL="0" indent="0">
-              <a:buNone/>
-            </a:pPr>
-            <a:r>
-              <a:rPr lang="en-US"/>
-              <a:t>    </a:t>
-            </a:r>
-            <a:r>
-              <a:rPr lang="en-US" b="1">
-                <a:latin typeface="Helvetica Bold" charset="0"/>
-                <a:cs typeface="Helvetica Bold" charset="0"/>
-              </a:rPr>
-              <a:t>IN</a:t>
-            </a:r>
-            <a:r>
-              <a:rPr lang="en-US"/>
-              <a:t> emp_name VARCHAR(100),</a:t>
-            </a:r>
-            <a:endParaRPr lang="en-US"/>
-          </a:p>
-          <a:p>
-            <a:pPr marL="0" indent="0">
-              <a:buNone/>
-            </a:pPr>
-            <a:r>
-              <a:rPr lang="en-US"/>
-              <a:t>    </a:t>
-            </a:r>
-            <a:r>
-              <a:rPr lang="en-US" b="1">
-                <a:latin typeface="Helvetica Bold" charset="0"/>
-                <a:cs typeface="Helvetica Bold" charset="0"/>
-              </a:rPr>
-              <a:t>IN</a:t>
-            </a:r>
-            <a:r>
-              <a:rPr lang="en-US"/>
-              <a:t> emp_age INT,</a:t>
-            </a:r>
-            <a:endParaRPr lang="en-US"/>
-          </a:p>
-          <a:p>
-            <a:pPr marL="0" indent="0">
-              <a:buNone/>
-            </a:pPr>
-            <a:r>
-              <a:rPr lang="en-US"/>
-              <a:t>    </a:t>
-            </a:r>
-            <a:r>
-              <a:rPr lang="en-US" b="1">
-                <a:latin typeface="Helvetica Bold" charset="0"/>
-                <a:cs typeface="Helvetica Bold" charset="0"/>
-              </a:rPr>
-              <a:t>IN</a:t>
-            </a:r>
-            <a:r>
-              <a:rPr lang="en-US"/>
-              <a:t> emp_department VARCHAR(50)</a:t>
-            </a:r>
-            <a:endParaRPr lang="en-US"/>
-          </a:p>
-          <a:p>
-            <a:pPr marL="0" indent="0">
-              <a:buNone/>
-            </a:pPr>
-            <a:r>
-              <a:rPr lang="en-US"/>
-              <a:t>)</a:t>
-            </a:r>
-            <a:endParaRPr lang="en-US"/>
-          </a:p>
-          <a:p>
-            <a:pPr marL="0" indent="0">
-              <a:buNone/>
-            </a:pPr>
-            <a:r>
-              <a:rPr lang="en-US" b="1">
-                <a:latin typeface="Helvetica Bold" charset="0"/>
-                <a:cs typeface="Helvetica Bold" charset="0"/>
-              </a:rPr>
-              <a:t>BEGIN</a:t>
-            </a:r>
-            <a:endParaRPr lang="en-US" b="1">
-              <a:latin typeface="Helvetica Bold" charset="0"/>
-              <a:cs typeface="Helvetica Bold" charset="0"/>
-            </a:endParaRPr>
-          </a:p>
-          <a:p>
-            <a:pPr marL="0" indent="0">
-              <a:buNone/>
-            </a:pPr>
-            <a:r>
-              <a:rPr lang="en-US"/>
-              <a:t>   </a:t>
-            </a:r>
-            <a:r>
-              <a:rPr lang="en-US" b="1">
-                <a:latin typeface="Helvetica Bold" charset="0"/>
-                <a:cs typeface="Helvetica Bold" charset="0"/>
-              </a:rPr>
-              <a:t> INSERT INTO </a:t>
-            </a:r>
-            <a:r>
-              <a:rPr lang="en-US"/>
-              <a:t>employees (name, age, department)</a:t>
-            </a:r>
-            <a:endParaRPr lang="en-US"/>
-          </a:p>
-          <a:p>
-            <a:pPr marL="0" indent="0">
-              <a:buNone/>
-            </a:pPr>
-            <a:r>
-              <a:rPr lang="en-US"/>
-              <a:t>    </a:t>
-            </a:r>
-            <a:r>
-              <a:rPr lang="en-US" b="1">
-                <a:latin typeface="Helvetica Bold" charset="0"/>
-                <a:cs typeface="Helvetica Bold" charset="0"/>
-              </a:rPr>
-              <a:t>VALUES </a:t>
-            </a:r>
-            <a:r>
-              <a:rPr lang="en-US"/>
-              <a:t>(emp_name, emp_age, emp_department);</a:t>
-            </a:r>
-            <a:endParaRPr lang="en-US"/>
-          </a:p>
-          <a:p>
-            <a:pPr marL="0" indent="0">
-              <a:buNone/>
-            </a:pPr>
-            <a:r>
-              <a:rPr lang="en-US" b="1">
-                <a:latin typeface="Helvetica Bold" charset="0"/>
-                <a:cs typeface="Helvetica Bold" charset="0"/>
-              </a:rPr>
-              <a:t>END</a:t>
-            </a:r>
-            <a:r>
-              <a:rPr lang="en-US"/>
-              <a:t> //</a:t>
-            </a:r>
-            <a:endParaRPr lang="en-US"/>
-          </a:p>
-          <a:p>
-            <a:pPr marL="0" indent="0">
-              <a:buNone/>
-            </a:pPr>
-            <a:r>
-              <a:rPr lang="en-US"/>
-              <a:t>DELIMITER ;</a:t>
-            </a:r>
-            <a:endParaRPr lang="en-US"/>
-          </a:p>
-          <a:p>
-            <a:pPr marL="0" indent="0">
-              <a:buNone/>
-            </a:pPr>
-            <a:endParaRPr lang="en-US"/>
-          </a:p>
-          <a:p>
-            <a:r>
-              <a:rPr lang="en-US"/>
-              <a:t>The procedure </a:t>
-            </a:r>
-            <a:r>
-              <a:rPr lang="en-US" b="1" i="1">
-                <a:latin typeface="Helvetica Bold Oblique" charset="0"/>
-                <a:cs typeface="Helvetica Bold Oblique" charset="0"/>
-              </a:rPr>
-              <a:t>add_employee</a:t>
-            </a:r>
-            <a:r>
-              <a:rPr lang="en-US"/>
-              <a:t> inserts a new employee record into the employees table.</a:t>
-            </a:r>
-            <a:endParaRPr lang="en-US"/>
-          </a:p>
-        </p:txBody>
-      </p:sp>
-    </p:spTree>
-  </p:cSld>
-  <p:clrMapOvr>
-    <a:masterClrMapping/>
-  </p:clrMapOvr>
-</p:sld>
-</file>
-
-<file path=ppt/slides/slide37.xml><?xml version="1.0" encoding="utf-8"?>
 <p:sld xmlns:a="http://schemas.openxmlformats.org/drawingml/2006/main" xmlns:r="http://schemas.openxmlformats.org/officeDocument/2006/relationships" xmlns:p="http://schemas.openxmlformats.org/presentationml/2006/main" show="0">
   <p:cSld>
     <p:spTree>
@@ -22131,6 +22136,270 @@
     <a:masterClrMapping/>
   </p:clrMapOvr>
   <p:transition spd="slow"/>
+</p:sld>
+</file>
+
+<file path=ppt/slides/slide37.xml><?xml version="1.0" encoding="utf-8"?>
+<p:sld xmlns:a="http://schemas.openxmlformats.org/drawingml/2006/main" xmlns:r="http://schemas.openxmlformats.org/officeDocument/2006/relationships" xmlns:p="http://schemas.openxmlformats.org/presentationml/2006/main">
+  <p:cSld>
+    <p:spTree>
+      <p:nvGrpSpPr>
+        <p:cNvPr id="1" name=""/>
+        <p:cNvGrpSpPr/>
+        <p:nvPr/>
+      </p:nvGrpSpPr>
+      <p:grpSpPr/>
+      <p:sp>
+        <p:nvSpPr>
+          <p:cNvPr id="2" name="Title 1"/>
+          <p:cNvSpPr>
+            <a:spLocks noGrp="1"/>
+          </p:cNvSpPr>
+          <p:nvPr>
+            <p:ph type="title"/>
+          </p:nvPr>
+        </p:nvSpPr>
+        <p:spPr/>
+        <p:txBody>
+          <a:bodyPr/>
+          <a:p>
+            <a:r>
+              <a:rPr lang="en-US"/>
+              <a:t>MySQL Example: Stored Procedure</a:t>
+            </a:r>
+            <a:endParaRPr lang="en-US"/>
+          </a:p>
+        </p:txBody>
+      </p:sp>
+      <p:sp>
+        <p:nvSpPr>
+          <p:cNvPr id="3" name="Content Placeholder 2"/>
+          <p:cNvSpPr>
+            <a:spLocks noGrp="1"/>
+          </p:cNvSpPr>
+          <p:nvPr>
+            <p:ph idx="1"/>
+          </p:nvPr>
+        </p:nvSpPr>
+        <p:spPr/>
+        <p:txBody>
+          <a:bodyPr/>
+          <a:p>
+            <a:pPr marL="0" indent="0">
+              <a:buNone/>
+            </a:pPr>
+            <a:r>
+              <a:rPr lang="en-US"/>
+              <a:t>DELIMITER //</a:t>
+            </a:r>
+            <a:endParaRPr lang="en-US"/>
+          </a:p>
+          <a:p>
+            <a:pPr marL="0" indent="0">
+              <a:buNone/>
+            </a:pPr>
+            <a:r>
+              <a:rPr lang="en-US" b="1">
+                <a:latin typeface="Helvetica Bold" charset="0"/>
+                <a:cs typeface="Helvetica Bold" charset="0"/>
+              </a:rPr>
+              <a:t>CREATE PROCEDURE</a:t>
+            </a:r>
+            <a:r>
+              <a:rPr lang="en-US"/>
+              <a:t> add_employee(</a:t>
+            </a:r>
+            <a:endParaRPr lang="en-US"/>
+          </a:p>
+          <a:p>
+            <a:pPr marL="0" indent="0">
+              <a:buNone/>
+            </a:pPr>
+            <a:r>
+              <a:rPr lang="en-US"/>
+              <a:t>    </a:t>
+            </a:r>
+            <a:r>
+              <a:rPr lang="en-US" b="1">
+                <a:latin typeface="Helvetica Bold" charset="0"/>
+                <a:cs typeface="Helvetica Bold" charset="0"/>
+              </a:rPr>
+              <a:t>IN</a:t>
+            </a:r>
+            <a:r>
+              <a:rPr lang="en-US"/>
+              <a:t> emp_name VARCHAR(100),</a:t>
+            </a:r>
+            <a:endParaRPr lang="en-US"/>
+          </a:p>
+          <a:p>
+            <a:pPr marL="0" indent="0">
+              <a:buNone/>
+            </a:pPr>
+            <a:r>
+              <a:rPr lang="en-US"/>
+              <a:t>    </a:t>
+            </a:r>
+            <a:r>
+              <a:rPr lang="en-US" b="1">
+                <a:latin typeface="Helvetica Bold" charset="0"/>
+                <a:cs typeface="Helvetica Bold" charset="0"/>
+              </a:rPr>
+              <a:t>IN</a:t>
+            </a:r>
+            <a:r>
+              <a:rPr lang="en-US"/>
+              <a:t> emp_age INT,</a:t>
+            </a:r>
+            <a:endParaRPr lang="en-US"/>
+          </a:p>
+          <a:p>
+            <a:pPr marL="0" indent="0">
+              <a:buNone/>
+            </a:pPr>
+            <a:r>
+              <a:rPr lang="en-US"/>
+              <a:t>    </a:t>
+            </a:r>
+            <a:r>
+              <a:rPr lang="en-US" b="1">
+                <a:latin typeface="Helvetica Bold" charset="0"/>
+                <a:cs typeface="Helvetica Bold" charset="0"/>
+              </a:rPr>
+              <a:t>IN</a:t>
+            </a:r>
+            <a:r>
+              <a:rPr lang="en-US"/>
+              <a:t> emp_department VARCHAR(50)</a:t>
+            </a:r>
+            <a:endParaRPr lang="en-US"/>
+          </a:p>
+          <a:p>
+            <a:pPr marL="0" indent="0">
+              <a:buNone/>
+            </a:pPr>
+            <a:r>
+              <a:rPr lang="en-US"/>
+              <a:t>)</a:t>
+            </a:r>
+            <a:endParaRPr lang="en-US"/>
+          </a:p>
+          <a:p>
+            <a:pPr marL="0" indent="0">
+              <a:buNone/>
+            </a:pPr>
+            <a:r>
+              <a:rPr lang="en-US" b="1">
+                <a:latin typeface="Helvetica Bold" charset="0"/>
+                <a:cs typeface="Helvetica Bold" charset="0"/>
+              </a:rPr>
+              <a:t>BEGIN</a:t>
+            </a:r>
+            <a:endParaRPr lang="en-US" b="1">
+              <a:latin typeface="Helvetica Bold" charset="0"/>
+              <a:cs typeface="Helvetica Bold" charset="0"/>
+            </a:endParaRPr>
+          </a:p>
+          <a:p>
+            <a:pPr marL="0" indent="0">
+              <a:buNone/>
+            </a:pPr>
+            <a:r>
+              <a:rPr lang="en-US"/>
+              <a:t>   </a:t>
+            </a:r>
+            <a:r>
+              <a:rPr lang="en-US" b="1">
+                <a:latin typeface="Helvetica Bold" charset="0"/>
+                <a:cs typeface="Helvetica Bold" charset="0"/>
+              </a:rPr>
+              <a:t> INSERT INTO </a:t>
+            </a:r>
+            <a:r>
+              <a:rPr lang="en-US"/>
+              <a:t>employees (name, age, department)</a:t>
+            </a:r>
+            <a:endParaRPr lang="en-US"/>
+          </a:p>
+          <a:p>
+            <a:pPr marL="0" indent="0">
+              <a:buNone/>
+            </a:pPr>
+            <a:r>
+              <a:rPr lang="en-US"/>
+              <a:t>    </a:t>
+            </a:r>
+            <a:r>
+              <a:rPr lang="en-US" b="1">
+                <a:latin typeface="Helvetica Bold" charset="0"/>
+                <a:cs typeface="Helvetica Bold" charset="0"/>
+              </a:rPr>
+              <a:t>VALUES </a:t>
+            </a:r>
+            <a:r>
+              <a:rPr lang="en-US"/>
+              <a:t>(emp_name, emp_age, emp_department);</a:t>
+            </a:r>
+            <a:endParaRPr lang="en-US"/>
+          </a:p>
+          <a:p>
+            <a:pPr marL="0" indent="0">
+              <a:buNone/>
+            </a:pPr>
+            <a:r>
+              <a:rPr lang="en-US" b="1">
+                <a:latin typeface="Helvetica Bold" charset="0"/>
+                <a:cs typeface="Helvetica Bold" charset="0"/>
+              </a:rPr>
+              <a:t>END</a:t>
+            </a:r>
+            <a:r>
+              <a:rPr lang="en-US"/>
+              <a:t> //</a:t>
+            </a:r>
+            <a:endParaRPr lang="en-US"/>
+          </a:p>
+          <a:p>
+            <a:pPr marL="0" indent="0">
+              <a:buNone/>
+            </a:pPr>
+            <a:r>
+              <a:rPr lang="en-US"/>
+              <a:t>DELIMITER ;</a:t>
+            </a:r>
+            <a:endParaRPr lang="en-US"/>
+          </a:p>
+          <a:p>
+            <a:pPr marL="0" indent="0">
+              <a:buNone/>
+            </a:pPr>
+            <a:endParaRPr lang="en-US"/>
+          </a:p>
+          <a:p>
+            <a:r>
+              <a:rPr lang="en-US"/>
+              <a:t>The procedure </a:t>
+            </a:r>
+            <a:r>
+              <a:rPr lang="en-US" b="1" i="1">
+                <a:latin typeface="Helvetica Bold Oblique" charset="0"/>
+                <a:cs typeface="Helvetica Bold Oblique" charset="0"/>
+              </a:rPr>
+              <a:t>add_employee</a:t>
+            </a:r>
+            <a:r>
+              <a:rPr lang="en-US"/>
+              <a:t> inserts a new employee record into the employees table.</a:t>
+            </a:r>
+            <a:endParaRPr lang="en-US"/>
+          </a:p>
+        </p:txBody>
+      </p:sp>
+    </p:spTree>
+  </p:cSld>
+  <p:clrMapOvr>
+    <a:masterClrMapping/>
+  </p:clrMapOvr>
 </p:sld>
 </file>
 

--- a/Slides/L18-24 Advanced SQL.pptx
+++ b/Slides/L18-24 Advanced SQL.pptx
@@ -8,7 +8,7 @@
     <p:notesMasterId r:id="rId4"/>
   </p:notesMasterIdLst>
   <p:handoutMasterIdLst>
-    <p:handoutMasterId r:id="rId68"/>
+    <p:handoutMasterId r:id="rId70"/>
   </p:handoutMasterIdLst>
   <p:sldIdLst>
     <p:sldId id="336" r:id="rId3"/>
@@ -54,27 +54,29 @@
     <p:sldId id="526" r:id="rId44"/>
     <p:sldId id="527" r:id="rId45"/>
     <p:sldId id="372" r:id="rId46"/>
-    <p:sldId id="399" r:id="rId47"/>
-    <p:sldId id="400" r:id="rId48"/>
-    <p:sldId id="528" r:id="rId49"/>
-    <p:sldId id="524" r:id="rId50"/>
-    <p:sldId id="378" r:id="rId51"/>
-    <p:sldId id="379" r:id="rId52"/>
-    <p:sldId id="402" r:id="rId53"/>
-    <p:sldId id="381" r:id="rId54"/>
-    <p:sldId id="382" r:id="rId55"/>
-    <p:sldId id="383" r:id="rId56"/>
-    <p:sldId id="384" r:id="rId57"/>
-    <p:sldId id="385" r:id="rId58"/>
-    <p:sldId id="386" r:id="rId59"/>
-    <p:sldId id="387" r:id="rId60"/>
-    <p:sldId id="403" r:id="rId61"/>
-    <p:sldId id="444" r:id="rId62"/>
-    <p:sldId id="445" r:id="rId63"/>
-    <p:sldId id="446" r:id="rId64"/>
-    <p:sldId id="447" r:id="rId65"/>
-    <p:sldId id="448" r:id="rId66"/>
-    <p:sldId id="449" r:id="rId67"/>
+    <p:sldId id="557" r:id="rId47"/>
+    <p:sldId id="558" r:id="rId48"/>
+    <p:sldId id="399" r:id="rId49"/>
+    <p:sldId id="400" r:id="rId50"/>
+    <p:sldId id="528" r:id="rId51"/>
+    <p:sldId id="524" r:id="rId52"/>
+    <p:sldId id="378" r:id="rId53"/>
+    <p:sldId id="379" r:id="rId54"/>
+    <p:sldId id="402" r:id="rId55"/>
+    <p:sldId id="381" r:id="rId56"/>
+    <p:sldId id="382" r:id="rId57"/>
+    <p:sldId id="383" r:id="rId58"/>
+    <p:sldId id="384" r:id="rId59"/>
+    <p:sldId id="385" r:id="rId60"/>
+    <p:sldId id="386" r:id="rId61"/>
+    <p:sldId id="387" r:id="rId62"/>
+    <p:sldId id="403" r:id="rId63"/>
+    <p:sldId id="444" r:id="rId64"/>
+    <p:sldId id="445" r:id="rId65"/>
+    <p:sldId id="446" r:id="rId66"/>
+    <p:sldId id="447" r:id="rId67"/>
+    <p:sldId id="448" r:id="rId68"/>
+    <p:sldId id="449" r:id="rId69"/>
   </p:sldIdLst>
   <p:sldSz cx="9144000" cy="6858000" type="screen4x3"/>
   <p:notesSz cx="6997700" cy="9283700"/>
@@ -3101,6 +3103,97 @@
           <a:bodyPr/>
           <a:lstStyle/>
           <a:p>
+            <a:pPr algn="l"/>
+            <a:r>
+              <a:rPr lang="en-US" altLang="en-US">
+                <a:latin typeface="Times New Roman" panose="02020603050405020304" pitchFamily="18" charset="0"/>
+              </a:rPr>
+              <a:t>@ Persist for the duration of the session.</a:t>
+            </a:r>
+            <a:endParaRPr lang="en-US" altLang="en-US">
+              <a:latin typeface="Times New Roman" panose="02020603050405020304" pitchFamily="18" charset="0"/>
+            </a:endParaRPr>
+          </a:p>
+          <a:p>
+            <a:pPr algn="l"/>
+            <a:r>
+              <a:rPr lang="en-US" altLang="en-US">
+                <a:latin typeface="Times New Roman" panose="02020603050405020304" pitchFamily="18" charset="0"/>
+              </a:rPr>
+              <a:t>SET @d_count = 0;</a:t>
+            </a:r>
+            <a:endParaRPr lang="en-US" altLang="en-US">
+              <a:latin typeface="Times New Roman" panose="02020603050405020304" pitchFamily="18" charset="0"/>
+            </a:endParaRPr>
+          </a:p>
+          <a:p>
+            <a:pPr algn="l"/>
+            <a:endParaRPr lang="en-US" altLang="en-US">
+              <a:latin typeface="Times New Roman" panose="02020603050405020304" pitchFamily="18" charset="0"/>
+            </a:endParaRPr>
+          </a:p>
+          <a:p>
+            <a:pPr algn="l"/>
+            <a:r>
+              <a:rPr lang="en-US" altLang="en-US">
+                <a:latin typeface="Times New Roman" panose="02020603050405020304" pitchFamily="18" charset="0"/>
+              </a:rPr>
+              <a:t>Local Variables:</a:t>
+            </a:r>
+            <a:endParaRPr lang="en-US" altLang="en-US">
+              <a:latin typeface="Times New Roman" panose="02020603050405020304" pitchFamily="18" charset="0"/>
+            </a:endParaRPr>
+          </a:p>
+          <a:p>
+            <a:pPr algn="l"/>
+            <a:r>
+              <a:rPr lang="en-US" altLang="en-US">
+                <a:latin typeface="Times New Roman" panose="02020603050405020304" pitchFamily="18" charset="0"/>
+              </a:rPr>
+              <a:t>Scope is limited to the stored routine where they are declared.</a:t>
+            </a:r>
+            <a:endParaRPr lang="en-US" altLang="en-US">
+              <a:latin typeface="Times New Roman" panose="02020603050405020304" pitchFamily="18" charset="0"/>
+            </a:endParaRPr>
+          </a:p>
+          <a:p>
+            <a:pPr algn="l"/>
+            <a:r>
+              <a:rPr lang="en-US" altLang="en-US">
+                <a:latin typeface="Times New Roman" panose="02020603050405020304" pitchFamily="18" charset="0"/>
+              </a:rPr>
+              <a:t>DECLARE var_name INT;</a:t>
+            </a:r>
+            <a:endParaRPr lang="en-US" altLang="en-US">
+              <a:latin typeface="Times New Roman" panose="02020603050405020304" pitchFamily="18" charset="0"/>
+            </a:endParaRPr>
+          </a:p>
+          <a:p>
+            <a:pPr algn="l"/>
+            <a:endParaRPr lang="en-US" altLang="en-US">
+              <a:latin typeface="Times New Roman" panose="02020603050405020304" pitchFamily="18" charset="0"/>
+            </a:endParaRPr>
+          </a:p>
+          <a:p>
+            <a:pPr algn="l"/>
+            <a:r>
+              <a:rPr lang="en-US" altLang="en-US">
+                <a:latin typeface="Times New Roman" panose="02020603050405020304" pitchFamily="18" charset="0"/>
+              </a:rPr>
+              <a:t>SET @d_count = NULL;  -- Declares and initializes to NULL</a:t>
+            </a:r>
+            <a:endParaRPr lang="en-US" altLang="en-US">
+              <a:latin typeface="Times New Roman" panose="02020603050405020304" pitchFamily="18" charset="0"/>
+            </a:endParaRPr>
+          </a:p>
+          <a:p>
+            <a:pPr algn="l"/>
+            <a:r>
+              <a:rPr lang="en-US" altLang="en-US">
+                <a:latin typeface="Times New Roman" panose="02020603050405020304" pitchFamily="18" charset="0"/>
+              </a:rPr>
+              <a:t>SELECT @d_count;  -- This will be NULL if not assigned previously</a:t>
+            </a:r>
             <a:endParaRPr lang="en-US" altLang="en-US">
               <a:latin typeface="Times New Roman" panose="02020603050405020304" pitchFamily="18" charset="0"/>
             </a:endParaRPr>
@@ -3830,6 +3923,94 @@
         <p:cNvGrpSpPr/>
         <p:nvPr/>
       </p:nvGrpSpPr>
+      <p:grpSpPr/>
+      <p:sp>
+        <p:nvSpPr>
+          <p:cNvPr id="2" name="Slide Image Placeholder 1"/>
+          <p:cNvSpPr/>
+          <p:nvPr>
+            <p:ph type="sldImg" idx="2"/>
+          </p:nvPr>
+        </p:nvSpPr>
+        <p:spPr/>
+      </p:sp>
+      <p:sp>
+        <p:nvSpPr>
+          <p:cNvPr id="3" name="Text Placeholder 2"/>
+          <p:cNvSpPr/>
+          <p:nvPr>
+            <p:ph type="body" idx="3"/>
+          </p:nvPr>
+        </p:nvSpPr>
+        <p:spPr/>
+        <p:txBody>
+          <a:bodyPr/>
+          <a:p>
+            <a:endParaRPr lang="en-US"/>
+          </a:p>
+        </p:txBody>
+      </p:sp>
+    </p:spTree>
+  </p:cSld>
+  <p:clrMapOvr>
+    <a:masterClrMapping/>
+  </p:clrMapOvr>
+</p:notes>
+</file>
+
+<file path=ppt/notesSlides/notesSlide23.xml><?xml version="1.0" encoding="utf-8"?>
+<p:notes xmlns:a="http://schemas.openxmlformats.org/drawingml/2006/main" xmlns:r="http://schemas.openxmlformats.org/officeDocument/2006/relationships" xmlns:p="http://schemas.openxmlformats.org/presentationml/2006/main">
+  <p:cSld>
+    <p:spTree>
+      <p:nvGrpSpPr>
+        <p:cNvPr id="1" name=""/>
+        <p:cNvGrpSpPr/>
+        <p:nvPr/>
+      </p:nvGrpSpPr>
+      <p:grpSpPr/>
+      <p:sp>
+        <p:nvSpPr>
+          <p:cNvPr id="2" name="Slide Image Placeholder 1"/>
+          <p:cNvSpPr/>
+          <p:nvPr>
+            <p:ph type="sldImg" idx="2"/>
+          </p:nvPr>
+        </p:nvSpPr>
+        <p:spPr/>
+      </p:sp>
+      <p:sp>
+        <p:nvSpPr>
+          <p:cNvPr id="3" name="Text Placeholder 2"/>
+          <p:cNvSpPr/>
+          <p:nvPr>
+            <p:ph type="body" idx="3"/>
+          </p:nvPr>
+        </p:nvSpPr>
+        <p:spPr/>
+        <p:txBody>
+          <a:bodyPr/>
+          <a:p>
+            <a:endParaRPr lang="en-US"/>
+          </a:p>
+        </p:txBody>
+      </p:sp>
+    </p:spTree>
+  </p:cSld>
+  <p:clrMapOvr>
+    <a:masterClrMapping/>
+  </p:clrMapOvr>
+</p:notes>
+</file>
+
+<file path=ppt/notesSlides/notesSlide24.xml><?xml version="1.0" encoding="utf-8"?>
+<p:notes xmlns:a="http://schemas.openxmlformats.org/drawingml/2006/main" xmlns:r="http://schemas.openxmlformats.org/officeDocument/2006/relationships" xmlns:p="http://schemas.openxmlformats.org/presentationml/2006/main">
+  <p:cSld>
+    <p:spTree>
+      <p:nvGrpSpPr>
+        <p:cNvPr id="1" name=""/>
+        <p:cNvGrpSpPr/>
+        <p:nvPr/>
+      </p:nvGrpSpPr>
       <p:grpSpPr>
         <a:xfrm>
           <a:off x="0" y="0"/>
@@ -4053,7 +4234,7 @@
 </p:notes>
 </file>
 
-<file path=ppt/notesSlides/notesSlide23.xml><?xml version="1.0" encoding="utf-8"?>
+<file path=ppt/notesSlides/notesSlide25.xml><?xml version="1.0" encoding="utf-8"?>
 <p:notes xmlns:a="http://schemas.openxmlformats.org/drawingml/2006/main" xmlns:r="http://schemas.openxmlformats.org/officeDocument/2006/relationships" xmlns:p="http://schemas.openxmlformats.org/presentationml/2006/main">
   <p:cSld>
     <p:spTree>
@@ -4290,7 +4471,7 @@
 </p:notes>
 </file>
 
-<file path=ppt/notesSlides/notesSlide24.xml><?xml version="1.0" encoding="utf-8"?>
+<file path=ppt/notesSlides/notesSlide26.xml><?xml version="1.0" encoding="utf-8"?>
 <p:notes xmlns:a="http://schemas.openxmlformats.org/drawingml/2006/main" xmlns:r="http://schemas.openxmlformats.org/officeDocument/2006/relationships" xmlns:p="http://schemas.openxmlformats.org/presentationml/2006/main">
   <p:cSld>
     <p:spTree>
@@ -4527,7 +4708,7 @@
 </p:notes>
 </file>
 
-<file path=ppt/notesSlides/notesSlide25.xml><?xml version="1.0" encoding="utf-8"?>
+<file path=ppt/notesSlides/notesSlide27.xml><?xml version="1.0" encoding="utf-8"?>
 <p:notes xmlns:a="http://schemas.openxmlformats.org/drawingml/2006/main" xmlns:r="http://schemas.openxmlformats.org/officeDocument/2006/relationships" xmlns:p="http://schemas.openxmlformats.org/presentationml/2006/main">
   <p:cSld>
     <p:spTree>
@@ -4759,7 +4940,7 @@
 </p:notes>
 </file>
 
-<file path=ppt/notesSlides/notesSlide26.xml><?xml version="1.0" encoding="utf-8"?>
+<file path=ppt/notesSlides/notesSlide28.xml><?xml version="1.0" encoding="utf-8"?>
 <p:notes xmlns:a="http://schemas.openxmlformats.org/drawingml/2006/main" xmlns:r="http://schemas.openxmlformats.org/officeDocument/2006/relationships" xmlns:p="http://schemas.openxmlformats.org/presentationml/2006/main">
   <p:cSld>
     <p:spTree>
@@ -4996,7 +5177,7 @@
 </p:notes>
 </file>
 
-<file path=ppt/notesSlides/notesSlide27.xml><?xml version="1.0" encoding="utf-8"?>
+<file path=ppt/notesSlides/notesSlide29.xml><?xml version="1.0" encoding="utf-8"?>
 <p:notes xmlns:a="http://schemas.openxmlformats.org/drawingml/2006/main" xmlns:r="http://schemas.openxmlformats.org/officeDocument/2006/relationships" xmlns:p="http://schemas.openxmlformats.org/presentationml/2006/main">
   <p:cSld>
     <p:spTree>
@@ -5219,6 +5400,13 @@
           <a:bodyPr/>
           <a:lstStyle/>
           <a:p>
+            <a:pPr algn="l"/>
+            <a:r>
+              <a:rPr lang="en-US" altLang="en-US">
+                <a:latin typeface="Times New Roman" panose="02020603050405020304" pitchFamily="18" charset="0"/>
+              </a:rPr>
+              <a:t>In MySQL triggers, NEW and OLD are special keywords used to reference the values of the row being inserted, updated, or deleted. </a:t>
+            </a:r>
             <a:endParaRPr lang="en-US" altLang="en-US">
               <a:latin typeface="Times New Roman" panose="02020603050405020304" pitchFamily="18" charset="0"/>
             </a:endParaRPr>
@@ -5233,7 +5421,239 @@
 </p:notes>
 </file>
 
-<file path=ppt/notesSlides/notesSlide28.xml><?xml version="1.0" encoding="utf-8"?>
+<file path=ppt/notesSlides/notesSlide3.xml><?xml version="1.0" encoding="utf-8"?>
+<p:notes xmlns:a="http://schemas.openxmlformats.org/drawingml/2006/main" xmlns:r="http://schemas.openxmlformats.org/officeDocument/2006/relationships" xmlns:p="http://schemas.openxmlformats.org/presentationml/2006/main">
+  <p:cSld>
+    <p:spTree>
+      <p:nvGrpSpPr>
+        <p:cNvPr id="1" name=""/>
+        <p:cNvGrpSpPr/>
+        <p:nvPr/>
+      </p:nvGrpSpPr>
+      <p:grpSpPr>
+        <a:xfrm>
+          <a:off x="0" y="0"/>
+          <a:ext cx="0" cy="0"/>
+          <a:chOff x="0" y="0"/>
+          <a:chExt cx="0" cy="0"/>
+        </a:xfrm>
+      </p:grpSpPr>
+      <p:sp>
+        <p:nvSpPr>
+          <p:cNvPr id="63490" name="Rectangle 7"/>
+          <p:cNvSpPr>
+            <a:spLocks noGrp="1" noChangeArrowheads="1"/>
+          </p:cNvSpPr>
+          <p:nvPr>
+            <p:ph type="sldNum" sz="quarter" idx="5"/>
+          </p:nvPr>
+        </p:nvSpPr>
+        <p:spPr>
+          <a:noFill/>
+          <a:extLst>
+            <a:ext uri="{909E8E84-426E-40DD-AFC4-6F175D3DCCD1}">
+              <a14:hiddenFill xmlns:a14="http://schemas.microsoft.com/office/drawing/2010/main">
+                <a:solidFill>
+                  <a:srgbClr val="FFFFFF"/>
+                </a:solidFill>
+              </a14:hiddenFill>
+            </a:ext>
+            <a:ext uri="{91240B29-F687-4F45-9708-019B960494DF}">
+              <a14:hiddenLine xmlns:a14="http://schemas.microsoft.com/office/drawing/2010/main" w="9525">
+                <a:solidFill>
+                  <a:srgbClr val="000000"/>
+                </a:solidFill>
+                <a:miter lim="800000"/>
+                <a:headEnd/>
+                <a:tailEnd/>
+              </a14:hiddenLine>
+            </a:ext>
+          </a:extLst>
+        </p:spPr>
+        <p:txBody>
+          <a:bodyPr/>
+          <a:lstStyle>
+            <a:lvl1pPr defTabSz="930275">
+              <a:defRPr sz="1600">
+                <a:solidFill>
+                  <a:schemeClr val="tx1"/>
+                </a:solidFill>
+                <a:latin typeface="Helvetica" pitchFamily="34" charset="0"/>
+                <a:ea typeface="MS PGothic" panose="020B0600070205080204" pitchFamily="34" charset="-128"/>
+              </a:defRPr>
+            </a:lvl1pPr>
+            <a:lvl2pPr marL="742950" indent="-285750" defTabSz="930275">
+              <a:defRPr sz="1600">
+                <a:solidFill>
+                  <a:schemeClr val="tx1"/>
+                </a:solidFill>
+                <a:latin typeface="Helvetica" pitchFamily="34" charset="0"/>
+                <a:ea typeface="MS PGothic" panose="020B0600070205080204" pitchFamily="34" charset="-128"/>
+              </a:defRPr>
+            </a:lvl2pPr>
+            <a:lvl3pPr marL="1143000" indent="-228600" defTabSz="930275">
+              <a:defRPr sz="1600">
+                <a:solidFill>
+                  <a:schemeClr val="tx1"/>
+                </a:solidFill>
+                <a:latin typeface="Helvetica" pitchFamily="34" charset="0"/>
+                <a:ea typeface="MS PGothic" panose="020B0600070205080204" pitchFamily="34" charset="-128"/>
+              </a:defRPr>
+            </a:lvl3pPr>
+            <a:lvl4pPr marL="1600200" indent="-228600" defTabSz="930275">
+              <a:defRPr sz="1600">
+                <a:solidFill>
+                  <a:schemeClr val="tx1"/>
+                </a:solidFill>
+                <a:latin typeface="Helvetica" pitchFamily="34" charset="0"/>
+                <a:ea typeface="MS PGothic" panose="020B0600070205080204" pitchFamily="34" charset="-128"/>
+              </a:defRPr>
+            </a:lvl4pPr>
+            <a:lvl5pPr marL="2057400" indent="-228600" defTabSz="930275">
+              <a:defRPr sz="1600">
+                <a:solidFill>
+                  <a:schemeClr val="tx1"/>
+                </a:solidFill>
+                <a:latin typeface="Helvetica" pitchFamily="34" charset="0"/>
+                <a:ea typeface="MS PGothic" panose="020B0600070205080204" pitchFamily="34" charset="-128"/>
+              </a:defRPr>
+            </a:lvl5pPr>
+            <a:lvl6pPr marL="2514600" indent="-228600" defTabSz="930275" eaLnBrk="0" fontAlgn="base" hangingPunct="0">
+              <a:spcBef>
+                <a:spcPct val="0"/>
+              </a:spcBef>
+              <a:spcAft>
+                <a:spcPct val="0"/>
+              </a:spcAft>
+              <a:defRPr sz="1600">
+                <a:solidFill>
+                  <a:schemeClr val="tx1"/>
+                </a:solidFill>
+                <a:latin typeface="Helvetica" pitchFamily="34" charset="0"/>
+                <a:ea typeface="MS PGothic" panose="020B0600070205080204" pitchFamily="34" charset="-128"/>
+              </a:defRPr>
+            </a:lvl6pPr>
+            <a:lvl7pPr marL="2971800" indent="-228600" defTabSz="930275" eaLnBrk="0" fontAlgn="base" hangingPunct="0">
+              <a:spcBef>
+                <a:spcPct val="0"/>
+              </a:spcBef>
+              <a:spcAft>
+                <a:spcPct val="0"/>
+              </a:spcAft>
+              <a:defRPr sz="1600">
+                <a:solidFill>
+                  <a:schemeClr val="tx1"/>
+                </a:solidFill>
+                <a:latin typeface="Helvetica" pitchFamily="34" charset="0"/>
+                <a:ea typeface="MS PGothic" panose="020B0600070205080204" pitchFamily="34" charset="-128"/>
+              </a:defRPr>
+            </a:lvl7pPr>
+            <a:lvl8pPr marL="3429000" indent="-228600" defTabSz="930275" eaLnBrk="0" fontAlgn="base" hangingPunct="0">
+              <a:spcBef>
+                <a:spcPct val="0"/>
+              </a:spcBef>
+              <a:spcAft>
+                <a:spcPct val="0"/>
+              </a:spcAft>
+              <a:defRPr sz="1600">
+                <a:solidFill>
+                  <a:schemeClr val="tx1"/>
+                </a:solidFill>
+                <a:latin typeface="Helvetica" pitchFamily="34" charset="0"/>
+                <a:ea typeface="MS PGothic" panose="020B0600070205080204" pitchFamily="34" charset="-128"/>
+              </a:defRPr>
+            </a:lvl8pPr>
+            <a:lvl9pPr marL="3886200" indent="-228600" defTabSz="930275" eaLnBrk="0" fontAlgn="base" hangingPunct="0">
+              <a:spcBef>
+                <a:spcPct val="0"/>
+              </a:spcBef>
+              <a:spcAft>
+                <a:spcPct val="0"/>
+              </a:spcAft>
+              <a:defRPr sz="1600">
+                <a:solidFill>
+                  <a:schemeClr val="tx1"/>
+                </a:solidFill>
+                <a:latin typeface="Helvetica" pitchFamily="34" charset="0"/>
+                <a:ea typeface="MS PGothic" panose="020B0600070205080204" pitchFamily="34" charset="-128"/>
+              </a:defRPr>
+            </a:lvl9pPr>
+          </a:lstStyle>
+          <a:p>
+            <a:fld id="{1B660626-6ED4-4019-A597-4C6DFE264C50}" type="slidenum">
+              <a:rPr lang="en-US" altLang="en-US" sz="1200"/>
+            </a:fld>
+            <a:endParaRPr lang="en-US" altLang="en-US" sz="1200"/>
+          </a:p>
+        </p:txBody>
+      </p:sp>
+      <p:sp>
+        <p:nvSpPr>
+          <p:cNvPr id="63491" name="Rectangle 2"/>
+          <p:cNvSpPr>
+            <a:spLocks noGrp="1" noRot="1" noChangeAspect="1" noChangeArrowheads="1" noTextEdit="1"/>
+          </p:cNvSpPr>
+          <p:nvPr>
+            <p:ph type="sldImg"/>
+          </p:nvPr>
+        </p:nvSpPr>
+        <p:spPr/>
+      </p:sp>
+      <p:sp>
+        <p:nvSpPr>
+          <p:cNvPr id="63492" name="Rectangle 3"/>
+          <p:cNvSpPr>
+            <a:spLocks noGrp="1" noChangeArrowheads="1"/>
+          </p:cNvSpPr>
+          <p:nvPr>
+            <p:ph type="body" idx="1"/>
+          </p:nvPr>
+        </p:nvSpPr>
+        <p:spPr>
+          <a:xfrm>
+            <a:off x="931863" y="4410075"/>
+            <a:ext cx="5133975" cy="4176713"/>
+          </a:xfrm>
+          <a:noFill/>
+          <a:extLst>
+            <a:ext uri="{909E8E84-426E-40DD-AFC4-6F175D3DCCD1}">
+              <a14:hiddenFill xmlns:a14="http://schemas.microsoft.com/office/drawing/2010/main">
+                <a:solidFill>
+                  <a:srgbClr val="FFFFFF"/>
+                </a:solidFill>
+              </a14:hiddenFill>
+            </a:ext>
+            <a:ext uri="{91240B29-F687-4F45-9708-019B960494DF}">
+              <a14:hiddenLine xmlns:a14="http://schemas.microsoft.com/office/drawing/2010/main" w="9525">
+                <a:solidFill>
+                  <a:srgbClr val="000000"/>
+                </a:solidFill>
+                <a:miter lim="800000"/>
+                <a:headEnd/>
+                <a:tailEnd/>
+              </a14:hiddenLine>
+            </a:ext>
+          </a:extLst>
+        </p:spPr>
+        <p:txBody>
+          <a:bodyPr/>
+          <a:lstStyle/>
+          <a:p>
+            <a:endParaRPr lang="en-US" altLang="en-US" dirty="0">
+              <a:latin typeface="Times New Roman" panose="02020603050405020304" pitchFamily="18" charset="0"/>
+            </a:endParaRPr>
+          </a:p>
+        </p:txBody>
+      </p:sp>
+    </p:spTree>
+  </p:cSld>
+  <p:clrMapOvr>
+    <a:masterClrMapping/>
+  </p:clrMapOvr>
+</p:notes>
+</file>
+
+<file path=ppt/notesSlides/notesSlide30.xml><?xml version="1.0" encoding="utf-8"?>
 <p:notes xmlns:a="http://schemas.openxmlformats.org/drawingml/2006/main" xmlns:r="http://schemas.openxmlformats.org/officeDocument/2006/relationships" xmlns:p="http://schemas.openxmlformats.org/presentationml/2006/main">
   <p:cSld>
     <p:spTree>
@@ -5312,7 +5732,7 @@
 </p:notes>
 </file>
 
-<file path=ppt/notesSlides/notesSlide29.xml><?xml version="1.0" encoding="utf-8"?>
+<file path=ppt/notesSlides/notesSlide31.xml><?xml version="1.0" encoding="utf-8"?>
 <p:notes xmlns:a="http://schemas.openxmlformats.org/drawingml/2006/main" xmlns:r="http://schemas.openxmlformats.org/officeDocument/2006/relationships" xmlns:p="http://schemas.openxmlformats.org/presentationml/2006/main">
   <p:cSld>
     <p:spTree>
@@ -5549,239 +5969,7 @@
 </p:notes>
 </file>
 
-<file path=ppt/notesSlides/notesSlide3.xml><?xml version="1.0" encoding="utf-8"?>
-<p:notes xmlns:a="http://schemas.openxmlformats.org/drawingml/2006/main" xmlns:r="http://schemas.openxmlformats.org/officeDocument/2006/relationships" xmlns:p="http://schemas.openxmlformats.org/presentationml/2006/main">
-  <p:cSld>
-    <p:spTree>
-      <p:nvGrpSpPr>
-        <p:cNvPr id="1" name=""/>
-        <p:cNvGrpSpPr/>
-        <p:nvPr/>
-      </p:nvGrpSpPr>
-      <p:grpSpPr>
-        <a:xfrm>
-          <a:off x="0" y="0"/>
-          <a:ext cx="0" cy="0"/>
-          <a:chOff x="0" y="0"/>
-          <a:chExt cx="0" cy="0"/>
-        </a:xfrm>
-      </p:grpSpPr>
-      <p:sp>
-        <p:nvSpPr>
-          <p:cNvPr id="63490" name="Rectangle 7"/>
-          <p:cNvSpPr>
-            <a:spLocks noGrp="1" noChangeArrowheads="1"/>
-          </p:cNvSpPr>
-          <p:nvPr>
-            <p:ph type="sldNum" sz="quarter" idx="5"/>
-          </p:nvPr>
-        </p:nvSpPr>
-        <p:spPr>
-          <a:noFill/>
-          <a:extLst>
-            <a:ext uri="{909E8E84-426E-40DD-AFC4-6F175D3DCCD1}">
-              <a14:hiddenFill xmlns:a14="http://schemas.microsoft.com/office/drawing/2010/main">
-                <a:solidFill>
-                  <a:srgbClr val="FFFFFF"/>
-                </a:solidFill>
-              </a14:hiddenFill>
-            </a:ext>
-            <a:ext uri="{91240B29-F687-4F45-9708-019B960494DF}">
-              <a14:hiddenLine xmlns:a14="http://schemas.microsoft.com/office/drawing/2010/main" w="9525">
-                <a:solidFill>
-                  <a:srgbClr val="000000"/>
-                </a:solidFill>
-                <a:miter lim="800000"/>
-                <a:headEnd/>
-                <a:tailEnd/>
-              </a14:hiddenLine>
-            </a:ext>
-          </a:extLst>
-        </p:spPr>
-        <p:txBody>
-          <a:bodyPr/>
-          <a:lstStyle>
-            <a:lvl1pPr defTabSz="930275">
-              <a:defRPr sz="1600">
-                <a:solidFill>
-                  <a:schemeClr val="tx1"/>
-                </a:solidFill>
-                <a:latin typeface="Helvetica" pitchFamily="34" charset="0"/>
-                <a:ea typeface="MS PGothic" panose="020B0600070205080204" pitchFamily="34" charset="-128"/>
-              </a:defRPr>
-            </a:lvl1pPr>
-            <a:lvl2pPr marL="742950" indent="-285750" defTabSz="930275">
-              <a:defRPr sz="1600">
-                <a:solidFill>
-                  <a:schemeClr val="tx1"/>
-                </a:solidFill>
-                <a:latin typeface="Helvetica" pitchFamily="34" charset="0"/>
-                <a:ea typeface="MS PGothic" panose="020B0600070205080204" pitchFamily="34" charset="-128"/>
-              </a:defRPr>
-            </a:lvl2pPr>
-            <a:lvl3pPr marL="1143000" indent="-228600" defTabSz="930275">
-              <a:defRPr sz="1600">
-                <a:solidFill>
-                  <a:schemeClr val="tx1"/>
-                </a:solidFill>
-                <a:latin typeface="Helvetica" pitchFamily="34" charset="0"/>
-                <a:ea typeface="MS PGothic" panose="020B0600070205080204" pitchFamily="34" charset="-128"/>
-              </a:defRPr>
-            </a:lvl3pPr>
-            <a:lvl4pPr marL="1600200" indent="-228600" defTabSz="930275">
-              <a:defRPr sz="1600">
-                <a:solidFill>
-                  <a:schemeClr val="tx1"/>
-                </a:solidFill>
-                <a:latin typeface="Helvetica" pitchFamily="34" charset="0"/>
-                <a:ea typeface="MS PGothic" panose="020B0600070205080204" pitchFamily="34" charset="-128"/>
-              </a:defRPr>
-            </a:lvl4pPr>
-            <a:lvl5pPr marL="2057400" indent="-228600" defTabSz="930275">
-              <a:defRPr sz="1600">
-                <a:solidFill>
-                  <a:schemeClr val="tx1"/>
-                </a:solidFill>
-                <a:latin typeface="Helvetica" pitchFamily="34" charset="0"/>
-                <a:ea typeface="MS PGothic" panose="020B0600070205080204" pitchFamily="34" charset="-128"/>
-              </a:defRPr>
-            </a:lvl5pPr>
-            <a:lvl6pPr marL="2514600" indent="-228600" defTabSz="930275" eaLnBrk="0" fontAlgn="base" hangingPunct="0">
-              <a:spcBef>
-                <a:spcPct val="0"/>
-              </a:spcBef>
-              <a:spcAft>
-                <a:spcPct val="0"/>
-              </a:spcAft>
-              <a:defRPr sz="1600">
-                <a:solidFill>
-                  <a:schemeClr val="tx1"/>
-                </a:solidFill>
-                <a:latin typeface="Helvetica" pitchFamily="34" charset="0"/>
-                <a:ea typeface="MS PGothic" panose="020B0600070205080204" pitchFamily="34" charset="-128"/>
-              </a:defRPr>
-            </a:lvl6pPr>
-            <a:lvl7pPr marL="2971800" indent="-228600" defTabSz="930275" eaLnBrk="0" fontAlgn="base" hangingPunct="0">
-              <a:spcBef>
-                <a:spcPct val="0"/>
-              </a:spcBef>
-              <a:spcAft>
-                <a:spcPct val="0"/>
-              </a:spcAft>
-              <a:defRPr sz="1600">
-                <a:solidFill>
-                  <a:schemeClr val="tx1"/>
-                </a:solidFill>
-                <a:latin typeface="Helvetica" pitchFamily="34" charset="0"/>
-                <a:ea typeface="MS PGothic" panose="020B0600070205080204" pitchFamily="34" charset="-128"/>
-              </a:defRPr>
-            </a:lvl7pPr>
-            <a:lvl8pPr marL="3429000" indent="-228600" defTabSz="930275" eaLnBrk="0" fontAlgn="base" hangingPunct="0">
-              <a:spcBef>
-                <a:spcPct val="0"/>
-              </a:spcBef>
-              <a:spcAft>
-                <a:spcPct val="0"/>
-              </a:spcAft>
-              <a:defRPr sz="1600">
-                <a:solidFill>
-                  <a:schemeClr val="tx1"/>
-                </a:solidFill>
-                <a:latin typeface="Helvetica" pitchFamily="34" charset="0"/>
-                <a:ea typeface="MS PGothic" panose="020B0600070205080204" pitchFamily="34" charset="-128"/>
-              </a:defRPr>
-            </a:lvl8pPr>
-            <a:lvl9pPr marL="3886200" indent="-228600" defTabSz="930275" eaLnBrk="0" fontAlgn="base" hangingPunct="0">
-              <a:spcBef>
-                <a:spcPct val="0"/>
-              </a:spcBef>
-              <a:spcAft>
-                <a:spcPct val="0"/>
-              </a:spcAft>
-              <a:defRPr sz="1600">
-                <a:solidFill>
-                  <a:schemeClr val="tx1"/>
-                </a:solidFill>
-                <a:latin typeface="Helvetica" pitchFamily="34" charset="0"/>
-                <a:ea typeface="MS PGothic" panose="020B0600070205080204" pitchFamily="34" charset="-128"/>
-              </a:defRPr>
-            </a:lvl9pPr>
-          </a:lstStyle>
-          <a:p>
-            <a:fld id="{1B660626-6ED4-4019-A597-4C6DFE264C50}" type="slidenum">
-              <a:rPr lang="en-US" altLang="en-US" sz="1200"/>
-            </a:fld>
-            <a:endParaRPr lang="en-US" altLang="en-US" sz="1200"/>
-          </a:p>
-        </p:txBody>
-      </p:sp>
-      <p:sp>
-        <p:nvSpPr>
-          <p:cNvPr id="63491" name="Rectangle 2"/>
-          <p:cNvSpPr>
-            <a:spLocks noGrp="1" noRot="1" noChangeAspect="1" noChangeArrowheads="1" noTextEdit="1"/>
-          </p:cNvSpPr>
-          <p:nvPr>
-            <p:ph type="sldImg"/>
-          </p:nvPr>
-        </p:nvSpPr>
-        <p:spPr/>
-      </p:sp>
-      <p:sp>
-        <p:nvSpPr>
-          <p:cNvPr id="63492" name="Rectangle 3"/>
-          <p:cNvSpPr>
-            <a:spLocks noGrp="1" noChangeArrowheads="1"/>
-          </p:cNvSpPr>
-          <p:nvPr>
-            <p:ph type="body" idx="1"/>
-          </p:nvPr>
-        </p:nvSpPr>
-        <p:spPr>
-          <a:xfrm>
-            <a:off x="931863" y="4410075"/>
-            <a:ext cx="5133975" cy="4176713"/>
-          </a:xfrm>
-          <a:noFill/>
-          <a:extLst>
-            <a:ext uri="{909E8E84-426E-40DD-AFC4-6F175D3DCCD1}">
-              <a14:hiddenFill xmlns:a14="http://schemas.microsoft.com/office/drawing/2010/main">
-                <a:solidFill>
-                  <a:srgbClr val="FFFFFF"/>
-                </a:solidFill>
-              </a14:hiddenFill>
-            </a:ext>
-            <a:ext uri="{91240B29-F687-4F45-9708-019B960494DF}">
-              <a14:hiddenLine xmlns:a14="http://schemas.microsoft.com/office/drawing/2010/main" w="9525">
-                <a:solidFill>
-                  <a:srgbClr val="000000"/>
-                </a:solidFill>
-                <a:miter lim="800000"/>
-                <a:headEnd/>
-                <a:tailEnd/>
-              </a14:hiddenLine>
-            </a:ext>
-          </a:extLst>
-        </p:spPr>
-        <p:txBody>
-          <a:bodyPr/>
-          <a:lstStyle/>
-          <a:p>
-            <a:endParaRPr lang="en-US" altLang="en-US" dirty="0">
-              <a:latin typeface="Times New Roman" panose="02020603050405020304" pitchFamily="18" charset="0"/>
-            </a:endParaRPr>
-          </a:p>
-        </p:txBody>
-      </p:sp>
-    </p:spTree>
-  </p:cSld>
-  <p:clrMapOvr>
-    <a:masterClrMapping/>
-  </p:clrMapOvr>
-</p:notes>
-</file>
-
-<file path=ppt/notesSlides/notesSlide30.xml><?xml version="1.0" encoding="utf-8"?>
+<file path=ppt/notesSlides/notesSlide32.xml><?xml version="1.0" encoding="utf-8"?>
 <p:notes xmlns:a="http://schemas.openxmlformats.org/drawingml/2006/main" xmlns:r="http://schemas.openxmlformats.org/officeDocument/2006/relationships" xmlns:p="http://schemas.openxmlformats.org/presentationml/2006/main">
   <p:cSld>
     <p:spTree>
@@ -6018,7 +6206,7 @@
 </p:notes>
 </file>
 
-<file path=ppt/notesSlides/notesSlide31.xml><?xml version="1.0" encoding="utf-8"?>
+<file path=ppt/notesSlides/notesSlide33.xml><?xml version="1.0" encoding="utf-8"?>
 <p:notes xmlns:a="http://schemas.openxmlformats.org/drawingml/2006/main" xmlns:r="http://schemas.openxmlformats.org/officeDocument/2006/relationships" xmlns:p="http://schemas.openxmlformats.org/presentationml/2006/main">
   <p:cSld>
     <p:spTree>
@@ -6255,7 +6443,7 @@
 </p:notes>
 </file>
 
-<file path=ppt/notesSlides/notesSlide32.xml><?xml version="1.0" encoding="utf-8"?>
+<file path=ppt/notesSlides/notesSlide34.xml><?xml version="1.0" encoding="utf-8"?>
 <p:notes xmlns:a="http://schemas.openxmlformats.org/drawingml/2006/main" xmlns:r="http://schemas.openxmlformats.org/officeDocument/2006/relationships" xmlns:p="http://schemas.openxmlformats.org/presentationml/2006/main">
   <p:cSld>
     <p:spTree>
@@ -6487,7 +6675,7 @@
 </p:notes>
 </file>
 
-<file path=ppt/notesSlides/notesSlide33.xml><?xml version="1.0" encoding="utf-8"?>
+<file path=ppt/notesSlides/notesSlide35.xml><?xml version="1.0" encoding="utf-8"?>
 <p:notes xmlns:a="http://schemas.openxmlformats.org/drawingml/2006/main" xmlns:r="http://schemas.openxmlformats.org/officeDocument/2006/relationships" xmlns:p="http://schemas.openxmlformats.org/presentationml/2006/main">
   <p:cSld>
     <p:spTree>
@@ -6719,7 +6907,7 @@
 </p:notes>
 </file>
 
-<file path=ppt/notesSlides/notesSlide34.xml><?xml version="1.0" encoding="utf-8"?>
+<file path=ppt/notesSlides/notesSlide36.xml><?xml version="1.0" encoding="utf-8"?>
 <p:notes xmlns:a="http://schemas.openxmlformats.org/drawingml/2006/main" xmlns:r="http://schemas.openxmlformats.org/officeDocument/2006/relationships" xmlns:p="http://schemas.openxmlformats.org/presentationml/2006/main">
   <p:cSld>
     <p:spTree>
@@ -6951,7 +7139,7 @@
 </p:notes>
 </file>
 
-<file path=ppt/notesSlides/notesSlide35.xml><?xml version="1.0" encoding="utf-8"?>
+<file path=ppt/notesSlides/notesSlide37.xml><?xml version="1.0" encoding="utf-8"?>
 <p:notes xmlns:a="http://schemas.openxmlformats.org/drawingml/2006/main" xmlns:r="http://schemas.openxmlformats.org/officeDocument/2006/relationships" xmlns:p="http://schemas.openxmlformats.org/presentationml/2006/main">
   <p:cSld>
     <p:spTree>
@@ -7188,7 +7376,7 @@
 </p:notes>
 </file>
 
-<file path=ppt/notesSlides/notesSlide36.xml><?xml version="1.0" encoding="utf-8"?>
+<file path=ppt/notesSlides/notesSlide38.xml><?xml version="1.0" encoding="utf-8"?>
 <p:notes xmlns:a="http://schemas.openxmlformats.org/drawingml/2006/main" xmlns:r="http://schemas.openxmlformats.org/officeDocument/2006/relationships" xmlns:p="http://schemas.openxmlformats.org/presentationml/2006/main">
   <p:cSld>
     <p:spTree>
@@ -7267,7 +7455,7 @@
 </p:notes>
 </file>
 
-<file path=ppt/notesSlides/notesSlide37.xml><?xml version="1.0" encoding="utf-8"?>
+<file path=ppt/notesSlides/notesSlide39.xml><?xml version="1.0" encoding="utf-8"?>
 <p:notes xmlns:a="http://schemas.openxmlformats.org/drawingml/2006/main" xmlns:r="http://schemas.openxmlformats.org/officeDocument/2006/relationships" xmlns:p="http://schemas.openxmlformats.org/presentationml/2006/main">
   <p:cSld>
     <p:spTree>
@@ -7513,7 +7701,239 @@
 </p:notes>
 </file>
 
-<file path=ppt/notesSlides/notesSlide38.xml><?xml version="1.0" encoding="utf-8"?>
+<file path=ppt/notesSlides/notesSlide4.xml><?xml version="1.0" encoding="utf-8"?>
+<p:notes xmlns:a="http://schemas.openxmlformats.org/drawingml/2006/main" xmlns:r="http://schemas.openxmlformats.org/officeDocument/2006/relationships" xmlns:p="http://schemas.openxmlformats.org/presentationml/2006/main">
+  <p:cSld>
+    <p:spTree>
+      <p:nvGrpSpPr>
+        <p:cNvPr id="1" name=""/>
+        <p:cNvGrpSpPr/>
+        <p:nvPr/>
+      </p:nvGrpSpPr>
+      <p:grpSpPr>
+        <a:xfrm>
+          <a:off x="0" y="0"/>
+          <a:ext cx="0" cy="0"/>
+          <a:chOff x="0" y="0"/>
+          <a:chExt cx="0" cy="0"/>
+        </a:xfrm>
+      </p:grpSpPr>
+      <p:sp>
+        <p:nvSpPr>
+          <p:cNvPr id="64514" name="Rectangle 7"/>
+          <p:cNvSpPr>
+            <a:spLocks noGrp="1" noChangeArrowheads="1"/>
+          </p:cNvSpPr>
+          <p:nvPr>
+            <p:ph type="sldNum" sz="quarter" idx="5"/>
+          </p:nvPr>
+        </p:nvSpPr>
+        <p:spPr>
+          <a:noFill/>
+          <a:extLst>
+            <a:ext uri="{909E8E84-426E-40DD-AFC4-6F175D3DCCD1}">
+              <a14:hiddenFill xmlns:a14="http://schemas.microsoft.com/office/drawing/2010/main">
+                <a:solidFill>
+                  <a:srgbClr val="FFFFFF"/>
+                </a:solidFill>
+              </a14:hiddenFill>
+            </a:ext>
+            <a:ext uri="{91240B29-F687-4F45-9708-019B960494DF}">
+              <a14:hiddenLine xmlns:a14="http://schemas.microsoft.com/office/drawing/2010/main" w="9525">
+                <a:solidFill>
+                  <a:srgbClr val="000000"/>
+                </a:solidFill>
+                <a:miter lim="800000"/>
+                <a:headEnd/>
+                <a:tailEnd/>
+              </a14:hiddenLine>
+            </a:ext>
+          </a:extLst>
+        </p:spPr>
+        <p:txBody>
+          <a:bodyPr/>
+          <a:lstStyle>
+            <a:lvl1pPr defTabSz="930275">
+              <a:defRPr sz="1600">
+                <a:solidFill>
+                  <a:schemeClr val="tx1"/>
+                </a:solidFill>
+                <a:latin typeface="Helvetica" pitchFamily="34" charset="0"/>
+                <a:ea typeface="MS PGothic" panose="020B0600070205080204" pitchFamily="34" charset="-128"/>
+              </a:defRPr>
+            </a:lvl1pPr>
+            <a:lvl2pPr marL="742950" indent="-285750" defTabSz="930275">
+              <a:defRPr sz="1600">
+                <a:solidFill>
+                  <a:schemeClr val="tx1"/>
+                </a:solidFill>
+                <a:latin typeface="Helvetica" pitchFamily="34" charset="0"/>
+                <a:ea typeface="MS PGothic" panose="020B0600070205080204" pitchFamily="34" charset="-128"/>
+              </a:defRPr>
+            </a:lvl2pPr>
+            <a:lvl3pPr marL="1143000" indent="-228600" defTabSz="930275">
+              <a:defRPr sz="1600">
+                <a:solidFill>
+                  <a:schemeClr val="tx1"/>
+                </a:solidFill>
+                <a:latin typeface="Helvetica" pitchFamily="34" charset="0"/>
+                <a:ea typeface="MS PGothic" panose="020B0600070205080204" pitchFamily="34" charset="-128"/>
+              </a:defRPr>
+            </a:lvl3pPr>
+            <a:lvl4pPr marL="1600200" indent="-228600" defTabSz="930275">
+              <a:defRPr sz="1600">
+                <a:solidFill>
+                  <a:schemeClr val="tx1"/>
+                </a:solidFill>
+                <a:latin typeface="Helvetica" pitchFamily="34" charset="0"/>
+                <a:ea typeface="MS PGothic" panose="020B0600070205080204" pitchFamily="34" charset="-128"/>
+              </a:defRPr>
+            </a:lvl4pPr>
+            <a:lvl5pPr marL="2057400" indent="-228600" defTabSz="930275">
+              <a:defRPr sz="1600">
+                <a:solidFill>
+                  <a:schemeClr val="tx1"/>
+                </a:solidFill>
+                <a:latin typeface="Helvetica" pitchFamily="34" charset="0"/>
+                <a:ea typeface="MS PGothic" panose="020B0600070205080204" pitchFamily="34" charset="-128"/>
+              </a:defRPr>
+            </a:lvl5pPr>
+            <a:lvl6pPr marL="2514600" indent="-228600" defTabSz="930275" eaLnBrk="0" fontAlgn="base" hangingPunct="0">
+              <a:spcBef>
+                <a:spcPct val="0"/>
+              </a:spcBef>
+              <a:spcAft>
+                <a:spcPct val="0"/>
+              </a:spcAft>
+              <a:defRPr sz="1600">
+                <a:solidFill>
+                  <a:schemeClr val="tx1"/>
+                </a:solidFill>
+                <a:latin typeface="Helvetica" pitchFamily="34" charset="0"/>
+                <a:ea typeface="MS PGothic" panose="020B0600070205080204" pitchFamily="34" charset="-128"/>
+              </a:defRPr>
+            </a:lvl6pPr>
+            <a:lvl7pPr marL="2971800" indent="-228600" defTabSz="930275" eaLnBrk="0" fontAlgn="base" hangingPunct="0">
+              <a:spcBef>
+                <a:spcPct val="0"/>
+              </a:spcBef>
+              <a:spcAft>
+                <a:spcPct val="0"/>
+              </a:spcAft>
+              <a:defRPr sz="1600">
+                <a:solidFill>
+                  <a:schemeClr val="tx1"/>
+                </a:solidFill>
+                <a:latin typeface="Helvetica" pitchFamily="34" charset="0"/>
+                <a:ea typeface="MS PGothic" panose="020B0600070205080204" pitchFamily="34" charset="-128"/>
+              </a:defRPr>
+            </a:lvl7pPr>
+            <a:lvl8pPr marL="3429000" indent="-228600" defTabSz="930275" eaLnBrk="0" fontAlgn="base" hangingPunct="0">
+              <a:spcBef>
+                <a:spcPct val="0"/>
+              </a:spcBef>
+              <a:spcAft>
+                <a:spcPct val="0"/>
+              </a:spcAft>
+              <a:defRPr sz="1600">
+                <a:solidFill>
+                  <a:schemeClr val="tx1"/>
+                </a:solidFill>
+                <a:latin typeface="Helvetica" pitchFamily="34" charset="0"/>
+                <a:ea typeface="MS PGothic" panose="020B0600070205080204" pitchFamily="34" charset="-128"/>
+              </a:defRPr>
+            </a:lvl8pPr>
+            <a:lvl9pPr marL="3886200" indent="-228600" defTabSz="930275" eaLnBrk="0" fontAlgn="base" hangingPunct="0">
+              <a:spcBef>
+                <a:spcPct val="0"/>
+              </a:spcBef>
+              <a:spcAft>
+                <a:spcPct val="0"/>
+              </a:spcAft>
+              <a:defRPr sz="1600">
+                <a:solidFill>
+                  <a:schemeClr val="tx1"/>
+                </a:solidFill>
+                <a:latin typeface="Helvetica" pitchFamily="34" charset="0"/>
+                <a:ea typeface="MS PGothic" panose="020B0600070205080204" pitchFamily="34" charset="-128"/>
+              </a:defRPr>
+            </a:lvl9pPr>
+          </a:lstStyle>
+          <a:p>
+            <a:fld id="{91CD168A-2AB0-40BE-8A28-C8934AB24B59}" type="slidenum">
+              <a:rPr lang="en-US" altLang="en-US" sz="1200"/>
+            </a:fld>
+            <a:endParaRPr lang="en-US" altLang="en-US" sz="1200"/>
+          </a:p>
+        </p:txBody>
+      </p:sp>
+      <p:sp>
+        <p:nvSpPr>
+          <p:cNvPr id="64515" name="Rectangle 2"/>
+          <p:cNvSpPr>
+            <a:spLocks noGrp="1" noRot="1" noChangeAspect="1" noChangeArrowheads="1" noTextEdit="1"/>
+          </p:cNvSpPr>
+          <p:nvPr>
+            <p:ph type="sldImg"/>
+          </p:nvPr>
+        </p:nvSpPr>
+        <p:spPr/>
+      </p:sp>
+      <p:sp>
+        <p:nvSpPr>
+          <p:cNvPr id="64516" name="Rectangle 3"/>
+          <p:cNvSpPr>
+            <a:spLocks noGrp="1" noChangeArrowheads="1"/>
+          </p:cNvSpPr>
+          <p:nvPr>
+            <p:ph type="body" idx="1"/>
+          </p:nvPr>
+        </p:nvSpPr>
+        <p:spPr>
+          <a:xfrm>
+            <a:off x="931863" y="4410075"/>
+            <a:ext cx="5133975" cy="4176713"/>
+          </a:xfrm>
+          <a:noFill/>
+          <a:extLst>
+            <a:ext uri="{909E8E84-426E-40DD-AFC4-6F175D3DCCD1}">
+              <a14:hiddenFill xmlns:a14="http://schemas.microsoft.com/office/drawing/2010/main">
+                <a:solidFill>
+                  <a:srgbClr val="FFFFFF"/>
+                </a:solidFill>
+              </a14:hiddenFill>
+            </a:ext>
+            <a:ext uri="{91240B29-F687-4F45-9708-019B960494DF}">
+              <a14:hiddenLine xmlns:a14="http://schemas.microsoft.com/office/drawing/2010/main" w="9525">
+                <a:solidFill>
+                  <a:srgbClr val="000000"/>
+                </a:solidFill>
+                <a:miter lim="800000"/>
+                <a:headEnd/>
+                <a:tailEnd/>
+              </a14:hiddenLine>
+            </a:ext>
+          </a:extLst>
+        </p:spPr>
+        <p:txBody>
+          <a:bodyPr/>
+          <a:lstStyle/>
+          <a:p>
+            <a:endParaRPr lang="en-US" altLang="en-US">
+              <a:latin typeface="Times New Roman" panose="02020603050405020304" pitchFamily="18" charset="0"/>
+            </a:endParaRPr>
+          </a:p>
+        </p:txBody>
+      </p:sp>
+    </p:spTree>
+  </p:cSld>
+  <p:clrMapOvr>
+    <a:masterClrMapping/>
+  </p:clrMapOvr>
+</p:notes>
+</file>
+
+<file path=ppt/notesSlides/notesSlide40.xml><?xml version="1.0" encoding="utf-8"?>
 <p:notes xmlns:a="http://schemas.openxmlformats.org/drawingml/2006/main" xmlns:r="http://schemas.openxmlformats.org/officeDocument/2006/relationships" xmlns:p="http://schemas.openxmlformats.org/presentationml/2006/main">
   <p:cSld>
     <p:spTree>
@@ -7592,7 +8012,7 @@
 </p:notes>
 </file>
 
-<file path=ppt/notesSlides/notesSlide39.xml><?xml version="1.0" encoding="utf-8"?>
+<file path=ppt/notesSlides/notesSlide41.xml><?xml version="1.0" encoding="utf-8"?>
 <p:notes xmlns:a="http://schemas.openxmlformats.org/drawingml/2006/main" xmlns:r="http://schemas.openxmlformats.org/officeDocument/2006/relationships" xmlns:p="http://schemas.openxmlformats.org/presentationml/2006/main">
   <p:cSld>
     <p:spTree>
@@ -7671,239 +8091,7 @@
 </p:notes>
 </file>
 
-<file path=ppt/notesSlides/notesSlide4.xml><?xml version="1.0" encoding="utf-8"?>
-<p:notes xmlns:a="http://schemas.openxmlformats.org/drawingml/2006/main" xmlns:r="http://schemas.openxmlformats.org/officeDocument/2006/relationships" xmlns:p="http://schemas.openxmlformats.org/presentationml/2006/main">
-  <p:cSld>
-    <p:spTree>
-      <p:nvGrpSpPr>
-        <p:cNvPr id="1" name=""/>
-        <p:cNvGrpSpPr/>
-        <p:nvPr/>
-      </p:nvGrpSpPr>
-      <p:grpSpPr>
-        <a:xfrm>
-          <a:off x="0" y="0"/>
-          <a:ext cx="0" cy="0"/>
-          <a:chOff x="0" y="0"/>
-          <a:chExt cx="0" cy="0"/>
-        </a:xfrm>
-      </p:grpSpPr>
-      <p:sp>
-        <p:nvSpPr>
-          <p:cNvPr id="64514" name="Rectangle 7"/>
-          <p:cNvSpPr>
-            <a:spLocks noGrp="1" noChangeArrowheads="1"/>
-          </p:cNvSpPr>
-          <p:nvPr>
-            <p:ph type="sldNum" sz="quarter" idx="5"/>
-          </p:nvPr>
-        </p:nvSpPr>
-        <p:spPr>
-          <a:noFill/>
-          <a:extLst>
-            <a:ext uri="{909E8E84-426E-40DD-AFC4-6F175D3DCCD1}">
-              <a14:hiddenFill xmlns:a14="http://schemas.microsoft.com/office/drawing/2010/main">
-                <a:solidFill>
-                  <a:srgbClr val="FFFFFF"/>
-                </a:solidFill>
-              </a14:hiddenFill>
-            </a:ext>
-            <a:ext uri="{91240B29-F687-4F45-9708-019B960494DF}">
-              <a14:hiddenLine xmlns:a14="http://schemas.microsoft.com/office/drawing/2010/main" w="9525">
-                <a:solidFill>
-                  <a:srgbClr val="000000"/>
-                </a:solidFill>
-                <a:miter lim="800000"/>
-                <a:headEnd/>
-                <a:tailEnd/>
-              </a14:hiddenLine>
-            </a:ext>
-          </a:extLst>
-        </p:spPr>
-        <p:txBody>
-          <a:bodyPr/>
-          <a:lstStyle>
-            <a:lvl1pPr defTabSz="930275">
-              <a:defRPr sz="1600">
-                <a:solidFill>
-                  <a:schemeClr val="tx1"/>
-                </a:solidFill>
-                <a:latin typeface="Helvetica" pitchFamily="34" charset="0"/>
-                <a:ea typeface="MS PGothic" panose="020B0600070205080204" pitchFamily="34" charset="-128"/>
-              </a:defRPr>
-            </a:lvl1pPr>
-            <a:lvl2pPr marL="742950" indent="-285750" defTabSz="930275">
-              <a:defRPr sz="1600">
-                <a:solidFill>
-                  <a:schemeClr val="tx1"/>
-                </a:solidFill>
-                <a:latin typeface="Helvetica" pitchFamily="34" charset="0"/>
-                <a:ea typeface="MS PGothic" panose="020B0600070205080204" pitchFamily="34" charset="-128"/>
-              </a:defRPr>
-            </a:lvl2pPr>
-            <a:lvl3pPr marL="1143000" indent="-228600" defTabSz="930275">
-              <a:defRPr sz="1600">
-                <a:solidFill>
-                  <a:schemeClr val="tx1"/>
-                </a:solidFill>
-                <a:latin typeface="Helvetica" pitchFamily="34" charset="0"/>
-                <a:ea typeface="MS PGothic" panose="020B0600070205080204" pitchFamily="34" charset="-128"/>
-              </a:defRPr>
-            </a:lvl3pPr>
-            <a:lvl4pPr marL="1600200" indent="-228600" defTabSz="930275">
-              <a:defRPr sz="1600">
-                <a:solidFill>
-                  <a:schemeClr val="tx1"/>
-                </a:solidFill>
-                <a:latin typeface="Helvetica" pitchFamily="34" charset="0"/>
-                <a:ea typeface="MS PGothic" panose="020B0600070205080204" pitchFamily="34" charset="-128"/>
-              </a:defRPr>
-            </a:lvl4pPr>
-            <a:lvl5pPr marL="2057400" indent="-228600" defTabSz="930275">
-              <a:defRPr sz="1600">
-                <a:solidFill>
-                  <a:schemeClr val="tx1"/>
-                </a:solidFill>
-                <a:latin typeface="Helvetica" pitchFamily="34" charset="0"/>
-                <a:ea typeface="MS PGothic" panose="020B0600070205080204" pitchFamily="34" charset="-128"/>
-              </a:defRPr>
-            </a:lvl5pPr>
-            <a:lvl6pPr marL="2514600" indent="-228600" defTabSz="930275" eaLnBrk="0" fontAlgn="base" hangingPunct="0">
-              <a:spcBef>
-                <a:spcPct val="0"/>
-              </a:spcBef>
-              <a:spcAft>
-                <a:spcPct val="0"/>
-              </a:spcAft>
-              <a:defRPr sz="1600">
-                <a:solidFill>
-                  <a:schemeClr val="tx1"/>
-                </a:solidFill>
-                <a:latin typeface="Helvetica" pitchFamily="34" charset="0"/>
-                <a:ea typeface="MS PGothic" panose="020B0600070205080204" pitchFamily="34" charset="-128"/>
-              </a:defRPr>
-            </a:lvl6pPr>
-            <a:lvl7pPr marL="2971800" indent="-228600" defTabSz="930275" eaLnBrk="0" fontAlgn="base" hangingPunct="0">
-              <a:spcBef>
-                <a:spcPct val="0"/>
-              </a:spcBef>
-              <a:spcAft>
-                <a:spcPct val="0"/>
-              </a:spcAft>
-              <a:defRPr sz="1600">
-                <a:solidFill>
-                  <a:schemeClr val="tx1"/>
-                </a:solidFill>
-                <a:latin typeface="Helvetica" pitchFamily="34" charset="0"/>
-                <a:ea typeface="MS PGothic" panose="020B0600070205080204" pitchFamily="34" charset="-128"/>
-              </a:defRPr>
-            </a:lvl7pPr>
-            <a:lvl8pPr marL="3429000" indent="-228600" defTabSz="930275" eaLnBrk="0" fontAlgn="base" hangingPunct="0">
-              <a:spcBef>
-                <a:spcPct val="0"/>
-              </a:spcBef>
-              <a:spcAft>
-                <a:spcPct val="0"/>
-              </a:spcAft>
-              <a:defRPr sz="1600">
-                <a:solidFill>
-                  <a:schemeClr val="tx1"/>
-                </a:solidFill>
-                <a:latin typeface="Helvetica" pitchFamily="34" charset="0"/>
-                <a:ea typeface="MS PGothic" panose="020B0600070205080204" pitchFamily="34" charset="-128"/>
-              </a:defRPr>
-            </a:lvl8pPr>
-            <a:lvl9pPr marL="3886200" indent="-228600" defTabSz="930275" eaLnBrk="0" fontAlgn="base" hangingPunct="0">
-              <a:spcBef>
-                <a:spcPct val="0"/>
-              </a:spcBef>
-              <a:spcAft>
-                <a:spcPct val="0"/>
-              </a:spcAft>
-              <a:defRPr sz="1600">
-                <a:solidFill>
-                  <a:schemeClr val="tx1"/>
-                </a:solidFill>
-                <a:latin typeface="Helvetica" pitchFamily="34" charset="0"/>
-                <a:ea typeface="MS PGothic" panose="020B0600070205080204" pitchFamily="34" charset="-128"/>
-              </a:defRPr>
-            </a:lvl9pPr>
-          </a:lstStyle>
-          <a:p>
-            <a:fld id="{91CD168A-2AB0-40BE-8A28-C8934AB24B59}" type="slidenum">
-              <a:rPr lang="en-US" altLang="en-US" sz="1200"/>
-            </a:fld>
-            <a:endParaRPr lang="en-US" altLang="en-US" sz="1200"/>
-          </a:p>
-        </p:txBody>
-      </p:sp>
-      <p:sp>
-        <p:nvSpPr>
-          <p:cNvPr id="64515" name="Rectangle 2"/>
-          <p:cNvSpPr>
-            <a:spLocks noGrp="1" noRot="1" noChangeAspect="1" noChangeArrowheads="1" noTextEdit="1"/>
-          </p:cNvSpPr>
-          <p:nvPr>
-            <p:ph type="sldImg"/>
-          </p:nvPr>
-        </p:nvSpPr>
-        <p:spPr/>
-      </p:sp>
-      <p:sp>
-        <p:nvSpPr>
-          <p:cNvPr id="64516" name="Rectangle 3"/>
-          <p:cNvSpPr>
-            <a:spLocks noGrp="1" noChangeArrowheads="1"/>
-          </p:cNvSpPr>
-          <p:nvPr>
-            <p:ph type="body" idx="1"/>
-          </p:nvPr>
-        </p:nvSpPr>
-        <p:spPr>
-          <a:xfrm>
-            <a:off x="931863" y="4410075"/>
-            <a:ext cx="5133975" cy="4176713"/>
-          </a:xfrm>
-          <a:noFill/>
-          <a:extLst>
-            <a:ext uri="{909E8E84-426E-40DD-AFC4-6F175D3DCCD1}">
-              <a14:hiddenFill xmlns:a14="http://schemas.microsoft.com/office/drawing/2010/main">
-                <a:solidFill>
-                  <a:srgbClr val="FFFFFF"/>
-                </a:solidFill>
-              </a14:hiddenFill>
-            </a:ext>
-            <a:ext uri="{91240B29-F687-4F45-9708-019B960494DF}">
-              <a14:hiddenLine xmlns:a14="http://schemas.microsoft.com/office/drawing/2010/main" w="9525">
-                <a:solidFill>
-                  <a:srgbClr val="000000"/>
-                </a:solidFill>
-                <a:miter lim="800000"/>
-                <a:headEnd/>
-                <a:tailEnd/>
-              </a14:hiddenLine>
-            </a:ext>
-          </a:extLst>
-        </p:spPr>
-        <p:txBody>
-          <a:bodyPr/>
-          <a:lstStyle/>
-          <a:p>
-            <a:endParaRPr lang="en-US" altLang="en-US">
-              <a:latin typeface="Times New Roman" panose="02020603050405020304" pitchFamily="18" charset="0"/>
-            </a:endParaRPr>
-          </a:p>
-        </p:txBody>
-      </p:sp>
-    </p:spTree>
-  </p:cSld>
-  <p:clrMapOvr>
-    <a:masterClrMapping/>
-  </p:clrMapOvr>
-</p:notes>
-</file>
-
-<file path=ppt/notesSlides/notesSlide40.xml><?xml version="1.0" encoding="utf-8"?>
+<file path=ppt/notesSlides/notesSlide42.xml><?xml version="1.0" encoding="utf-8"?>
 <p:notes xmlns:a="http://schemas.openxmlformats.org/drawingml/2006/main" xmlns:r="http://schemas.openxmlformats.org/officeDocument/2006/relationships" xmlns:p="http://schemas.openxmlformats.org/presentationml/2006/main">
   <p:cSld>
     <p:spTree>
@@ -8149,7 +8337,7 @@
 </p:notes>
 </file>
 
-<file path=ppt/notesSlides/notesSlide41.xml><?xml version="1.0" encoding="utf-8"?>
+<file path=ppt/notesSlides/notesSlide43.xml><?xml version="1.0" encoding="utf-8"?>
 <p:notes xmlns:a="http://schemas.openxmlformats.org/drawingml/2006/main" xmlns:r="http://schemas.openxmlformats.org/officeDocument/2006/relationships" xmlns:p="http://schemas.openxmlformats.org/presentationml/2006/main">
   <p:cSld>
     <p:spTree>
@@ -20277,7 +20465,7 @@
             </a:r>
             <a:r>
               <a:rPr lang="en-US" altLang="en-US" dirty="0"/>
-              <a:t>(@</a:t>
+              <a:t>(</a:t>
             </a:r>
             <a:r>
               <a:rPr lang="en-US" altLang="en-US" i="1" dirty="0" err="1"/>
@@ -20337,7 +20525,7 @@
             </a:br>
             <a:r>
               <a:rPr lang="en-US" altLang="en-US" b="1" dirty="0"/>
-              <a:t>                      select count </a:t>
+              <a:t>                      select count</a:t>
             </a:r>
             <a:r>
               <a:rPr lang="en-US" altLang="en-US" dirty="0"/>
@@ -20395,7 +20583,7 @@
             </a:r>
             <a:r>
               <a:rPr lang="en-US" altLang="en-US" i="1" dirty="0" err="1"/>
-              <a:t>dept_name</a:t>
+              <a:t>dept_name;</a:t>
             </a:r>
             <a:br>
               <a:rPr lang="en-US" altLang="en-US" i="1" dirty="0"/>
@@ -21056,7 +21244,7 @@
             </a:r>
             <a:r>
               <a:rPr lang="en-US"/>
-              <a:t> dbo.GetEmployeesInDepartment (@DepartmentID </a:t>
+              <a:t> dbo.GetEmployeesInDepartment (DepartmentID </a:t>
             </a:r>
             <a:r>
               <a:rPr lang="en-US" b="1">
@@ -21175,7 +21363,7 @@
             </a:r>
             <a:r>
               <a:rPr lang="en-US"/>
-              <a:t>DepartmentID = @DepartmentID</a:t>
+              <a:t>DepartmentID = DepartmentID</a:t>
             </a:r>
             <a:endParaRPr lang="en-US"/>
           </a:p>
@@ -21576,7 +21764,7 @@
             <a:endParaRPr lang="en-US"/>
           </a:p>
           <a:p>
-            <a:pPr marL="0" indent="0">
+            <a:pPr marL="457200" lvl="1" indent="0">
               <a:buNone/>
             </a:pPr>
             <a:r>
@@ -21593,7 +21781,7 @@
             <a:endParaRPr lang="en-US"/>
           </a:p>
           <a:p>
-            <a:pPr marL="0" indent="0">
+            <a:pPr marL="457200" lvl="1" indent="0">
               <a:buNone/>
             </a:pPr>
             <a:r>
@@ -21609,7 +21797,7 @@
             </a:endParaRPr>
           </a:p>
           <a:p>
-            <a:pPr marL="0" indent="0">
+            <a:pPr marL="457200" lvl="1" indent="0">
               <a:buNone/>
             </a:pPr>
             <a:r>
@@ -21619,7 +21807,7 @@
             <a:endParaRPr lang="en-US"/>
           </a:p>
           <a:p>
-            <a:pPr marL="0" indent="0">
+            <a:pPr marL="457200" lvl="1" indent="0">
               <a:buNone/>
             </a:pPr>
             <a:r>
@@ -21653,7 +21841,7 @@
             </a:endParaRPr>
           </a:p>
           <a:p>
-            <a:pPr marL="0" indent="0">
+            <a:pPr marL="914400" lvl="2" indent="0">
               <a:buNone/>
             </a:pPr>
             <a:r>
@@ -21669,7 +21857,7 @@
             </a:endParaRPr>
           </a:p>
           <a:p>
-            <a:pPr marL="0" indent="0">
+            <a:pPr marL="914400" lvl="2" indent="0">
               <a:buNone/>
             </a:pPr>
             <a:r>
@@ -21685,7 +21873,7 @@
             </a:endParaRPr>
           </a:p>
           <a:p>
-            <a:pPr marL="0" indent="0">
+            <a:pPr marL="914400" lvl="2" indent="0">
               <a:buNone/>
             </a:pPr>
             <a:r>
@@ -21701,7 +21889,7 @@
             </a:endParaRPr>
           </a:p>
           <a:p>
-            <a:pPr marL="0" indent="0">
+            <a:pPr marL="914400" lvl="2" indent="0">
               <a:buNone/>
             </a:pPr>
             <a:r>
@@ -21717,7 +21905,7 @@
             </a:endParaRPr>
           </a:p>
           <a:p>
-            <a:pPr marL="0" indent="0">
+            <a:pPr marL="914400" lvl="2" indent="0">
               <a:buNone/>
             </a:pPr>
             <a:r>
@@ -21733,7 +21921,7 @@
             </a:endParaRPr>
           </a:p>
           <a:p>
-            <a:pPr marL="0" indent="0">
+            <a:pPr marL="914400" lvl="2" indent="0">
               <a:buNone/>
             </a:pPr>
             <a:r>
@@ -21749,7 +21937,7 @@
             </a:endParaRPr>
           </a:p>
           <a:p>
-            <a:pPr marL="0" indent="0">
+            <a:pPr marL="914400" lvl="2" indent="0">
               <a:buNone/>
             </a:pPr>
             <a:r>
@@ -21998,7 +22186,7 @@
             </a:r>
             <a:r>
               <a:rPr lang="en-US" altLang="en-US" i="1" dirty="0" err="1"/>
-              <a:t>dept_count_proc.dept_name</a:t>
+              <a:t>dept_name;</a:t>
             </a:r>
             <a:endParaRPr lang="en-US" altLang="en-US" i="1" dirty="0"/>
           </a:p>
@@ -22118,6 +22306,13 @@
               <a:buFont typeface="Monotype Sorts" pitchFamily="-65" charset="2"/>
               <a:buNone/>
             </a:pPr>
+            <a:endParaRPr lang="en-US" altLang="ja-JP" dirty="0"/>
+          </a:p>
+          <a:p>
+            <a:pPr>
+              <a:buFont typeface="Monotype Sorts" pitchFamily="-65" charset="2"/>
+              <a:buNone/>
+            </a:pPr>
             <a:r>
               <a:rPr lang="en-US" altLang="en-US" dirty="0"/>
               <a:t>	</a:t>
@@ -22127,6 +22322,154 @@
           <a:p>
             <a:pPr indent="-365760"/>
             <a:endParaRPr lang="en-US" altLang="en-US" dirty="0"/>
+          </a:p>
+        </p:txBody>
+      </p:sp>
+      <p:sp>
+        <p:nvSpPr>
+          <p:cNvPr id="2" name="Text Box 1"/>
+          <p:cNvSpPr txBox="1"/>
+          <p:nvPr/>
+        </p:nvSpPr>
+        <p:spPr>
+          <a:xfrm>
+            <a:off x="4674235" y="5676265"/>
+            <a:ext cx="4171315" cy="829945"/>
+          </a:xfrm>
+          <a:prstGeom prst="rect">
+            <a:avLst/>
+          </a:prstGeom>
+          <a:noFill/>
+        </p:spPr>
+        <p:txBody>
+          <a:bodyPr wrap="square" rtlCol="0" anchor="t">
+            <a:spAutoFit/>
+          </a:bodyPr>
+          <a:p>
+            <a:r>
+              <a:rPr lang="en-US" b="1">
+                <a:latin typeface="Helvetica Bold" charset="0"/>
+                <a:cs typeface="Helvetica Bold" charset="0"/>
+              </a:rPr>
+              <a:t>set</a:t>
+            </a:r>
+            <a:r>
+              <a:rPr lang="en-US"/>
+              <a:t> @d_count = 0;</a:t>
+            </a:r>
+            <a:endParaRPr lang="en-US"/>
+          </a:p>
+          <a:p>
+            <a:r>
+              <a:rPr lang="en-US" b="1">
+                <a:latin typeface="Helvetica Bold" charset="0"/>
+                <a:cs typeface="Helvetica Bold" charset="0"/>
+              </a:rPr>
+              <a:t>call</a:t>
+            </a:r>
+            <a:r>
+              <a:rPr lang="en-US"/>
+              <a:t> dept_count_proc('Physics', @d_count);</a:t>
+            </a:r>
+            <a:endParaRPr lang="en-US"/>
+          </a:p>
+          <a:p>
+            <a:r>
+              <a:rPr lang="en-US" b="1">
+                <a:latin typeface="Helvetica Bold" charset="0"/>
+                <a:cs typeface="Helvetica Bold" charset="0"/>
+              </a:rPr>
+              <a:t>select</a:t>
+            </a:r>
+            <a:r>
+              <a:rPr lang="en-US"/>
+              <a:t> @d_count;</a:t>
+            </a:r>
+            <a:endParaRPr lang="en-US"/>
+          </a:p>
+        </p:txBody>
+      </p:sp>
+      <p:sp>
+        <p:nvSpPr>
+          <p:cNvPr id="3" name="Text Box 2"/>
+          <p:cNvSpPr txBox="1"/>
+          <p:nvPr/>
+        </p:nvSpPr>
+        <p:spPr>
+          <a:xfrm>
+            <a:off x="0" y="5922645"/>
+            <a:ext cx="4311015" cy="583565"/>
+          </a:xfrm>
+          <a:prstGeom prst="rect">
+            <a:avLst/>
+          </a:prstGeom>
+          <a:noFill/>
+        </p:spPr>
+        <p:txBody>
+          <a:bodyPr wrap="square" rtlCol="0" anchor="t">
+            <a:spAutoFit/>
+          </a:bodyPr>
+          <a:p>
+            <a:r>
+              <a:rPr lang="en-US" altLang="en-US" b="1" dirty="0">
+                <a:sym typeface="+mn-ea"/>
+              </a:rPr>
+              <a:t>call </a:t>
+            </a:r>
+            <a:r>
+              <a:rPr lang="en-US" altLang="en-US" i="1" dirty="0" err="1">
+                <a:sym typeface="+mn-ea"/>
+              </a:rPr>
+              <a:t>dept_count_proc</a:t>
+            </a:r>
+            <a:r>
+              <a:rPr lang="en-US" altLang="en-US" dirty="0">
+                <a:sym typeface="+mn-ea"/>
+              </a:rPr>
+              <a:t>( </a:t>
+            </a:r>
+            <a:r>
+              <a:rPr lang="en-US" altLang="ja-JP" dirty="0">
+                <a:sym typeface="+mn-ea"/>
+              </a:rPr>
+              <a:t>'Physics', @</a:t>
+            </a:r>
+            <a:r>
+              <a:rPr lang="en-US" altLang="ja-JP" i="1" dirty="0" err="1">
+                <a:sym typeface="+mn-ea"/>
+              </a:rPr>
+              <a:t>d_count</a:t>
+            </a:r>
+            <a:r>
+              <a:rPr lang="en-US" altLang="ja-JP" dirty="0">
+                <a:sym typeface="+mn-ea"/>
+              </a:rPr>
+              <a:t>);</a:t>
+            </a:r>
+            <a:endParaRPr lang="en-US" altLang="ja-JP" dirty="0">
+              <a:sym typeface="+mn-ea"/>
+            </a:endParaRPr>
+          </a:p>
+          <a:p>
+            <a:pPr>
+              <a:buFont typeface="Monotype Sorts" pitchFamily="-65" charset="2"/>
+              <a:buNone/>
+            </a:pPr>
+            <a:r>
+              <a:rPr lang="en-US" altLang="ja-JP" b="1" dirty="0">
+                <a:latin typeface="Helvetica Bold" charset="0"/>
+                <a:cs typeface="Helvetica Bold" charset="0"/>
+                <a:sym typeface="+mn-ea"/>
+              </a:rPr>
+              <a:t>SELECT </a:t>
+            </a:r>
+            <a:r>
+              <a:rPr lang="en-US" altLang="ja-JP" dirty="0">
+                <a:sym typeface="+mn-ea"/>
+              </a:rPr>
+              <a:t>@d_count as count;</a:t>
+            </a:r>
+            <a:endParaRPr lang="en-US"/>
           </a:p>
         </p:txBody>
       </p:sp>
@@ -22596,10 +22939,21 @@
               <a:defRPr/>
             </a:pPr>
             <a:r>
+              <a:rPr lang="en-US" altLang="en-US" b="1" dirty="0">
+                <a:solidFill>
+                  <a:srgbClr val="FF0000"/>
+                </a:solidFill>
+                <a:latin typeface="Helvetica Bold" charset="0"/>
+                <a:ea typeface="MS PGothic" panose="020B0600070205080204" pitchFamily="34" charset="-128"/>
+                <a:cs typeface="Helvetica Bold" charset="0"/>
+              </a:rPr>
+              <a:t>Warning:</a:t>
+            </a:r>
+            <a:r>
               <a:rPr lang="en-US" altLang="en-US" dirty="0">
                 <a:ea typeface="MS PGothic" panose="020B0600070205080204" pitchFamily="34" charset="-128"/>
               </a:rPr>
-              <a:t>Warning: most database systems implement their own variant of the standard syntax below.</a:t>
+              <a:t> most database systems implement their own variant of the standard syntax below.</a:t>
             </a:r>
             <a:endParaRPr lang="en-US" altLang="en-US" dirty="0">
               <a:ea typeface="MS PGothic" panose="020B0600070205080204" pitchFamily="34" charset="-128"/>
@@ -23424,16 +23778,28 @@
               <a:rPr lang="en-US" altLang="en-US" dirty="0">
                 <a:sym typeface="+mn-ea"/>
               </a:rPr>
-              <a:t>	 until </a:t>
+              <a:t>	 </a:t>
+            </a:r>
+            <a:r>
+              <a:rPr lang="en-US" altLang="en-US" b="1" dirty="0">
+                <a:latin typeface="Helvetica Bold" charset="0"/>
+                <a:cs typeface="Helvetica Bold" charset="0"/>
+                <a:sym typeface="+mn-ea"/>
+              </a:rPr>
+              <a:t>until </a:t>
             </a:r>
             <a:r>
               <a:rPr lang="en-US" altLang="en-US" dirty="0" err="1">
+                <a:latin typeface="Helvetica" pitchFamily="34" charset="0"/>
+                <a:cs typeface="Helvetica" pitchFamily="34" charset="0"/>
                 <a:sym typeface="+mn-ea"/>
               </a:rPr>
               <a:t>boolean</a:t>
             </a:r>
             <a:r>
               <a:rPr lang="en-US" altLang="en-US" dirty="0">
+                <a:latin typeface="Helvetica" pitchFamily="34" charset="0"/>
+                <a:cs typeface="Helvetica" pitchFamily="34" charset="0"/>
                 <a:sym typeface="+mn-ea"/>
               </a:rPr>
               <a:t> expression </a:t>
@@ -23526,7 +23892,12 @@
             <p:ph idx="1"/>
           </p:nvPr>
         </p:nvSpPr>
-        <p:spPr/>
+        <p:spPr>
+          <a:xfrm>
+            <a:off x="768350" y="1094105"/>
+            <a:ext cx="7707630" cy="5254625"/>
+          </a:xfrm>
+        </p:spPr>
         <p:txBody>
           <a:bodyPr/>
           <a:p>
@@ -23534,144 +23905,328 @@
               <a:buNone/>
             </a:pPr>
             <a:r>
-              <a:rPr lang="en-US"/>
+              <a:rPr lang="en-US" sz="1400" b="1">
+                <a:latin typeface="Helvetica Bold" charset="0"/>
+                <a:cs typeface="Helvetica Bold" charset="0"/>
+              </a:rPr>
               <a:t>DELIMITER //</a:t>
             </a:r>
-            <a:endParaRPr lang="en-US"/>
+            <a:endParaRPr lang="en-US" sz="1400" b="1">
+              <a:latin typeface="Helvetica Bold" charset="0"/>
+              <a:cs typeface="Helvetica Bold" charset="0"/>
+            </a:endParaRPr>
           </a:p>
           <a:p>
             <a:pPr marL="0" indent="0">
               <a:buNone/>
             </a:pPr>
-            <a:endParaRPr lang="en-US"/>
+            <a:endParaRPr lang="en-US" sz="1400"/>
           </a:p>
           <a:p>
             <a:pPr marL="0" indent="0">
               <a:buNone/>
             </a:pPr>
             <a:r>
-              <a:rPr lang="en-US"/>
-              <a:t>CREATE PROCEDURE calculate_factorial(IN num INT, OUT result INT)</a:t>
-            </a:r>
-            <a:endParaRPr lang="en-US"/>
+              <a:rPr lang="en-US" sz="1400" b="1">
+                <a:latin typeface="Helvetica Bold" charset="0"/>
+                <a:cs typeface="Helvetica Bold" charset="0"/>
+              </a:rPr>
+              <a:t>CREATE PROCEDURE</a:t>
+            </a:r>
+            <a:r>
+              <a:rPr lang="en-US" sz="1400"/>
+              <a:t> calculate_factorial(</a:t>
+            </a:r>
+            <a:r>
+              <a:rPr lang="en-US" sz="1400" b="1">
+                <a:latin typeface="Helvetica Bold" charset="0"/>
+                <a:cs typeface="Helvetica Bold" charset="0"/>
+              </a:rPr>
+              <a:t>IN</a:t>
+            </a:r>
+            <a:r>
+              <a:rPr lang="en-US" sz="1400"/>
+              <a:t> num </a:t>
+            </a:r>
+            <a:r>
+              <a:rPr lang="en-US" sz="1400" b="1">
+                <a:latin typeface="Helvetica Bold" charset="0"/>
+                <a:cs typeface="Helvetica Bold" charset="0"/>
+              </a:rPr>
+              <a:t>INT</a:t>
+            </a:r>
+            <a:r>
+              <a:rPr lang="en-US" sz="1400"/>
+              <a:t>, </a:t>
+            </a:r>
+            <a:r>
+              <a:rPr lang="en-US" sz="1400" b="1">
+                <a:latin typeface="Helvetica Bold" charset="0"/>
+                <a:cs typeface="Helvetica Bold" charset="0"/>
+              </a:rPr>
+              <a:t>OUT</a:t>
+            </a:r>
+            <a:r>
+              <a:rPr lang="en-US" sz="1400"/>
+              <a:t> result </a:t>
+            </a:r>
+            <a:r>
+              <a:rPr lang="en-US" sz="1400" b="1">
+                <a:latin typeface="Helvetica Bold" charset="0"/>
+                <a:cs typeface="Helvetica Bold" charset="0"/>
+              </a:rPr>
+              <a:t>INT</a:t>
+            </a:r>
+            <a:r>
+              <a:rPr lang="en-US" sz="1400"/>
+              <a:t>)</a:t>
+            </a:r>
+            <a:endParaRPr lang="en-US" sz="1400"/>
           </a:p>
           <a:p>
             <a:pPr marL="0" indent="0">
               <a:buNone/>
             </a:pPr>
             <a:r>
-              <a:rPr lang="en-US"/>
+              <a:rPr lang="en-US" sz="1400" b="1">
+                <a:latin typeface="Helvetica Bold" charset="0"/>
+                <a:cs typeface="Helvetica Bold" charset="0"/>
+              </a:rPr>
               <a:t>BEGIN</a:t>
             </a:r>
-            <a:endParaRPr lang="en-US"/>
+            <a:endParaRPr lang="en-US" sz="1400" b="1">
+              <a:latin typeface="Helvetica Bold" charset="0"/>
+              <a:cs typeface="Helvetica Bold" charset="0"/>
+            </a:endParaRPr>
           </a:p>
           <a:p>
             <a:pPr marL="0" indent="0">
               <a:buNone/>
             </a:pPr>
             <a:r>
-              <a:rPr lang="en-US"/>
-              <a:t>    DECLARE i INT DEFAULT 1;</a:t>
-            </a:r>
-            <a:endParaRPr lang="en-US"/>
+              <a:rPr lang="en-US" sz="1400"/>
+              <a:t>    </a:t>
+            </a:r>
+            <a:r>
+              <a:rPr lang="en-US" sz="1400" b="1">
+                <a:latin typeface="Helvetica Bold" charset="0"/>
+                <a:cs typeface="Helvetica Bold" charset="0"/>
+              </a:rPr>
+              <a:t>DECLARE</a:t>
+            </a:r>
+            <a:r>
+              <a:rPr lang="en-US" sz="1400"/>
+              <a:t> i </a:t>
+            </a:r>
+            <a:r>
+              <a:rPr lang="en-US" sz="1400" b="1">
+                <a:latin typeface="Helvetica Bold" charset="0"/>
+                <a:cs typeface="Helvetica Bold" charset="0"/>
+              </a:rPr>
+              <a:t>INT DEFAULT 1</a:t>
+            </a:r>
+            <a:r>
+              <a:rPr lang="en-US" sz="1400"/>
+              <a:t>;</a:t>
+            </a:r>
+            <a:endParaRPr lang="en-US" sz="1400"/>
           </a:p>
           <a:p>
             <a:pPr marL="0" indent="0">
               <a:buNone/>
             </a:pPr>
             <a:r>
-              <a:rPr lang="en-US"/>
-              <a:t>    DECLARE fact INT DEFAULT 1;</a:t>
-            </a:r>
-            <a:endParaRPr lang="en-US"/>
+              <a:rPr lang="en-US" sz="1400"/>
+              <a:t>    </a:t>
+            </a:r>
+            <a:r>
+              <a:rPr lang="en-US" sz="1400" b="1">
+                <a:latin typeface="Helvetica Bold" charset="0"/>
+                <a:cs typeface="Helvetica Bold" charset="0"/>
+              </a:rPr>
+              <a:t>DECLARE</a:t>
+            </a:r>
+            <a:r>
+              <a:rPr lang="en-US" sz="1400"/>
+              <a:t> fact </a:t>
+            </a:r>
+            <a:r>
+              <a:rPr lang="en-US" sz="1400" b="1">
+                <a:latin typeface="Helvetica Bold" charset="0"/>
+                <a:cs typeface="Helvetica Bold" charset="0"/>
+              </a:rPr>
+              <a:t>INT DEFAULT 1</a:t>
+            </a:r>
+            <a:r>
+              <a:rPr lang="en-US" sz="1400"/>
+              <a:t>;</a:t>
+            </a:r>
+            <a:endParaRPr lang="en-US" sz="1400"/>
           </a:p>
           <a:p>
             <a:pPr marL="0" indent="0">
               <a:buNone/>
             </a:pPr>
-            <a:endParaRPr lang="en-US"/>
+            <a:endParaRPr lang="en-US" sz="1400"/>
           </a:p>
           <a:p>
             <a:pPr marL="0" indent="0">
               <a:buNone/>
             </a:pPr>
             <a:r>
-              <a:rPr lang="en-US"/>
-              <a:t>    WHILE i &lt;= num DO</a:t>
-            </a:r>
-            <a:endParaRPr lang="en-US"/>
+              <a:rPr lang="en-US" sz="1400"/>
+              <a:t>    </a:t>
+            </a:r>
+            <a:r>
+              <a:rPr lang="en-US" sz="1400" b="1">
+                <a:latin typeface="Helvetica Bold" charset="0"/>
+                <a:cs typeface="Helvetica Bold" charset="0"/>
+              </a:rPr>
+              <a:t>WHILE</a:t>
+            </a:r>
+            <a:r>
+              <a:rPr lang="en-US" sz="1400"/>
+              <a:t> </a:t>
+            </a:r>
+            <a:r>
+              <a:rPr lang="en-US" sz="1400" i="1">
+                <a:latin typeface="Helvetica Oblique" charset="0"/>
+                <a:cs typeface="Helvetica Oblique" charset="0"/>
+              </a:rPr>
+              <a:t>i &lt;= num </a:t>
+            </a:r>
+            <a:r>
+              <a:rPr lang="en-US" sz="1400" b="1">
+                <a:latin typeface="Helvetica Bold" charset="0"/>
+                <a:cs typeface="Helvetica Bold" charset="0"/>
+              </a:rPr>
+              <a:t>DO</a:t>
+            </a:r>
+            <a:endParaRPr lang="en-US" sz="1400"/>
           </a:p>
           <a:p>
             <a:pPr marL="0" indent="0">
               <a:buNone/>
             </a:pPr>
             <a:r>
-              <a:rPr lang="en-US"/>
-              <a:t>        SET fact = fact * i;</a:t>
-            </a:r>
-            <a:endParaRPr lang="en-US"/>
+              <a:rPr lang="en-US" sz="1400"/>
+              <a:t>        </a:t>
+            </a:r>
+            <a:r>
+              <a:rPr lang="en-US" sz="1400" b="1">
+                <a:latin typeface="Helvetica Bold" charset="0"/>
+                <a:cs typeface="Helvetica Bold" charset="0"/>
+              </a:rPr>
+              <a:t>SET</a:t>
+            </a:r>
+            <a:r>
+              <a:rPr lang="en-US" sz="1400"/>
+              <a:t> fact = fact * i;</a:t>
+            </a:r>
+            <a:endParaRPr lang="en-US" sz="1400"/>
           </a:p>
           <a:p>
             <a:pPr marL="0" indent="0">
               <a:buNone/>
             </a:pPr>
             <a:r>
-              <a:rPr lang="en-US"/>
-              <a:t>        SET i = i + 1;</a:t>
-            </a:r>
-            <a:endParaRPr lang="en-US"/>
+              <a:rPr lang="en-US" sz="1400"/>
+              <a:t>        </a:t>
+            </a:r>
+            <a:r>
+              <a:rPr lang="en-US" sz="1400" b="1">
+                <a:latin typeface="Helvetica Bold" charset="0"/>
+                <a:cs typeface="Helvetica Bold" charset="0"/>
+              </a:rPr>
+              <a:t>SET</a:t>
+            </a:r>
+            <a:r>
+              <a:rPr lang="en-US" sz="1400"/>
+              <a:t> i = i + 1;</a:t>
+            </a:r>
+            <a:endParaRPr lang="en-US" sz="1400"/>
           </a:p>
           <a:p>
             <a:pPr marL="0" indent="0">
               <a:buNone/>
             </a:pPr>
             <a:r>
-              <a:rPr lang="en-US"/>
-              <a:t>    END WHILE;</a:t>
-            </a:r>
-            <a:endParaRPr lang="en-US"/>
+              <a:rPr lang="en-US" sz="1400"/>
+              <a:t>   </a:t>
+            </a:r>
+            <a:r>
+              <a:rPr lang="en-US" sz="1400" b="1">
+                <a:latin typeface="Helvetica Bold" charset="0"/>
+                <a:cs typeface="Helvetica Bold" charset="0"/>
+              </a:rPr>
+              <a:t> END WHILE;</a:t>
+            </a:r>
+            <a:endParaRPr lang="en-US" sz="1400"/>
           </a:p>
           <a:p>
             <a:pPr marL="0" indent="0">
               <a:buNone/>
             </a:pPr>
-            <a:endParaRPr lang="en-US"/>
+            <a:endParaRPr lang="en-US" sz="1400"/>
           </a:p>
           <a:p>
             <a:pPr marL="0" indent="0">
               <a:buNone/>
             </a:pPr>
             <a:r>
-              <a:rPr lang="en-US"/>
-              <a:t>    SET result = fact;</a:t>
-            </a:r>
-            <a:endParaRPr lang="en-US"/>
+              <a:rPr lang="en-US" sz="1400"/>
+              <a:t>    </a:t>
+            </a:r>
+            <a:r>
+              <a:rPr lang="en-US" sz="1400" b="1">
+                <a:latin typeface="Helvetica Bold" charset="0"/>
+                <a:cs typeface="Helvetica Bold" charset="0"/>
+              </a:rPr>
+              <a:t>SET </a:t>
+            </a:r>
+            <a:r>
+              <a:rPr lang="en-US" sz="1400"/>
+              <a:t>result = fact;</a:t>
+            </a:r>
+            <a:endParaRPr lang="en-US" sz="1400"/>
           </a:p>
           <a:p>
             <a:pPr marL="0" indent="0">
               <a:buNone/>
             </a:pPr>
             <a:r>
-              <a:rPr lang="en-US"/>
+              <a:rPr lang="en-US" sz="1400" b="1">
+                <a:latin typeface="Helvetica Bold" charset="0"/>
+                <a:cs typeface="Helvetica Bold" charset="0"/>
+              </a:rPr>
               <a:t>END //</a:t>
             </a:r>
-            <a:endParaRPr lang="en-US"/>
+            <a:endParaRPr lang="en-US" sz="1400" b="1">
+              <a:latin typeface="Helvetica Bold" charset="0"/>
+              <a:cs typeface="Helvetica Bold" charset="0"/>
+            </a:endParaRPr>
           </a:p>
           <a:p>
             <a:pPr marL="0" indent="0">
               <a:buNone/>
             </a:pPr>
-            <a:endParaRPr lang="en-US"/>
+            <a:endParaRPr lang="en-US" sz="1400"/>
           </a:p>
           <a:p>
             <a:pPr marL="0" indent="0">
               <a:buNone/>
             </a:pPr>
             <a:r>
-              <a:rPr lang="en-US"/>
+              <a:rPr lang="en-US" sz="1400" b="1">
+                <a:latin typeface="Helvetica Bold" charset="0"/>
+                <a:cs typeface="Helvetica Bold" charset="0"/>
+              </a:rPr>
               <a:t>DELIMITER ;</a:t>
             </a:r>
-            <a:endParaRPr lang="en-US"/>
+            <a:endParaRPr lang="en-US" sz="1400" b="1">
+              <a:latin typeface="Helvetica Bold" charset="0"/>
+              <a:cs typeface="Helvetica Bold" charset="0"/>
+            </a:endParaRPr>
           </a:p>
         </p:txBody>
       </p:sp>
@@ -23738,144 +24293,271 @@
               <a:buNone/>
             </a:pPr>
             <a:r>
-              <a:rPr lang="en-US"/>
+              <a:rPr lang="en-US" sz="1400" b="1">
+                <a:latin typeface="Helvetica Bold" charset="0"/>
+                <a:cs typeface="Helvetica Bold" charset="0"/>
+              </a:rPr>
               <a:t>DELIMITER //</a:t>
             </a:r>
-            <a:endParaRPr lang="en-US"/>
+            <a:endParaRPr lang="en-US" sz="1400" b="1">
+              <a:latin typeface="Helvetica Bold" charset="0"/>
+              <a:cs typeface="Helvetica Bold" charset="0"/>
+            </a:endParaRPr>
           </a:p>
           <a:p>
             <a:pPr marL="0" indent="0">
               <a:buNone/>
             </a:pPr>
-            <a:endParaRPr lang="en-US"/>
+            <a:endParaRPr lang="en-US" sz="1400"/>
           </a:p>
           <a:p>
             <a:pPr marL="0" indent="0">
               <a:buNone/>
             </a:pPr>
             <a:r>
-              <a:rPr lang="en-US"/>
-              <a:t>CREATE PROCEDURE countdown(IN start INT)</a:t>
-            </a:r>
-            <a:endParaRPr lang="en-US"/>
+              <a:rPr lang="en-US" sz="1400" b="1">
+                <a:latin typeface="Helvetica Bold" charset="0"/>
+                <a:cs typeface="Helvetica Bold" charset="0"/>
+              </a:rPr>
+              <a:t>CREATE</a:t>
+            </a:r>
+            <a:r>
+              <a:rPr lang="en-US" sz="1400"/>
+              <a:t> PROCEDURE countdown(IN start INT)</a:t>
+            </a:r>
+            <a:endParaRPr lang="en-US" sz="1400"/>
           </a:p>
           <a:p>
             <a:pPr marL="0" indent="0">
               <a:buNone/>
             </a:pPr>
             <a:r>
-              <a:rPr lang="en-US"/>
+              <a:rPr lang="en-US" sz="1400" b="1">
+                <a:latin typeface="Helvetica Bold" charset="0"/>
+                <a:cs typeface="Helvetica Bold" charset="0"/>
+              </a:rPr>
               <a:t>BEGIN</a:t>
             </a:r>
-            <a:endParaRPr lang="en-US"/>
+            <a:endParaRPr lang="en-US" sz="1400" b="1">
+              <a:latin typeface="Helvetica Bold" charset="0"/>
+              <a:cs typeface="Helvetica Bold" charset="0"/>
+            </a:endParaRPr>
           </a:p>
           <a:p>
             <a:pPr marL="0" indent="0">
               <a:buNone/>
             </a:pPr>
             <a:r>
-              <a:rPr lang="en-US"/>
-              <a:t>    DECLARE i INT;</a:t>
-            </a:r>
-            <a:endParaRPr lang="en-US"/>
+              <a:rPr lang="en-US" sz="1400"/>
+              <a:t>  </a:t>
+            </a:r>
+            <a:r>
+              <a:rPr lang="en-US" sz="1400" b="1">
+                <a:latin typeface="Helvetica Bold" charset="0"/>
+                <a:cs typeface="Helvetica Bold" charset="0"/>
+              </a:rPr>
+              <a:t>  DECLARE </a:t>
+            </a:r>
+            <a:r>
+              <a:rPr lang="en-US" sz="1400"/>
+              <a:t>i </a:t>
+            </a:r>
+            <a:r>
+              <a:rPr lang="en-US" sz="1400" b="1">
+                <a:latin typeface="Helvetica Bold" charset="0"/>
+                <a:cs typeface="Helvetica Bold" charset="0"/>
+              </a:rPr>
+              <a:t>INT</a:t>
+            </a:r>
+            <a:r>
+              <a:rPr lang="en-US" sz="1400"/>
+              <a:t>;</a:t>
+            </a:r>
+            <a:endParaRPr lang="en-US" sz="1400"/>
           </a:p>
           <a:p>
             <a:pPr marL="0" indent="0">
               <a:buNone/>
             </a:pPr>
-            <a:endParaRPr lang="en-US"/>
+            <a:endParaRPr lang="en-US" sz="1400"/>
           </a:p>
           <a:p>
             <a:pPr marL="0" indent="0">
               <a:buNone/>
             </a:pPr>
             <a:r>
-              <a:rPr lang="en-US"/>
-              <a:t>    SET i = start;</a:t>
-            </a:r>
-            <a:endParaRPr lang="en-US"/>
+              <a:rPr lang="en-US" sz="1400"/>
+              <a:t>    </a:t>
+            </a:r>
+            <a:r>
+              <a:rPr lang="en-US" sz="1400" b="1">
+                <a:latin typeface="Helvetica Bold" charset="0"/>
+                <a:cs typeface="Helvetica Bold" charset="0"/>
+              </a:rPr>
+              <a:t>SET</a:t>
+            </a:r>
+            <a:r>
+              <a:rPr lang="en-US" sz="1400"/>
+              <a:t> i = start;</a:t>
+            </a:r>
+            <a:endParaRPr lang="en-US" sz="1400"/>
           </a:p>
           <a:p>
             <a:pPr marL="0" indent="0">
               <a:buNone/>
             </a:pPr>
-            <a:endParaRPr lang="en-US"/>
+            <a:endParaRPr lang="en-US" sz="1400"/>
           </a:p>
           <a:p>
             <a:pPr marL="0" indent="0">
               <a:buNone/>
             </a:pPr>
             <a:r>
-              <a:rPr lang="en-US"/>
-              <a:t>    REPEAT</a:t>
-            </a:r>
-            <a:endParaRPr lang="en-US"/>
+              <a:rPr lang="en-US" sz="1400"/>
+              <a:t>    </a:t>
+            </a:r>
+            <a:r>
+              <a:rPr lang="en-US" sz="1400" b="1">
+                <a:latin typeface="Helvetica Bold" charset="0"/>
+                <a:cs typeface="Helvetica Bold" charset="0"/>
+              </a:rPr>
+              <a:t>REPEAT</a:t>
+            </a:r>
+            <a:endParaRPr lang="en-US" sz="1400"/>
           </a:p>
           <a:p>
             <a:pPr marL="0" indent="0">
               <a:buNone/>
             </a:pPr>
             <a:r>
-              <a:rPr lang="en-US"/>
-              <a:t>        INSERT INTO log_table (message) VALUES (CONCAT('Countdown: ', i));</a:t>
-            </a:r>
-            <a:endParaRPr lang="en-US"/>
+              <a:rPr lang="en-US" sz="1400"/>
+              <a:t>        </a:t>
+            </a:r>
+            <a:r>
+              <a:rPr lang="en-US" sz="1400" b="1">
+                <a:latin typeface="Helvetica Bold" charset="0"/>
+                <a:cs typeface="Helvetica Bold" charset="0"/>
+              </a:rPr>
+              <a:t>INSERT INTO </a:t>
+            </a:r>
+            <a:r>
+              <a:rPr lang="en-US" sz="1400"/>
+              <a:t>log_table (message) </a:t>
+            </a:r>
+            <a:r>
+              <a:rPr lang="en-US" sz="1400" b="1">
+                <a:latin typeface="Helvetica Bold" charset="0"/>
+                <a:cs typeface="Helvetica Bold" charset="0"/>
+              </a:rPr>
+              <a:t>VALUES </a:t>
+            </a:r>
+            <a:r>
+              <a:rPr lang="en-US" sz="1400"/>
+              <a:t>(</a:t>
+            </a:r>
+            <a:r>
+              <a:rPr lang="en-US" sz="1400" b="1">
+                <a:latin typeface="Helvetica Bold" charset="0"/>
+                <a:cs typeface="Helvetica Bold" charset="0"/>
+              </a:rPr>
+              <a:t>CONCAT</a:t>
+            </a:r>
+            <a:r>
+              <a:rPr lang="en-US" sz="1400"/>
+              <a:t>('Countdown: ', i));</a:t>
+            </a:r>
+            <a:endParaRPr lang="en-US" sz="1400"/>
           </a:p>
           <a:p>
             <a:pPr marL="0" indent="0">
               <a:buNone/>
             </a:pPr>
             <a:r>
-              <a:rPr lang="en-US"/>
-              <a:t>        SET i = i - 1;</a:t>
-            </a:r>
-            <a:endParaRPr lang="en-US"/>
+              <a:rPr lang="en-US" sz="1400"/>
+              <a:t>        </a:t>
+            </a:r>
+            <a:r>
+              <a:rPr lang="en-US" sz="1400" b="1">
+                <a:latin typeface="Helvetica Bold" charset="0"/>
+                <a:cs typeface="Helvetica Bold" charset="0"/>
+              </a:rPr>
+              <a:t>SET </a:t>
+            </a:r>
+            <a:r>
+              <a:rPr lang="en-US" sz="1400"/>
+              <a:t>i = i - 1;</a:t>
+            </a:r>
+            <a:endParaRPr lang="en-US" sz="1400"/>
           </a:p>
           <a:p>
             <a:pPr marL="0" indent="0">
               <a:buNone/>
             </a:pPr>
             <a:r>
-              <a:rPr lang="en-US"/>
-              <a:t>    UNTIL i = 0</a:t>
-            </a:r>
-            <a:endParaRPr lang="en-US"/>
+              <a:rPr lang="en-US" sz="1400"/>
+              <a:t>    </a:t>
+            </a:r>
+            <a:r>
+              <a:rPr lang="en-US" sz="1400" b="1">
+                <a:latin typeface="Helvetica Bold" charset="0"/>
+                <a:cs typeface="Helvetica Bold" charset="0"/>
+              </a:rPr>
+              <a:t>UNTIL </a:t>
+            </a:r>
+            <a:r>
+              <a:rPr lang="en-US" sz="1400"/>
+              <a:t>i = 0</a:t>
+            </a:r>
+            <a:endParaRPr lang="en-US" sz="1400"/>
           </a:p>
           <a:p>
             <a:pPr marL="0" indent="0">
               <a:buNone/>
             </a:pPr>
             <a:r>
-              <a:rPr lang="en-US"/>
-              <a:t>    END REPEAT;</a:t>
-            </a:r>
-            <a:endParaRPr lang="en-US"/>
+              <a:rPr lang="en-US" sz="1400"/>
+              <a:t>    </a:t>
+            </a:r>
+            <a:r>
+              <a:rPr lang="en-US" sz="1400" b="1">
+                <a:latin typeface="Helvetica Bold" charset="0"/>
+                <a:cs typeface="Helvetica Bold" charset="0"/>
+              </a:rPr>
+              <a:t>END REPEAT;</a:t>
+            </a:r>
+            <a:endParaRPr lang="en-US" sz="1400"/>
           </a:p>
           <a:p>
             <a:pPr marL="0" indent="0">
               <a:buNone/>
             </a:pPr>
             <a:r>
-              <a:rPr lang="en-US"/>
+              <a:rPr lang="en-US" sz="1400" b="1">
+                <a:latin typeface="Helvetica Bold" charset="0"/>
+                <a:cs typeface="Helvetica Bold" charset="0"/>
+              </a:rPr>
               <a:t>END //</a:t>
             </a:r>
-            <a:endParaRPr lang="en-US"/>
+            <a:endParaRPr lang="en-US" sz="1400" b="1">
+              <a:latin typeface="Helvetica Bold" charset="0"/>
+              <a:cs typeface="Helvetica Bold" charset="0"/>
+            </a:endParaRPr>
           </a:p>
           <a:p>
             <a:pPr marL="0" indent="0">
               <a:buNone/>
             </a:pPr>
-            <a:endParaRPr lang="en-US"/>
-          </a:p>
-          <a:p>
-            <a:pPr marL="0" indent="0">
-              <a:buNone/>
-            </a:pPr>
-            <a:r>
-              <a:rPr lang="en-US"/>
+            <a:r>
+              <a:rPr lang="en-US" sz="1400" b="1">
+                <a:latin typeface="Helvetica Bold" charset="0"/>
+                <a:cs typeface="Helvetica Bold" charset="0"/>
+              </a:rPr>
               <a:t>DELIMITER ;</a:t>
             </a:r>
-            <a:endParaRPr lang="en-US"/>
+            <a:endParaRPr lang="en-US" sz="1400" b="1">
+              <a:latin typeface="Helvetica Bold" charset="0"/>
+              <a:cs typeface="Helvetica Bold" charset="0"/>
+            </a:endParaRPr>
           </a:p>
         </p:txBody>
       </p:sp>
@@ -24003,10 +24685,17 @@
           </a:p>
           <a:p>
             <a:r>
+              <a:rPr lang="en-US" altLang="en-US" b="1" dirty="0">
+                <a:latin typeface="Tahoma Bold" panose="020B0604030504040204" charset="0"/>
+                <a:cs typeface="Tahoma Bold" panose="020B0604030504040204" charset="0"/>
+              </a:rPr>
+              <a:t>Example: </a:t>
+            </a:r>
+            <a:r>
               <a:rPr lang="en-US" altLang="en-US" dirty="0">
                 <a:latin typeface="Tahoma" panose="020B0604030504040204" pitchFamily="34" charset="0"/>
               </a:rPr>
-              <a:t>Example:   Find the budget of all departments</a:t>
+              <a:t>  Find the budget of all departments</a:t>
             </a:r>
             <a:br>
               <a:rPr lang="en-US" altLang="en-US" dirty="0">
@@ -24159,6 +24848,474 @@
 </file>
 
 <file path=ppt/slides/slide44.xml><?xml version="1.0" encoding="utf-8"?>
+<p:sld xmlns:a="http://schemas.openxmlformats.org/drawingml/2006/main" xmlns:r="http://schemas.openxmlformats.org/officeDocument/2006/relationships" xmlns:p="http://schemas.openxmlformats.org/presentationml/2006/main">
+  <p:cSld>
+    <p:spTree>
+      <p:nvGrpSpPr>
+        <p:cNvPr id="1" name=""/>
+        <p:cNvGrpSpPr/>
+        <p:nvPr/>
+      </p:nvGrpSpPr>
+      <p:grpSpPr/>
+      <p:sp>
+        <p:nvSpPr>
+          <p:cNvPr id="2" name="Title 1"/>
+          <p:cNvSpPr>
+            <a:spLocks noGrp="1"/>
+          </p:cNvSpPr>
+          <p:nvPr>
+            <p:ph type="title"/>
+          </p:nvPr>
+        </p:nvSpPr>
+        <p:spPr/>
+        <p:txBody>
+          <a:bodyPr/>
+          <a:p>
+            <a:r>
+              <a:rPr lang="en-US"/>
+              <a:t>For Loop with Cursor (MySQL)</a:t>
+            </a:r>
+            <a:endParaRPr lang="en-US"/>
+          </a:p>
+        </p:txBody>
+      </p:sp>
+      <p:sp>
+        <p:nvSpPr>
+          <p:cNvPr id="3" name="Content Placeholder 2"/>
+          <p:cNvSpPr>
+            <a:spLocks noGrp="1"/>
+          </p:cNvSpPr>
+          <p:nvPr>
+            <p:ph idx="1"/>
+          </p:nvPr>
+        </p:nvSpPr>
+        <p:spPr/>
+        <p:txBody>
+          <a:bodyPr/>
+          <a:p>
+            <a:pPr marL="0" indent="0">
+              <a:buNone/>
+            </a:pPr>
+            <a:r>
+              <a:rPr lang="en-US">
+                <a:latin typeface="Helvetica" pitchFamily="34" charset="0"/>
+                <a:cs typeface="Helvetica" pitchFamily="34" charset="0"/>
+              </a:rPr>
+              <a:t>MySQL does not have a direct </a:t>
+            </a:r>
+            <a:r>
+              <a:rPr lang="en-US" b="1">
+                <a:latin typeface="Helvetica Bold" charset="0"/>
+                <a:cs typeface="Helvetica Bold" charset="0"/>
+              </a:rPr>
+              <a:t>FOR loop </a:t>
+            </a:r>
+            <a:r>
+              <a:rPr lang="en-US">
+                <a:latin typeface="Helvetica" pitchFamily="34" charset="0"/>
+                <a:cs typeface="Helvetica" pitchFamily="34" charset="0"/>
+              </a:rPr>
+              <a:t>construct like in some other SQL dialects, you can achieve the same functionality using a cursor and a loop.</a:t>
+            </a:r>
+            <a:endParaRPr lang="en-US">
+              <a:latin typeface="Helvetica" pitchFamily="34" charset="0"/>
+              <a:cs typeface="Helvetica" pitchFamily="34" charset="0"/>
+            </a:endParaRPr>
+          </a:p>
+          <a:p>
+            <a:pPr marL="0" indent="0">
+              <a:buNone/>
+            </a:pPr>
+            <a:r>
+              <a:rPr lang="en-US" b="1">
+                <a:latin typeface="Helvetica Bold" charset="0"/>
+                <a:cs typeface="Helvetica Bold" charset="0"/>
+              </a:rPr>
+              <a:t>1. Declare Variables and Cursor:</a:t>
+            </a:r>
+            <a:r>
+              <a:rPr lang="en-US"/>
+              <a:t> You need to declare the necessary variables and the cursor.</a:t>
+            </a:r>
+            <a:endParaRPr lang="en-US"/>
+          </a:p>
+          <a:p>
+            <a:pPr marL="0" indent="0">
+              <a:buNone/>
+            </a:pPr>
+            <a:r>
+              <a:rPr lang="en-US" b="1">
+                <a:latin typeface="Helvetica Bold" charset="0"/>
+                <a:cs typeface="Helvetica Bold" charset="0"/>
+              </a:rPr>
+              <a:t>2. Open Cursor and Loop Through Results: </a:t>
+            </a:r>
+            <a:r>
+              <a:rPr lang="en-US"/>
+              <a:t>Use the cursor to fetch each row and process it within a loop.</a:t>
+            </a:r>
+            <a:endParaRPr lang="en-US"/>
+          </a:p>
+          <a:p>
+            <a:pPr marL="0" indent="0">
+              <a:buNone/>
+            </a:pPr>
+            <a:r>
+              <a:rPr lang="en-US" b="1">
+                <a:latin typeface="Helvetica Bold" charset="0"/>
+                <a:cs typeface="Helvetica Bold" charset="0"/>
+              </a:rPr>
+              <a:t>3. Close Cursor: </a:t>
+            </a:r>
+            <a:r>
+              <a:rPr lang="en-US"/>
+              <a:t>Ensure you close the cursor after processing all rows.</a:t>
+            </a:r>
+            <a:endParaRPr lang="en-US"/>
+          </a:p>
+        </p:txBody>
+      </p:sp>
+    </p:spTree>
+  </p:cSld>
+  <p:clrMapOvr>
+    <a:masterClrMapping/>
+  </p:clrMapOvr>
+</p:sld>
+</file>
+
+<file path=ppt/slides/slide45.xml><?xml version="1.0" encoding="utf-8"?>
+<p:sld xmlns:a="http://schemas.openxmlformats.org/drawingml/2006/main" xmlns:r="http://schemas.openxmlformats.org/officeDocument/2006/relationships" xmlns:p="http://schemas.openxmlformats.org/presentationml/2006/main">
+  <p:cSld>
+    <p:spTree>
+      <p:nvGrpSpPr>
+        <p:cNvPr id="1" name=""/>
+        <p:cNvGrpSpPr/>
+        <p:nvPr/>
+      </p:nvGrpSpPr>
+      <p:grpSpPr/>
+      <p:sp>
+        <p:nvSpPr>
+          <p:cNvPr id="2" name="Title 1"/>
+          <p:cNvSpPr>
+            <a:spLocks noGrp="1"/>
+          </p:cNvSpPr>
+          <p:nvPr>
+            <p:ph type="title"/>
+          </p:nvPr>
+        </p:nvSpPr>
+        <p:spPr/>
+        <p:txBody>
+          <a:bodyPr/>
+          <a:p>
+            <a:endParaRPr lang="en-US"/>
+          </a:p>
+        </p:txBody>
+      </p:sp>
+      <p:sp>
+        <p:nvSpPr>
+          <p:cNvPr id="3" name="Content Placeholder 2"/>
+          <p:cNvSpPr>
+            <a:spLocks noGrp="1"/>
+          </p:cNvSpPr>
+          <p:nvPr>
+            <p:ph idx="1"/>
+          </p:nvPr>
+        </p:nvSpPr>
+        <p:spPr>
+          <a:xfrm>
+            <a:off x="768350" y="1094105"/>
+            <a:ext cx="7707630" cy="5371465"/>
+          </a:xfrm>
+        </p:spPr>
+        <p:txBody>
+          <a:bodyPr/>
+          <a:p>
+            <a:pPr marL="0" indent="0">
+              <a:buNone/>
+            </a:pPr>
+            <a:r>
+              <a:rPr lang="en-US" sz="1200" b="1">
+                <a:latin typeface="Helvetica Bold" charset="0"/>
+                <a:cs typeface="Helvetica Bold" charset="0"/>
+              </a:rPr>
+              <a:t>DELIMITER //</a:t>
+            </a:r>
+            <a:endParaRPr lang="en-US" sz="1200" b="1">
+              <a:latin typeface="Helvetica Bold" charset="0"/>
+              <a:cs typeface="Helvetica Bold" charset="0"/>
+            </a:endParaRPr>
+          </a:p>
+          <a:p>
+            <a:pPr marL="0" indent="0">
+              <a:buNone/>
+            </a:pPr>
+            <a:r>
+              <a:rPr lang="en-US" sz="1200" b="1">
+                <a:latin typeface="Helvetica Bold" charset="0"/>
+                <a:cs typeface="Helvetica Bold" charset="0"/>
+              </a:rPr>
+              <a:t>CREATE PROCEDURE</a:t>
+            </a:r>
+            <a:r>
+              <a:rPr lang="en-US" sz="1200"/>
+              <a:t> find_department_budget(</a:t>
+            </a:r>
+            <a:r>
+              <a:rPr lang="en-US" sz="1200" b="1">
+                <a:latin typeface="Helvetica Bold" charset="0"/>
+                <a:cs typeface="Helvetica Bold" charset="0"/>
+              </a:rPr>
+              <a:t>IN </a:t>
+            </a:r>
+            <a:r>
+              <a:rPr lang="en-US" sz="1200"/>
+              <a:t>dept_name VARCHAR(50),</a:t>
+            </a:r>
+            <a:r>
+              <a:rPr lang="en-US" sz="1200" b="1">
+                <a:latin typeface="Helvetica Bold" charset="0"/>
+                <a:cs typeface="Helvetica Bold" charset="0"/>
+              </a:rPr>
+              <a:t> OUT </a:t>
+            </a:r>
+            <a:r>
+              <a:rPr lang="en-US" sz="1200"/>
+              <a:t>total_budget INT)</a:t>
+            </a:r>
+            <a:endParaRPr lang="en-US" sz="1200"/>
+          </a:p>
+          <a:p>
+            <a:pPr marL="0" indent="0">
+              <a:buNone/>
+            </a:pPr>
+            <a:r>
+              <a:rPr lang="en-US" sz="1200" b="1">
+                <a:latin typeface="Helvetica Bold" charset="0"/>
+                <a:cs typeface="Helvetica Bold" charset="0"/>
+              </a:rPr>
+              <a:t>BEGIN</a:t>
+            </a:r>
+            <a:endParaRPr lang="en-US" sz="1200" b="1">
+              <a:latin typeface="Helvetica Bold" charset="0"/>
+              <a:cs typeface="Helvetica Bold" charset="0"/>
+            </a:endParaRPr>
+          </a:p>
+          <a:p>
+            <a:pPr marL="0" indent="0">
+              <a:buNone/>
+            </a:pPr>
+            <a:r>
+              <a:rPr lang="en-US" sz="1200"/>
+              <a:t>  </a:t>
+            </a:r>
+            <a:r>
+              <a:rPr lang="en-US" sz="1200" b="1">
+                <a:latin typeface="Helvetica Bold" charset="0"/>
+                <a:cs typeface="Helvetica Bold" charset="0"/>
+              </a:rPr>
+              <a:t>  DECLARE </a:t>
+            </a:r>
+            <a:r>
+              <a:rPr lang="en-US" sz="1200"/>
+              <a:t>done INT DEFAULT FALSE;</a:t>
+            </a:r>
+            <a:endParaRPr lang="en-US" sz="1200"/>
+          </a:p>
+          <a:p>
+            <a:pPr marL="0" indent="0">
+              <a:buNone/>
+            </a:pPr>
+            <a:r>
+              <a:rPr lang="en-US" sz="1200"/>
+              <a:t>    DECLARE budget_value INT DEFAULT 0;</a:t>
+            </a:r>
+            <a:endParaRPr lang="en-US" sz="1200"/>
+          </a:p>
+          <a:p>
+            <a:pPr marL="0" indent="0">
+              <a:buNone/>
+            </a:pPr>
+            <a:r>
+              <a:rPr lang="en-US" sz="1200"/>
+              <a:t>    DECLARE total INT DEFAULT 0;</a:t>
+            </a:r>
+            <a:endParaRPr lang="en-US" sz="1200"/>
+          </a:p>
+          <a:p>
+            <a:pPr marL="0" indent="0">
+              <a:buNone/>
+            </a:pPr>
+            <a:r>
+              <a:rPr lang="en-US" sz="1200"/>
+              <a:t>    </a:t>
+            </a:r>
+            <a:r>
+              <a:rPr lang="en-US" sz="1200">
+                <a:solidFill>
+                  <a:schemeClr val="tx2">
+                    <a:lumMod val="60000"/>
+                    <a:lumOff val="40000"/>
+                  </a:schemeClr>
+                </a:solidFill>
+              </a:rPr>
+              <a:t>DECLARE cur CURSOR FOR SELECT budget FROM department WHERE dept_name = dept_name;</a:t>
+            </a:r>
+            <a:endParaRPr lang="en-US" sz="1200">
+              <a:solidFill>
+                <a:schemeClr val="tx2">
+                  <a:lumMod val="60000"/>
+                  <a:lumOff val="40000"/>
+                </a:schemeClr>
+              </a:solidFill>
+            </a:endParaRPr>
+          </a:p>
+          <a:p>
+            <a:pPr marL="0" indent="0">
+              <a:buNone/>
+            </a:pPr>
+            <a:r>
+              <a:rPr lang="en-US" sz="1200"/>
+              <a:t>    DECLARE CONTINUE HANDLER FOR NOT FOUND SET done = TRUE;</a:t>
+            </a:r>
+            <a:endParaRPr lang="en-US" sz="1200"/>
+          </a:p>
+          <a:p>
+            <a:pPr marL="0" indent="0">
+              <a:buNone/>
+            </a:pPr>
+            <a:r>
+              <a:rPr lang="en-US" sz="1200"/>
+              <a:t>    OPEN cur;</a:t>
+            </a:r>
+            <a:endParaRPr lang="en-US" sz="1200"/>
+          </a:p>
+          <a:p>
+            <a:pPr marL="0" indent="0">
+              <a:buNone/>
+            </a:pPr>
+            <a:r>
+              <a:rPr lang="en-US" sz="1200"/>
+              <a:t>    read_loop: LOOP</a:t>
+            </a:r>
+            <a:endParaRPr lang="en-US" sz="1200"/>
+          </a:p>
+          <a:p>
+            <a:pPr marL="0" indent="0">
+              <a:buNone/>
+            </a:pPr>
+            <a:r>
+              <a:rPr lang="en-US" sz="1200"/>
+              <a:t>        FETCH cur INTO budget_value;</a:t>
+            </a:r>
+            <a:endParaRPr lang="en-US" sz="1200"/>
+          </a:p>
+          <a:p>
+            <a:pPr marL="0" indent="0">
+              <a:buNone/>
+            </a:pPr>
+            <a:r>
+              <a:rPr lang="en-US" sz="1200"/>
+              <a:t>        IF done THEN</a:t>
+            </a:r>
+            <a:endParaRPr lang="en-US" sz="1200"/>
+          </a:p>
+          <a:p>
+            <a:pPr marL="0" indent="0">
+              <a:buNone/>
+            </a:pPr>
+            <a:r>
+              <a:rPr lang="en-US" sz="1200"/>
+              <a:t>            LEAVE read_loop;</a:t>
+            </a:r>
+            <a:endParaRPr lang="en-US" sz="1200"/>
+          </a:p>
+          <a:p>
+            <a:pPr marL="0" indent="0">
+              <a:buNone/>
+            </a:pPr>
+            <a:r>
+              <a:rPr lang="en-US" sz="1200"/>
+              <a:t>        END IF;</a:t>
+            </a:r>
+            <a:endParaRPr lang="en-US" sz="1200"/>
+          </a:p>
+          <a:p>
+            <a:pPr marL="0" indent="0">
+              <a:buNone/>
+            </a:pPr>
+            <a:r>
+              <a:rPr lang="en-US" sz="1200"/>
+              <a:t>        SET total = total + budget_value;</a:t>
+            </a:r>
+            <a:endParaRPr lang="en-US" sz="1200"/>
+          </a:p>
+          <a:p>
+            <a:pPr marL="0" indent="0">
+              <a:buNone/>
+            </a:pPr>
+            <a:r>
+              <a:rPr lang="en-US" sz="1200"/>
+              <a:t>    END LOOP;</a:t>
+            </a:r>
+            <a:endParaRPr lang="en-US" sz="1200"/>
+          </a:p>
+          <a:p>
+            <a:pPr marL="0" indent="0">
+              <a:buNone/>
+            </a:pPr>
+            <a:endParaRPr lang="en-US" sz="1200"/>
+          </a:p>
+          <a:p>
+            <a:pPr marL="0" indent="0">
+              <a:buNone/>
+            </a:pPr>
+            <a:r>
+              <a:rPr lang="en-US" sz="1200"/>
+              <a:t>    CLOSE cur;</a:t>
+            </a:r>
+            <a:endParaRPr lang="en-US" sz="1200"/>
+          </a:p>
+          <a:p>
+            <a:pPr marL="0" indent="0">
+              <a:buNone/>
+            </a:pPr>
+            <a:r>
+              <a:rPr lang="en-US" sz="1200"/>
+              <a:t>    SET total_budget = total;</a:t>
+            </a:r>
+            <a:endParaRPr lang="en-US" sz="1200"/>
+          </a:p>
+          <a:p>
+            <a:pPr marL="0" indent="0">
+              <a:buNone/>
+            </a:pPr>
+            <a:r>
+              <a:rPr lang="en-US" sz="1200"/>
+              <a:t>END //</a:t>
+            </a:r>
+            <a:endParaRPr lang="en-US" sz="1200"/>
+          </a:p>
+          <a:p>
+            <a:pPr marL="0" indent="0">
+              <a:buNone/>
+            </a:pPr>
+            <a:r>
+              <a:rPr lang="en-US" sz="1200"/>
+              <a:t>DELIMITER ;</a:t>
+            </a:r>
+            <a:endParaRPr lang="en-US" sz="1200"/>
+          </a:p>
+        </p:txBody>
+      </p:sp>
+    </p:spTree>
+  </p:cSld>
+  <p:clrMapOvr>
+    <a:masterClrMapping/>
+  </p:clrMapOvr>
+</p:sld>
+</file>
+
+<file path=ppt/slides/slide46.xml><?xml version="1.0" encoding="utf-8"?>
 <p:sld xmlns:a="http://schemas.openxmlformats.org/drawingml/2006/main" xmlns:r="http://schemas.openxmlformats.org/officeDocument/2006/relationships" xmlns:p="http://schemas.openxmlformats.org/presentationml/2006/main" show="0">
   <p:cSld>
     <p:spTree>
@@ -24377,7 +25534,7 @@
 </p:sld>
 </file>
 
-<file path=ppt/slides/slide45.xml><?xml version="1.0" encoding="utf-8"?>
+<file path=ppt/slides/slide47.xml><?xml version="1.0" encoding="utf-8"?>
 <p:sld xmlns:a="http://schemas.openxmlformats.org/drawingml/2006/main" xmlns:r="http://schemas.openxmlformats.org/officeDocument/2006/relationships" xmlns:p="http://schemas.openxmlformats.org/presentationml/2006/main" show="0">
   <p:cSld>
     <p:spTree>
@@ -24533,7 +25690,7 @@
 </p:sld>
 </file>
 
-<file path=ppt/slides/slide46.xml><?xml version="1.0" encoding="utf-8"?>
+<file path=ppt/slides/slide48.xml><?xml version="1.0" encoding="utf-8"?>
 <p:sld xmlns:a="http://schemas.openxmlformats.org/drawingml/2006/main" xmlns:r="http://schemas.openxmlformats.org/officeDocument/2006/relationships" xmlns:p="http://schemas.openxmlformats.org/presentationml/2006/main">
   <p:cSld>
     <p:spTree>
@@ -24588,146 +25745,275 @@
               <a:buNone/>
             </a:pPr>
             <a:r>
-              <a:rPr lang="en-US"/>
+              <a:rPr lang="en-US" sz="1400"/>
               <a:t>DELIMITER //</a:t>
             </a:r>
-            <a:endParaRPr lang="en-US"/>
+            <a:endParaRPr lang="en-US" sz="1400"/>
           </a:p>
           <a:p>
             <a:pPr marL="0" indent="0">
               <a:buNone/>
             </a:pPr>
-            <a:endParaRPr lang="en-US"/>
+            <a:endParaRPr lang="en-US" sz="1400"/>
           </a:p>
           <a:p>
             <a:pPr marL="0" indent="0">
               <a:buNone/>
             </a:pPr>
             <a:r>
-              <a:rPr lang="en-US"/>
-              <a:t>CREATE PROCEDURE register_student(</a:t>
-            </a:r>
-            <a:endParaRPr lang="en-US"/>
+              <a:rPr lang="en-US" sz="1400" b="1">
+                <a:latin typeface="Helvetica Bold" charset="0"/>
+                <a:cs typeface="Helvetica Bold" charset="0"/>
+              </a:rPr>
+              <a:t>CREATE PROCEDURE</a:t>
+            </a:r>
+            <a:r>
+              <a:rPr lang="en-US" sz="1400"/>
+              <a:t> register_student(</a:t>
+            </a:r>
+            <a:endParaRPr lang="en-US" sz="1400"/>
           </a:p>
           <a:p>
             <a:pPr marL="0" indent="0">
               <a:buNone/>
             </a:pPr>
             <a:r>
-              <a:rPr lang="en-US"/>
-              <a:t>    IN student_id INT,</a:t>
-            </a:r>
-            <a:endParaRPr lang="en-US"/>
+              <a:rPr lang="en-US" sz="1400"/>
+              <a:t>  </a:t>
+            </a:r>
+            <a:r>
+              <a:rPr lang="en-US" sz="1400" b="1">
+                <a:latin typeface="Helvetica Bold" charset="0"/>
+                <a:cs typeface="Helvetica Bold" charset="0"/>
+              </a:rPr>
+              <a:t>  IN</a:t>
+            </a:r>
+            <a:r>
+              <a:rPr lang="en-US" sz="1400"/>
+              <a:t> student_id </a:t>
+            </a:r>
+            <a:r>
+              <a:rPr lang="en-US" sz="1400" b="1">
+                <a:latin typeface="Helvetica Bold" charset="0"/>
+                <a:cs typeface="Helvetica Bold" charset="0"/>
+              </a:rPr>
+              <a:t>INT</a:t>
+            </a:r>
+            <a:r>
+              <a:rPr lang="en-US" sz="1400"/>
+              <a:t>,</a:t>
+            </a:r>
+            <a:endParaRPr lang="en-US" sz="1400"/>
           </a:p>
           <a:p>
             <a:pPr marL="0" indent="0">
               <a:buNone/>
             </a:pPr>
             <a:r>
-              <a:rPr lang="en-US"/>
-              <a:t>    IN classroom_id INT,</a:t>
-            </a:r>
-            <a:endParaRPr lang="en-US"/>
+              <a:rPr lang="en-US" sz="1400"/>
+              <a:t>   </a:t>
+            </a:r>
+            <a:r>
+              <a:rPr lang="en-US" sz="1400" b="1">
+                <a:latin typeface="Helvetica Bold" charset="0"/>
+                <a:cs typeface="Helvetica Bold" charset="0"/>
+              </a:rPr>
+              <a:t> IN</a:t>
+            </a:r>
+            <a:r>
+              <a:rPr lang="en-US" sz="1400"/>
+              <a:t> classroom_id </a:t>
+            </a:r>
+            <a:r>
+              <a:rPr lang="en-US" sz="1400" b="1">
+                <a:latin typeface="Helvetica Bold" charset="0"/>
+                <a:cs typeface="Helvetica Bold" charset="0"/>
+              </a:rPr>
+              <a:t>INT</a:t>
+            </a:r>
+            <a:r>
+              <a:rPr lang="en-US" sz="1400"/>
+              <a:t>,</a:t>
+            </a:r>
+            <a:endParaRPr lang="en-US" sz="1400"/>
           </a:p>
           <a:p>
             <a:pPr marL="0" indent="0">
               <a:buNone/>
             </a:pPr>
             <a:r>
-              <a:rPr lang="en-US"/>
-              <a:t>    OUT result INT</a:t>
-            </a:r>
-            <a:endParaRPr lang="en-US"/>
+              <a:rPr lang="en-US" sz="1400"/>
+              <a:t>    </a:t>
+            </a:r>
+            <a:r>
+              <a:rPr lang="en-US" sz="1400" b="1">
+                <a:latin typeface="Helvetica Bold" charset="0"/>
+                <a:cs typeface="Helvetica Bold" charset="0"/>
+              </a:rPr>
+              <a:t>OUT</a:t>
+            </a:r>
+            <a:r>
+              <a:rPr lang="en-US" sz="1400"/>
+              <a:t> result </a:t>
+            </a:r>
+            <a:r>
+              <a:rPr lang="en-US" sz="1400" b="1">
+                <a:latin typeface="Helvetica Bold" charset="0"/>
+                <a:cs typeface="Helvetica Bold" charset="0"/>
+              </a:rPr>
+              <a:t>INT</a:t>
+            </a:r>
+            <a:endParaRPr lang="en-US" sz="1400"/>
           </a:p>
           <a:p>
             <a:pPr marL="0" indent="0">
               <a:buNone/>
             </a:pPr>
             <a:r>
-              <a:rPr lang="en-US"/>
+              <a:rPr lang="en-US" sz="1400"/>
               <a:t>)</a:t>
             </a:r>
-            <a:endParaRPr lang="en-US"/>
+            <a:endParaRPr lang="en-US" sz="1400"/>
           </a:p>
           <a:p>
             <a:pPr marL="0" indent="0">
               <a:buNone/>
             </a:pPr>
             <a:r>
-              <a:rPr lang="en-US"/>
+              <a:rPr lang="en-US" sz="1400" b="1">
+                <a:latin typeface="Helvetica Bold" charset="0"/>
+                <a:cs typeface="Helvetica Bold" charset="0"/>
+              </a:rPr>
               <a:t>BEGIN</a:t>
             </a:r>
-            <a:endParaRPr lang="en-US"/>
+            <a:endParaRPr lang="en-US" sz="1400" b="1">
+              <a:latin typeface="Helvetica Bold" charset="0"/>
+              <a:cs typeface="Helvetica Bold" charset="0"/>
+            </a:endParaRPr>
           </a:p>
           <a:p>
             <a:pPr marL="0" indent="0">
               <a:buNone/>
             </a:pPr>
             <a:r>
-              <a:rPr lang="en-US"/>
-              <a:t>    DECLARE classroom_capacity INT;</a:t>
-            </a:r>
-            <a:endParaRPr lang="en-US"/>
+              <a:rPr lang="en-US" sz="1400" b="1">
+                <a:latin typeface="Helvetica Bold" charset="0"/>
+                <a:cs typeface="Helvetica Bold" charset="0"/>
+              </a:rPr>
+              <a:t>    DECLARE</a:t>
+            </a:r>
+            <a:r>
+              <a:rPr lang="en-US" sz="1400"/>
+              <a:t> classroom_capacity INT;</a:t>
+            </a:r>
+            <a:endParaRPr lang="en-US" sz="1400"/>
           </a:p>
           <a:p>
             <a:pPr marL="0" indent="0">
               <a:buNone/>
             </a:pPr>
             <a:r>
-              <a:rPr lang="en-US"/>
-              <a:t>    DECLARE student_count INT;</a:t>
-            </a:r>
-            <a:endParaRPr lang="en-US"/>
+              <a:rPr lang="en-US" sz="1400"/>
+              <a:t>    </a:t>
+            </a:r>
+            <a:r>
+              <a:rPr lang="en-US" sz="1400" b="1">
+                <a:latin typeface="Helvetica Bold" charset="0"/>
+                <a:cs typeface="Helvetica Bold" charset="0"/>
+              </a:rPr>
+              <a:t>DECLARE</a:t>
+            </a:r>
+            <a:r>
+              <a:rPr lang="en-US" sz="1400"/>
+              <a:t> student_count INT;</a:t>
+            </a:r>
+            <a:endParaRPr lang="en-US" sz="1400"/>
           </a:p>
           <a:p>
             <a:pPr marL="0" indent="0">
               <a:buNone/>
             </a:pPr>
             <a:r>
-              <a:rPr lang="en-US"/>
-              <a:t>    DECLARE out_of_classroom_seats CONDITION FOR SQLSTATE '45000';</a:t>
-            </a:r>
-            <a:endParaRPr lang="en-US"/>
+              <a:rPr lang="en-US" sz="1400"/>
+              <a:t>    </a:t>
+            </a:r>
+            <a:r>
+              <a:rPr lang="en-US" sz="1400" b="1">
+                <a:latin typeface="Helvetica Bold" charset="0"/>
+                <a:cs typeface="Helvetica Bold" charset="0"/>
+              </a:rPr>
+              <a:t>DECLARE</a:t>
+            </a:r>
+            <a:r>
+              <a:rPr lang="en-US" sz="1400"/>
+              <a:t> out_of_classroom_seats CONDITION FOR SQLSTATE '45000';</a:t>
+            </a:r>
+            <a:endParaRPr lang="en-US" sz="1400"/>
           </a:p>
           <a:p>
             <a:pPr marL="0" indent="0">
               <a:buNone/>
             </a:pPr>
             <a:r>
-              <a:rPr lang="en-US"/>
+              <a:rPr lang="en-US" sz="1400"/>
               <a:t>    DECLARE EXIT HANDLER FOR out_of_classroom_seats</a:t>
             </a:r>
-            <a:endParaRPr lang="en-US"/>
+            <a:endParaRPr lang="en-US" sz="1400"/>
           </a:p>
           <a:p>
             <a:pPr marL="0" indent="0">
               <a:buNone/>
             </a:pPr>
             <a:r>
-              <a:rPr lang="en-US"/>
-              <a:t>    BEGIN</a:t>
-            </a:r>
-            <a:endParaRPr lang="en-US"/>
+              <a:rPr lang="en-US" sz="1400"/>
+              <a:t> </a:t>
+            </a:r>
+            <a:r>
+              <a:rPr lang="en-US" sz="1400" b="1">
+                <a:latin typeface="Helvetica Bold" charset="0"/>
+                <a:cs typeface="Helvetica Bold" charset="0"/>
+              </a:rPr>
+              <a:t>   BEGIN</a:t>
+            </a:r>
+            <a:endParaRPr lang="en-US" sz="1400"/>
           </a:p>
           <a:p>
             <a:pPr marL="0" indent="0">
               <a:buNone/>
             </a:pPr>
             <a:r>
-              <a:rPr lang="en-US"/>
-              <a:t>        SET result = -1;</a:t>
-            </a:r>
-            <a:endParaRPr lang="en-US"/>
+              <a:rPr lang="en-US" sz="1400"/>
+              <a:t>       </a:t>
+            </a:r>
+            <a:r>
+              <a:rPr lang="en-US" sz="1400" b="1">
+                <a:latin typeface="Helvetica Bold" charset="0"/>
+                <a:cs typeface="Helvetica Bold" charset="0"/>
+              </a:rPr>
+              <a:t> SET</a:t>
+            </a:r>
+            <a:r>
+              <a:rPr lang="en-US" sz="1400"/>
+              <a:t> result = -1;</a:t>
+            </a:r>
+            <a:endParaRPr lang="en-US" sz="1400"/>
           </a:p>
           <a:p>
             <a:pPr marL="0" indent="0">
               <a:buNone/>
             </a:pPr>
             <a:r>
-              <a:rPr lang="en-US"/>
-              <a:t>    END;</a:t>
-            </a:r>
-            <a:endParaRPr lang="en-US"/>
+              <a:rPr lang="en-US" sz="1400" b="1">
+                <a:latin typeface="Helvetica Bold" charset="0"/>
+                <a:cs typeface="Helvetica Bold" charset="0"/>
+              </a:rPr>
+              <a:t>    </a:t>
+            </a:r>
+            <a:r>
+              <a:rPr lang="en-US" sz="1400"/>
+              <a:t>END;</a:t>
+            </a:r>
+            <a:endParaRPr lang="en-US" sz="1400"/>
           </a:p>
         </p:txBody>
       </p:sp>
@@ -24739,8 +26025,8 @@
         </p:nvSpPr>
         <p:spPr>
           <a:xfrm>
-            <a:off x="4348480" y="1094105"/>
-            <a:ext cx="4795520" cy="5615940"/>
+            <a:off x="4556760" y="1094105"/>
+            <a:ext cx="4587240" cy="5262245"/>
           </a:xfrm>
           <a:prstGeom prst="rect">
             <a:avLst/>
@@ -24756,14 +26042,14 @@
               <a:buNone/>
             </a:pPr>
             <a:r>
-              <a:rPr kumimoji="1" lang="en-US" sz="1700" kern="0">
+              <a:rPr kumimoji="1" lang="en-US" kern="0">
                 <a:latin typeface="+mn-lt"/>
                 <a:cs typeface="MS PGothic" panose="020B0600070205080204" pitchFamily="34" charset="-128"/>
                 <a:sym typeface="+mn-ea"/>
               </a:rPr>
               <a:t>-- Check classroom capacity</a:t>
             </a:r>
-            <a:endParaRPr kumimoji="1" lang="en-US" sz="1700" kern="0">
+            <a:endParaRPr kumimoji="1" lang="en-US" kern="0">
               <a:latin typeface="+mn-lt"/>
               <a:cs typeface="MS PGothic" panose="020B0600070205080204" pitchFamily="34" charset="-128"/>
               <a:sym typeface="+mn-ea"/>
@@ -24774,14 +26060,14 @@
               <a:buNone/>
             </a:pPr>
             <a:r>
-              <a:rPr kumimoji="1" lang="en-US" sz="1700" kern="0">
+              <a:rPr kumimoji="1" lang="en-US" kern="0">
                 <a:latin typeface="+mn-lt"/>
                 <a:cs typeface="MS PGothic" panose="020B0600070205080204" pitchFamily="34" charset="-128"/>
                 <a:sym typeface="+mn-ea"/>
               </a:rPr>
               <a:t>SELECT capacity INTO classroom_capacity FROM classrooms WHERE id = classroom_id;</a:t>
             </a:r>
-            <a:endParaRPr kumimoji="1" lang="en-US" sz="1700" kern="0">
+            <a:endParaRPr kumimoji="1" lang="en-US" kern="0">
               <a:latin typeface="+mn-lt"/>
               <a:cs typeface="MS PGothic" panose="020B0600070205080204" pitchFamily="34" charset="-128"/>
             </a:endParaRPr>
@@ -24790,7 +26076,7 @@
             <a:pPr marL="0" indent="0">
               <a:buNone/>
             </a:pPr>
-            <a:endParaRPr kumimoji="1" lang="en-US" sz="1700" kern="0">
+            <a:endParaRPr kumimoji="1" lang="en-US" kern="0">
               <a:latin typeface="+mn-lt"/>
               <a:cs typeface="MS PGothic" panose="020B0600070205080204" pitchFamily="34" charset="-128"/>
               <a:sym typeface="+mn-ea"/>
@@ -24801,14 +26087,14 @@
               <a:buNone/>
             </a:pPr>
             <a:r>
-              <a:rPr kumimoji="1" lang="en-US" sz="1700" kern="0">
+              <a:rPr kumimoji="1" lang="en-US" kern="0">
                 <a:latin typeface="+mn-lt"/>
                 <a:cs typeface="MS PGothic" panose="020B0600070205080204" pitchFamily="34" charset="-128"/>
                 <a:sym typeface="+mn-ea"/>
               </a:rPr>
               <a:t>SELECT COUNT(*) INTO student_count FROM registrations WHERE classroom_id = classroom_id;</a:t>
             </a:r>
-            <a:endParaRPr kumimoji="1" lang="en-US" sz="1700" kern="0">
+            <a:endParaRPr kumimoji="1" lang="en-US" kern="0">
               <a:latin typeface="+mn-lt"/>
               <a:cs typeface="MS PGothic" panose="020B0600070205080204" pitchFamily="34" charset="-128"/>
             </a:endParaRPr>
@@ -24817,7 +26103,7 @@
             <a:pPr marL="0" indent="0">
               <a:buNone/>
             </a:pPr>
-            <a:endParaRPr kumimoji="1" lang="en-US" sz="1700" kern="0">
+            <a:endParaRPr kumimoji="1" lang="en-US" kern="0">
               <a:latin typeface="+mn-lt"/>
               <a:cs typeface="MS PGothic" panose="020B0600070205080204" pitchFamily="34" charset="-128"/>
               <a:sym typeface="+mn-ea"/>
@@ -24828,14 +26114,14 @@
               <a:buNone/>
             </a:pPr>
             <a:r>
-              <a:rPr kumimoji="1" lang="en-US" sz="1700" kern="0">
+              <a:rPr kumimoji="1" lang="en-US" kern="0">
                 <a:latin typeface="+mn-lt"/>
                 <a:cs typeface="MS PGothic" panose="020B0600070205080204" pitchFamily="34" charset="-128"/>
                 <a:sym typeface="+mn-ea"/>
               </a:rPr>
               <a:t>-- Check if capacity is exceeded</a:t>
             </a:r>
-            <a:endParaRPr kumimoji="1" lang="en-US" sz="1700" kern="0">
+            <a:endParaRPr kumimoji="1" lang="en-US" kern="0">
               <a:latin typeface="+mn-lt"/>
               <a:cs typeface="MS PGothic" panose="020B0600070205080204" pitchFamily="34" charset="-128"/>
             </a:endParaRPr>
@@ -24845,14 +26131,14 @@
               <a:buNone/>
             </a:pPr>
             <a:r>
-              <a:rPr kumimoji="1" lang="en-US" sz="1700" kern="0">
+              <a:rPr kumimoji="1" lang="en-US" kern="0">
                 <a:latin typeface="+mn-lt"/>
                 <a:cs typeface="MS PGothic" panose="020B0600070205080204" pitchFamily="34" charset="-128"/>
                 <a:sym typeface="+mn-ea"/>
               </a:rPr>
               <a:t>IF student_count &gt;= classroom_capacity THEN</a:t>
             </a:r>
-            <a:endParaRPr kumimoji="1" lang="en-US" sz="1700" kern="0">
+            <a:endParaRPr kumimoji="1" lang="en-US" kern="0">
               <a:latin typeface="+mn-lt"/>
               <a:cs typeface="MS PGothic" panose="020B0600070205080204" pitchFamily="34" charset="-128"/>
             </a:endParaRPr>
@@ -24862,14 +26148,30 @@
               <a:buNone/>
             </a:pPr>
             <a:r>
-              <a:rPr kumimoji="1" lang="en-US" sz="1700" kern="0">
+              <a:rPr kumimoji="1" lang="en-US" kern="0">
                 <a:latin typeface="+mn-lt"/>
                 <a:cs typeface="MS PGothic" panose="020B0600070205080204" pitchFamily="34" charset="-128"/>
                 <a:sym typeface="+mn-ea"/>
               </a:rPr>
-              <a:t>        SIGNAL out_of_classroom_seats;</a:t>
-            </a:r>
-            <a:endParaRPr kumimoji="1" lang="en-US" sz="1700" kern="0">
+              <a:t>        </a:t>
+            </a:r>
+            <a:r>
+              <a:rPr kumimoji="1" lang="en-US" b="1" kern="0">
+                <a:latin typeface="Helvetica Bold" charset="0"/>
+                <a:cs typeface="Helvetica Bold" charset="0"/>
+                <a:sym typeface="+mn-ea"/>
+              </a:rPr>
+              <a:t>SIGNAL </a:t>
+            </a:r>
+            <a:r>
+              <a:rPr kumimoji="1" lang="en-US" kern="0">
+                <a:latin typeface="+mn-lt"/>
+                <a:cs typeface="MS PGothic" panose="020B0600070205080204" pitchFamily="34" charset="-128"/>
+                <a:sym typeface="+mn-ea"/>
+              </a:rPr>
+              <a:t>out_of_classroom_seats;</a:t>
+            </a:r>
+            <a:endParaRPr kumimoji="1" lang="en-US" kern="0">
               <a:latin typeface="+mn-lt"/>
               <a:cs typeface="MS PGothic" panose="020B0600070205080204" pitchFamily="34" charset="-128"/>
               <a:sym typeface="+mn-ea"/>
@@ -24880,14 +26182,14 @@
               <a:buNone/>
             </a:pPr>
             <a:r>
-              <a:rPr kumimoji="1" lang="en-US" sz="1700" kern="0">
+              <a:rPr kumimoji="1" lang="en-US" kern="0">
                 <a:latin typeface="+mn-lt"/>
                 <a:cs typeface="MS PGothic" panose="020B0600070205080204" pitchFamily="34" charset="-128"/>
                 <a:sym typeface="+mn-ea"/>
               </a:rPr>
               <a:t>ELSE</a:t>
             </a:r>
-            <a:endParaRPr kumimoji="1" lang="en-US" sz="1700" kern="0">
+            <a:endParaRPr kumimoji="1" lang="en-US" kern="0">
               <a:latin typeface="+mn-lt"/>
               <a:cs typeface="MS PGothic" panose="020B0600070205080204" pitchFamily="34" charset="-128"/>
             </a:endParaRPr>
@@ -24897,14 +26199,14 @@
               <a:buNone/>
             </a:pPr>
             <a:r>
-              <a:rPr kumimoji="1" lang="en-US" sz="1700" kern="0">
+              <a:rPr kumimoji="1" lang="en-US" kern="0">
                 <a:latin typeface="+mn-lt"/>
                 <a:cs typeface="MS PGothic" panose="020B0600070205080204" pitchFamily="34" charset="-128"/>
                 <a:sym typeface="+mn-ea"/>
               </a:rPr>
               <a:t>       -- Register the student</a:t>
             </a:r>
-            <a:endParaRPr kumimoji="1" lang="en-US" sz="1700" kern="0">
+            <a:endParaRPr kumimoji="1" lang="en-US" kern="0">
               <a:latin typeface="+mn-lt"/>
               <a:cs typeface="MS PGothic" panose="020B0600070205080204" pitchFamily="34" charset="-128"/>
             </a:endParaRPr>
@@ -24914,14 +26216,14 @@
               <a:buNone/>
             </a:pPr>
             <a:r>
-              <a:rPr kumimoji="1" lang="en-US" sz="1700" kern="0">
+              <a:rPr kumimoji="1" lang="en-US" kern="0">
                 <a:latin typeface="+mn-lt"/>
                 <a:cs typeface="MS PGothic" panose="020B0600070205080204" pitchFamily="34" charset="-128"/>
                 <a:sym typeface="+mn-ea"/>
               </a:rPr>
               <a:t>        INSERT INTO registrations (student_id, classroom_id) VALUES (student_id, classroom_id);</a:t>
             </a:r>
-            <a:endParaRPr kumimoji="1" lang="en-US" sz="1700" kern="0">
+            <a:endParaRPr kumimoji="1" lang="en-US" kern="0">
               <a:latin typeface="+mn-lt"/>
               <a:cs typeface="MS PGothic" panose="020B0600070205080204" pitchFamily="34" charset="-128"/>
             </a:endParaRPr>
@@ -24931,14 +26233,14 @@
               <a:buNone/>
             </a:pPr>
             <a:r>
-              <a:rPr kumimoji="1" lang="en-US" sz="1700" kern="0">
+              <a:rPr kumimoji="1" lang="en-US" kern="0">
                 <a:latin typeface="+mn-lt"/>
                 <a:cs typeface="MS PGothic" panose="020B0600070205080204" pitchFamily="34" charset="-128"/>
                 <a:sym typeface="+mn-ea"/>
               </a:rPr>
               <a:t>        SET result = 0;</a:t>
             </a:r>
-            <a:endParaRPr kumimoji="1" lang="en-US" sz="1700" kern="0">
+            <a:endParaRPr kumimoji="1" lang="en-US" kern="0">
               <a:latin typeface="+mn-lt"/>
               <a:cs typeface="MS PGothic" panose="020B0600070205080204" pitchFamily="34" charset="-128"/>
             </a:endParaRPr>
@@ -24948,14 +26250,14 @@
               <a:buNone/>
             </a:pPr>
             <a:r>
-              <a:rPr kumimoji="1" lang="en-US" sz="1700" kern="0">
+              <a:rPr kumimoji="1" lang="en-US" kern="0">
                 <a:latin typeface="+mn-lt"/>
                 <a:cs typeface="MS PGothic" panose="020B0600070205080204" pitchFamily="34" charset="-128"/>
                 <a:sym typeface="+mn-ea"/>
               </a:rPr>
               <a:t>END IF;</a:t>
             </a:r>
-            <a:endParaRPr kumimoji="1" lang="en-US" sz="1700" kern="0">
+            <a:endParaRPr kumimoji="1" lang="en-US" kern="0">
               <a:latin typeface="+mn-lt"/>
               <a:cs typeface="MS PGothic" panose="020B0600070205080204" pitchFamily="34" charset="-128"/>
             </a:endParaRPr>
@@ -24965,14 +26267,14 @@
               <a:buNone/>
             </a:pPr>
             <a:r>
-              <a:rPr kumimoji="1" lang="en-US" sz="1700" kern="0">
+              <a:rPr kumimoji="1" lang="en-US" kern="0">
                 <a:latin typeface="+mn-lt"/>
                 <a:cs typeface="MS PGothic" panose="020B0600070205080204" pitchFamily="34" charset="-128"/>
                 <a:sym typeface="+mn-ea"/>
               </a:rPr>
               <a:t>END //</a:t>
             </a:r>
-            <a:endParaRPr kumimoji="1" lang="en-US" sz="1700" kern="0">
+            <a:endParaRPr kumimoji="1" lang="en-US" kern="0">
               <a:latin typeface="+mn-lt"/>
               <a:cs typeface="MS PGothic" panose="020B0600070205080204" pitchFamily="34" charset="-128"/>
             </a:endParaRPr>
@@ -24981,19 +26283,19 @@
             <a:pPr marL="0" indent="0">
               <a:buNone/>
             </a:pPr>
-            <a:endParaRPr lang="en-US" sz="1800"/>
+            <a:endParaRPr lang="en-US"/>
           </a:p>
           <a:p>
             <a:pPr marL="0" indent="0">
               <a:buNone/>
             </a:pPr>
             <a:r>
-              <a:rPr lang="en-US" sz="1800">
+              <a:rPr lang="en-US">
                 <a:sym typeface="+mn-ea"/>
               </a:rPr>
               <a:t>DELIMITER ;</a:t>
             </a:r>
-            <a:endParaRPr lang="en-US" sz="1800">
+            <a:endParaRPr lang="en-US">
               <a:sym typeface="+mn-ea"/>
             </a:endParaRPr>
           </a:p>
@@ -25007,7 +26309,7 @@
 </p:sld>
 </file>
 
-<file path=ppt/slides/slide47.xml><?xml version="1.0" encoding="utf-8"?>
+<file path=ppt/slides/slide49.xml><?xml version="1.0" encoding="utf-8"?>
 <p:sld xmlns:a="http://schemas.openxmlformats.org/drawingml/2006/main" xmlns:r="http://schemas.openxmlformats.org/officeDocument/2006/relationships" xmlns:p="http://schemas.openxmlformats.org/presentationml/2006/main">
   <p:cSld>
     <p:spTree>
@@ -25079,401 +26381,6 @@
               <a:t> Useful for computations and transformations that return a single value.</a:t>
             </a:r>
             <a:endParaRPr lang="en-US"/>
-          </a:p>
-        </p:txBody>
-      </p:sp>
-    </p:spTree>
-  </p:cSld>
-  <p:clrMapOvr>
-    <a:masterClrMapping/>
-  </p:clrMapOvr>
-</p:sld>
-</file>
-
-<file path=ppt/slides/slide48.xml><?xml version="1.0" encoding="utf-8"?>
-<p:sld xmlns:a="http://schemas.openxmlformats.org/drawingml/2006/main" xmlns:r="http://schemas.openxmlformats.org/officeDocument/2006/relationships" xmlns:p="http://schemas.openxmlformats.org/presentationml/2006/main">
-  <p:cSld>
-    <p:spTree>
-      <p:nvGrpSpPr>
-        <p:cNvPr id="1" name=""/>
-        <p:cNvGrpSpPr/>
-        <p:nvPr/>
-      </p:nvGrpSpPr>
-      <p:grpSpPr>
-        <a:xfrm>
-          <a:off x="0" y="0"/>
-          <a:ext cx="0" cy="0"/>
-          <a:chOff x="0" y="0"/>
-          <a:chExt cx="0" cy="0"/>
-        </a:xfrm>
-      </p:grpSpPr>
-      <p:sp>
-        <p:nvSpPr>
-          <p:cNvPr id="5123" name="Rectangle 3"/>
-          <p:cNvSpPr>
-            <a:spLocks noGrp="1" noChangeArrowheads="1"/>
-          </p:cNvSpPr>
-          <p:nvPr>
-            <p:ph type="body" idx="1"/>
-          </p:nvPr>
-        </p:nvSpPr>
-        <p:spPr>
-          <a:xfrm>
-            <a:off x="3338004" y="2607785"/>
-            <a:ext cx="4398700" cy="1858963"/>
-          </a:xfrm>
-        </p:spPr>
-        <p:txBody>
-          <a:bodyPr/>
-          <a:lstStyle/>
-          <a:p>
-            <a:pPr>
-              <a:buFont typeface="Monotype Sorts" pitchFamily="-65" charset="2"/>
-              <a:buNone/>
-              <a:defRPr/>
-            </a:pPr>
-            <a:r>
-              <a:rPr lang="en-US" altLang="en-US" sz="3200" b="1" dirty="0">
-                <a:solidFill>
-                  <a:srgbClr val="002060"/>
-                </a:solidFill>
-                <a:effectLst>
-                  <a:outerShdw blurRad="38100" dist="38100" dir="2700000" algn="tl">
-                    <a:srgbClr val="C0C0C0"/>
-                  </a:outerShdw>
-                </a:effectLst>
-                <a:latin typeface="+mj-lt"/>
-                <a:cs typeface="+mj-cs"/>
-              </a:rPr>
-              <a:t>Triggers</a:t>
-            </a:r>
-            <a:endParaRPr lang="en-US" altLang="en-US" sz="3200" b="1" dirty="0">
-              <a:solidFill>
-                <a:srgbClr val="002060"/>
-              </a:solidFill>
-              <a:effectLst>
-                <a:outerShdw blurRad="38100" dist="38100" dir="2700000" algn="tl">
-                  <a:srgbClr val="C0C0C0"/>
-                </a:outerShdw>
-              </a:effectLst>
-              <a:latin typeface="+mj-lt"/>
-              <a:cs typeface="+mj-cs"/>
-            </a:endParaRPr>
-          </a:p>
-        </p:txBody>
-      </p:sp>
-      <p:sp>
-        <p:nvSpPr>
-          <p:cNvPr id="47107" name="Rectangle 4"/>
-          <p:cNvSpPr>
-            <a:spLocks noChangeArrowheads="1"/>
-          </p:cNvSpPr>
-          <p:nvPr/>
-        </p:nvSpPr>
-        <p:spPr bwMode="auto">
-          <a:xfrm>
-            <a:off x="1435100" y="-763588"/>
-            <a:ext cx="184150" cy="336550"/>
-          </a:xfrm>
-          <a:prstGeom prst="rect">
-            <a:avLst/>
-          </a:prstGeom>
-          <a:noFill/>
-          <a:ln>
-            <a:noFill/>
-          </a:ln>
-          <a:extLst>
-            <a:ext uri="{909E8E84-426E-40DD-AFC4-6F175D3DCCD1}">
-              <a14:hiddenFill xmlns:a14="http://schemas.microsoft.com/office/drawing/2010/main">
-                <a:solidFill>
-                  <a:srgbClr val="FFFFFF"/>
-                </a:solidFill>
-              </a14:hiddenFill>
-            </a:ext>
-            <a:ext uri="{91240B29-F687-4F45-9708-019B960494DF}">
-              <a14:hiddenLine xmlns:a14="http://schemas.microsoft.com/office/drawing/2010/main" w="9525">
-                <a:solidFill>
-                  <a:srgbClr val="000000"/>
-                </a:solidFill>
-                <a:miter lim="800000"/>
-                <a:headEnd/>
-                <a:tailEnd/>
-              </a14:hiddenLine>
-            </a:ext>
-          </a:extLst>
-        </p:spPr>
-        <p:txBody>
-          <a:bodyPr wrap="none">
-            <a:spAutoFit/>
-          </a:bodyPr>
-          <a:lstStyle>
-            <a:lvl1pPr>
-              <a:defRPr sz="1600">
-                <a:solidFill>
-                  <a:schemeClr val="tx1"/>
-                </a:solidFill>
-                <a:latin typeface="Helvetica" pitchFamily="34" charset="0"/>
-                <a:ea typeface="MS PGothic" panose="020B0600070205080204" pitchFamily="34" charset="-128"/>
-              </a:defRPr>
-            </a:lvl1pPr>
-            <a:lvl2pPr marL="742950" indent="-285750">
-              <a:defRPr sz="1600">
-                <a:solidFill>
-                  <a:schemeClr val="tx1"/>
-                </a:solidFill>
-                <a:latin typeface="Helvetica" pitchFamily="34" charset="0"/>
-                <a:ea typeface="MS PGothic" panose="020B0600070205080204" pitchFamily="34" charset="-128"/>
-              </a:defRPr>
-            </a:lvl2pPr>
-            <a:lvl3pPr marL="1143000" indent="-228600">
-              <a:defRPr sz="1600">
-                <a:solidFill>
-                  <a:schemeClr val="tx1"/>
-                </a:solidFill>
-                <a:latin typeface="Helvetica" pitchFamily="34" charset="0"/>
-                <a:ea typeface="MS PGothic" panose="020B0600070205080204" pitchFamily="34" charset="-128"/>
-              </a:defRPr>
-            </a:lvl3pPr>
-            <a:lvl4pPr marL="1600200" indent="-228600">
-              <a:defRPr sz="1600">
-                <a:solidFill>
-                  <a:schemeClr val="tx1"/>
-                </a:solidFill>
-                <a:latin typeface="Helvetica" pitchFamily="34" charset="0"/>
-                <a:ea typeface="MS PGothic" panose="020B0600070205080204" pitchFamily="34" charset="-128"/>
-              </a:defRPr>
-            </a:lvl4pPr>
-            <a:lvl5pPr marL="2057400" indent="-228600">
-              <a:defRPr sz="1600">
-                <a:solidFill>
-                  <a:schemeClr val="tx1"/>
-                </a:solidFill>
-                <a:latin typeface="Helvetica" pitchFamily="34" charset="0"/>
-                <a:ea typeface="MS PGothic" panose="020B0600070205080204" pitchFamily="34" charset="-128"/>
-              </a:defRPr>
-            </a:lvl5pPr>
-            <a:lvl6pPr marL="2514600" indent="-228600" eaLnBrk="0" fontAlgn="base" hangingPunct="0">
-              <a:spcBef>
-                <a:spcPct val="0"/>
-              </a:spcBef>
-              <a:spcAft>
-                <a:spcPct val="0"/>
-              </a:spcAft>
-              <a:defRPr sz="1600">
-                <a:solidFill>
-                  <a:schemeClr val="tx1"/>
-                </a:solidFill>
-                <a:latin typeface="Helvetica" pitchFamily="34" charset="0"/>
-                <a:ea typeface="MS PGothic" panose="020B0600070205080204" pitchFamily="34" charset="-128"/>
-              </a:defRPr>
-            </a:lvl6pPr>
-            <a:lvl7pPr marL="2971800" indent="-228600" eaLnBrk="0" fontAlgn="base" hangingPunct="0">
-              <a:spcBef>
-                <a:spcPct val="0"/>
-              </a:spcBef>
-              <a:spcAft>
-                <a:spcPct val="0"/>
-              </a:spcAft>
-              <a:defRPr sz="1600">
-                <a:solidFill>
-                  <a:schemeClr val="tx1"/>
-                </a:solidFill>
-                <a:latin typeface="Helvetica" pitchFamily="34" charset="0"/>
-                <a:ea typeface="MS PGothic" panose="020B0600070205080204" pitchFamily="34" charset="-128"/>
-              </a:defRPr>
-            </a:lvl7pPr>
-            <a:lvl8pPr marL="3429000" indent="-228600" eaLnBrk="0" fontAlgn="base" hangingPunct="0">
-              <a:spcBef>
-                <a:spcPct val="0"/>
-              </a:spcBef>
-              <a:spcAft>
-                <a:spcPct val="0"/>
-              </a:spcAft>
-              <a:defRPr sz="1600">
-                <a:solidFill>
-                  <a:schemeClr val="tx1"/>
-                </a:solidFill>
-                <a:latin typeface="Helvetica" pitchFamily="34" charset="0"/>
-                <a:ea typeface="MS PGothic" panose="020B0600070205080204" pitchFamily="34" charset="-128"/>
-              </a:defRPr>
-            </a:lvl8pPr>
-            <a:lvl9pPr marL="3886200" indent="-228600" eaLnBrk="0" fontAlgn="base" hangingPunct="0">
-              <a:spcBef>
-                <a:spcPct val="0"/>
-              </a:spcBef>
-              <a:spcAft>
-                <a:spcPct val="0"/>
-              </a:spcAft>
-              <a:defRPr sz="1600">
-                <a:solidFill>
-                  <a:schemeClr val="tx1"/>
-                </a:solidFill>
-                <a:latin typeface="Helvetica" pitchFamily="34" charset="0"/>
-                <a:ea typeface="MS PGothic" panose="020B0600070205080204" pitchFamily="34" charset="-128"/>
-              </a:defRPr>
-            </a:lvl9pPr>
-          </a:lstStyle>
-          <a:p>
-            <a:endParaRPr lang="en-US" altLang="en-US"/>
-          </a:p>
-        </p:txBody>
-      </p:sp>
-    </p:spTree>
-  </p:cSld>
-  <p:clrMapOvr>
-    <a:masterClrMapping/>
-  </p:clrMapOvr>
-</p:sld>
-</file>
-
-<file path=ppt/slides/slide49.xml><?xml version="1.0" encoding="utf-8"?>
-<p:sld xmlns:a="http://schemas.openxmlformats.org/drawingml/2006/main" xmlns:r="http://schemas.openxmlformats.org/officeDocument/2006/relationships" xmlns:p="http://schemas.openxmlformats.org/presentationml/2006/main">
-  <p:cSld>
-    <p:spTree>
-      <p:nvGrpSpPr>
-        <p:cNvPr id="1" name=""/>
-        <p:cNvGrpSpPr/>
-        <p:nvPr/>
-      </p:nvGrpSpPr>
-      <p:grpSpPr>
-        <a:xfrm>
-          <a:off x="0" y="0"/>
-          <a:ext cx="0" cy="0"/>
-          <a:chOff x="0" y="0"/>
-          <a:chExt cx="0" cy="0"/>
-        </a:xfrm>
-      </p:grpSpPr>
-      <p:sp>
-        <p:nvSpPr>
-          <p:cNvPr id="371714" name="Rectangle 2"/>
-          <p:cNvSpPr>
-            <a:spLocks noGrp="1" noChangeArrowheads="1"/>
-          </p:cNvSpPr>
-          <p:nvPr>
-            <p:ph type="title"/>
-          </p:nvPr>
-        </p:nvSpPr>
-        <p:spPr/>
-        <p:txBody>
-          <a:bodyPr/>
-          <a:lstStyle/>
-          <a:p>
-            <a:pPr>
-              <a:defRPr/>
-            </a:pPr>
-            <a:r>
-              <a:rPr lang="en-US" altLang="en-US" dirty="0">
-                <a:effectLst>
-                  <a:outerShdw blurRad="38100" dist="38100" dir="2700000" algn="tl">
-                    <a:srgbClr val="C0C0C0"/>
-                  </a:outerShdw>
-                </a:effectLst>
-              </a:rPr>
-              <a:t>Triggers</a:t>
-            </a:r>
-            <a:endParaRPr lang="en-US" altLang="en-US" dirty="0">
-              <a:effectLst>
-                <a:outerShdw blurRad="38100" dist="38100" dir="2700000" algn="tl">
-                  <a:srgbClr val="C0C0C0"/>
-                </a:outerShdw>
-              </a:effectLst>
-            </a:endParaRPr>
-          </a:p>
-        </p:txBody>
-      </p:sp>
-      <p:sp>
-        <p:nvSpPr>
-          <p:cNvPr id="48131" name="Rectangle 3"/>
-          <p:cNvSpPr>
-            <a:spLocks noGrp="1" noChangeArrowheads="1"/>
-          </p:cNvSpPr>
-          <p:nvPr>
-            <p:ph type="body" idx="1"/>
-          </p:nvPr>
-        </p:nvSpPr>
-        <p:spPr>
-          <a:xfrm>
-            <a:off x="768350" y="1155700"/>
-            <a:ext cx="7647681" cy="4833938"/>
-          </a:xfrm>
-        </p:spPr>
-        <p:txBody>
-          <a:bodyPr/>
-          <a:lstStyle/>
-          <a:p>
-            <a:r>
-              <a:rPr lang="en-US" altLang="en-US" dirty="0"/>
-              <a:t>A </a:t>
-            </a:r>
-            <a:r>
-              <a:rPr lang="en-US" altLang="en-US" b="1" dirty="0">
-                <a:solidFill>
-                  <a:srgbClr val="002060"/>
-                </a:solidFill>
-              </a:rPr>
-              <a:t>trigger</a:t>
-            </a:r>
-            <a:r>
-              <a:rPr lang="en-US" altLang="en-US" dirty="0"/>
-              <a:t> is a statement that is executed automatically by the system as a side effect of a modification to the database.</a:t>
-            </a:r>
-            <a:endParaRPr lang="en-US" altLang="en-US" dirty="0"/>
-          </a:p>
-          <a:p>
-            <a:r>
-              <a:rPr lang="en-US" altLang="en-US" dirty="0"/>
-              <a:t>To design a trigger mechanism, we must:</a:t>
-            </a:r>
-            <a:endParaRPr lang="en-US" altLang="en-US" dirty="0"/>
-          </a:p>
-          <a:p>
-            <a:pPr lvl="1"/>
-            <a:r>
-              <a:rPr lang="en-US" altLang="en-US" dirty="0">
-                <a:ea typeface="MS PGothic" panose="020B0600070205080204" pitchFamily="34" charset="-128"/>
-              </a:rPr>
-              <a:t>Specify the conditions under which the trigger is to be executed.</a:t>
-            </a:r>
-            <a:endParaRPr lang="en-US" altLang="en-US" dirty="0">
-              <a:ea typeface="MS PGothic" panose="020B0600070205080204" pitchFamily="34" charset="-128"/>
-            </a:endParaRPr>
-          </a:p>
-          <a:p>
-            <a:pPr lvl="1"/>
-            <a:r>
-              <a:rPr lang="en-US" altLang="en-US" dirty="0">
-                <a:ea typeface="MS PGothic" panose="020B0600070205080204" pitchFamily="34" charset="-128"/>
-              </a:rPr>
-              <a:t>Specify the actions to be taken when the trigger executes.</a:t>
-            </a:r>
-            <a:endParaRPr lang="en-US" altLang="en-US" dirty="0">
-              <a:ea typeface="MS PGothic" panose="020B0600070205080204" pitchFamily="34" charset="-128"/>
-            </a:endParaRPr>
-          </a:p>
-          <a:p>
-            <a:r>
-              <a:rPr lang="en-US" altLang="en-US" dirty="0"/>
-              <a:t>Triggers introduced to SQL standard in SQL:1999, but supported even earlier using non-standard syntax by most databases.		</a:t>
-            </a:r>
-            <a:endParaRPr lang="en-US" altLang="en-US" dirty="0"/>
-          </a:p>
-          <a:p>
-            <a:pPr lvl="1"/>
-            <a:r>
-              <a:rPr lang="en-US" altLang="en-US" dirty="0">
-                <a:solidFill>
-                  <a:srgbClr val="002060"/>
-                </a:solidFill>
-                <a:ea typeface="MS PGothic" panose="020B0600070205080204" pitchFamily="34" charset="-128"/>
-              </a:rPr>
-              <a:t>Syntax illustrated here may not work exactly on your database system; check the system manuals</a:t>
-            </a:r>
-            <a:endParaRPr lang="en-US" altLang="en-US" dirty="0">
-              <a:solidFill>
-                <a:srgbClr val="002060"/>
-              </a:solidFill>
-              <a:ea typeface="MS PGothic" panose="020B0600070205080204" pitchFamily="34" charset="-128"/>
-            </a:endParaRPr>
           </a:p>
         </p:txBody>
       </p:sp>
@@ -25725,6 +26632,429 @@
 </file>
 
 <file path=ppt/slides/slide50.xml><?xml version="1.0" encoding="utf-8"?>
+<p:sld xmlns:a="http://schemas.openxmlformats.org/drawingml/2006/main" xmlns:r="http://schemas.openxmlformats.org/officeDocument/2006/relationships" xmlns:p="http://schemas.openxmlformats.org/presentationml/2006/main">
+  <p:cSld>
+    <p:spTree>
+      <p:nvGrpSpPr>
+        <p:cNvPr id="1" name=""/>
+        <p:cNvGrpSpPr/>
+        <p:nvPr/>
+      </p:nvGrpSpPr>
+      <p:grpSpPr>
+        <a:xfrm>
+          <a:off x="0" y="0"/>
+          <a:ext cx="0" cy="0"/>
+          <a:chOff x="0" y="0"/>
+          <a:chExt cx="0" cy="0"/>
+        </a:xfrm>
+      </p:grpSpPr>
+      <p:sp>
+        <p:nvSpPr>
+          <p:cNvPr id="5123" name="Rectangle 3"/>
+          <p:cNvSpPr>
+            <a:spLocks noGrp="1" noChangeArrowheads="1"/>
+          </p:cNvSpPr>
+          <p:nvPr>
+            <p:ph type="body" idx="1"/>
+          </p:nvPr>
+        </p:nvSpPr>
+        <p:spPr>
+          <a:xfrm>
+            <a:off x="3338004" y="2607785"/>
+            <a:ext cx="4398700" cy="1858963"/>
+          </a:xfrm>
+        </p:spPr>
+        <p:txBody>
+          <a:bodyPr/>
+          <a:lstStyle/>
+          <a:p>
+            <a:pPr>
+              <a:buFont typeface="Monotype Sorts" pitchFamily="-65" charset="2"/>
+              <a:buNone/>
+              <a:defRPr/>
+            </a:pPr>
+            <a:r>
+              <a:rPr lang="en-US" altLang="en-US" sz="3200" b="1" dirty="0">
+                <a:solidFill>
+                  <a:srgbClr val="002060"/>
+                </a:solidFill>
+                <a:effectLst>
+                  <a:outerShdw blurRad="38100" dist="38100" dir="2700000" algn="tl">
+                    <a:srgbClr val="C0C0C0"/>
+                  </a:outerShdw>
+                </a:effectLst>
+                <a:latin typeface="+mj-lt"/>
+                <a:cs typeface="+mj-cs"/>
+              </a:rPr>
+              <a:t>Triggers</a:t>
+            </a:r>
+            <a:endParaRPr lang="en-US" altLang="en-US" sz="3200" b="1" dirty="0">
+              <a:solidFill>
+                <a:srgbClr val="002060"/>
+              </a:solidFill>
+              <a:effectLst>
+                <a:outerShdw blurRad="38100" dist="38100" dir="2700000" algn="tl">
+                  <a:srgbClr val="C0C0C0"/>
+                </a:outerShdw>
+              </a:effectLst>
+              <a:latin typeface="+mj-lt"/>
+              <a:cs typeface="+mj-cs"/>
+            </a:endParaRPr>
+          </a:p>
+        </p:txBody>
+      </p:sp>
+      <p:sp>
+        <p:nvSpPr>
+          <p:cNvPr id="47107" name="Rectangle 4"/>
+          <p:cNvSpPr>
+            <a:spLocks noChangeArrowheads="1"/>
+          </p:cNvSpPr>
+          <p:nvPr/>
+        </p:nvSpPr>
+        <p:spPr bwMode="auto">
+          <a:xfrm>
+            <a:off x="1435100" y="-763588"/>
+            <a:ext cx="184150" cy="336550"/>
+          </a:xfrm>
+          <a:prstGeom prst="rect">
+            <a:avLst/>
+          </a:prstGeom>
+          <a:noFill/>
+          <a:ln>
+            <a:noFill/>
+          </a:ln>
+          <a:extLst>
+            <a:ext uri="{909E8E84-426E-40DD-AFC4-6F175D3DCCD1}">
+              <a14:hiddenFill xmlns:a14="http://schemas.microsoft.com/office/drawing/2010/main">
+                <a:solidFill>
+                  <a:srgbClr val="FFFFFF"/>
+                </a:solidFill>
+              </a14:hiddenFill>
+            </a:ext>
+            <a:ext uri="{91240B29-F687-4F45-9708-019B960494DF}">
+              <a14:hiddenLine xmlns:a14="http://schemas.microsoft.com/office/drawing/2010/main" w="9525">
+                <a:solidFill>
+                  <a:srgbClr val="000000"/>
+                </a:solidFill>
+                <a:miter lim="800000"/>
+                <a:headEnd/>
+                <a:tailEnd/>
+              </a14:hiddenLine>
+            </a:ext>
+          </a:extLst>
+        </p:spPr>
+        <p:txBody>
+          <a:bodyPr wrap="none">
+            <a:spAutoFit/>
+          </a:bodyPr>
+          <a:lstStyle>
+            <a:lvl1pPr>
+              <a:defRPr sz="1600">
+                <a:solidFill>
+                  <a:schemeClr val="tx1"/>
+                </a:solidFill>
+                <a:latin typeface="Helvetica" pitchFamily="34" charset="0"/>
+                <a:ea typeface="MS PGothic" panose="020B0600070205080204" pitchFamily="34" charset="-128"/>
+              </a:defRPr>
+            </a:lvl1pPr>
+            <a:lvl2pPr marL="742950" indent="-285750">
+              <a:defRPr sz="1600">
+                <a:solidFill>
+                  <a:schemeClr val="tx1"/>
+                </a:solidFill>
+                <a:latin typeface="Helvetica" pitchFamily="34" charset="0"/>
+                <a:ea typeface="MS PGothic" panose="020B0600070205080204" pitchFamily="34" charset="-128"/>
+              </a:defRPr>
+            </a:lvl2pPr>
+            <a:lvl3pPr marL="1143000" indent="-228600">
+              <a:defRPr sz="1600">
+                <a:solidFill>
+                  <a:schemeClr val="tx1"/>
+                </a:solidFill>
+                <a:latin typeface="Helvetica" pitchFamily="34" charset="0"/>
+                <a:ea typeface="MS PGothic" panose="020B0600070205080204" pitchFamily="34" charset="-128"/>
+              </a:defRPr>
+            </a:lvl3pPr>
+            <a:lvl4pPr marL="1600200" indent="-228600">
+              <a:defRPr sz="1600">
+                <a:solidFill>
+                  <a:schemeClr val="tx1"/>
+                </a:solidFill>
+                <a:latin typeface="Helvetica" pitchFamily="34" charset="0"/>
+                <a:ea typeface="MS PGothic" panose="020B0600070205080204" pitchFamily="34" charset="-128"/>
+              </a:defRPr>
+            </a:lvl4pPr>
+            <a:lvl5pPr marL="2057400" indent="-228600">
+              <a:defRPr sz="1600">
+                <a:solidFill>
+                  <a:schemeClr val="tx1"/>
+                </a:solidFill>
+                <a:latin typeface="Helvetica" pitchFamily="34" charset="0"/>
+                <a:ea typeface="MS PGothic" panose="020B0600070205080204" pitchFamily="34" charset="-128"/>
+              </a:defRPr>
+            </a:lvl5pPr>
+            <a:lvl6pPr marL="2514600" indent="-228600" eaLnBrk="0" fontAlgn="base" hangingPunct="0">
+              <a:spcBef>
+                <a:spcPct val="0"/>
+              </a:spcBef>
+              <a:spcAft>
+                <a:spcPct val="0"/>
+              </a:spcAft>
+              <a:defRPr sz="1600">
+                <a:solidFill>
+                  <a:schemeClr val="tx1"/>
+                </a:solidFill>
+                <a:latin typeface="Helvetica" pitchFamily="34" charset="0"/>
+                <a:ea typeface="MS PGothic" panose="020B0600070205080204" pitchFamily="34" charset="-128"/>
+              </a:defRPr>
+            </a:lvl6pPr>
+            <a:lvl7pPr marL="2971800" indent="-228600" eaLnBrk="0" fontAlgn="base" hangingPunct="0">
+              <a:spcBef>
+                <a:spcPct val="0"/>
+              </a:spcBef>
+              <a:spcAft>
+                <a:spcPct val="0"/>
+              </a:spcAft>
+              <a:defRPr sz="1600">
+                <a:solidFill>
+                  <a:schemeClr val="tx1"/>
+                </a:solidFill>
+                <a:latin typeface="Helvetica" pitchFamily="34" charset="0"/>
+                <a:ea typeface="MS PGothic" panose="020B0600070205080204" pitchFamily="34" charset="-128"/>
+              </a:defRPr>
+            </a:lvl7pPr>
+            <a:lvl8pPr marL="3429000" indent="-228600" eaLnBrk="0" fontAlgn="base" hangingPunct="0">
+              <a:spcBef>
+                <a:spcPct val="0"/>
+              </a:spcBef>
+              <a:spcAft>
+                <a:spcPct val="0"/>
+              </a:spcAft>
+              <a:defRPr sz="1600">
+                <a:solidFill>
+                  <a:schemeClr val="tx1"/>
+                </a:solidFill>
+                <a:latin typeface="Helvetica" pitchFamily="34" charset="0"/>
+                <a:ea typeface="MS PGothic" panose="020B0600070205080204" pitchFamily="34" charset="-128"/>
+              </a:defRPr>
+            </a:lvl8pPr>
+            <a:lvl9pPr marL="3886200" indent="-228600" eaLnBrk="0" fontAlgn="base" hangingPunct="0">
+              <a:spcBef>
+                <a:spcPct val="0"/>
+              </a:spcBef>
+              <a:spcAft>
+                <a:spcPct val="0"/>
+              </a:spcAft>
+              <a:defRPr sz="1600">
+                <a:solidFill>
+                  <a:schemeClr val="tx1"/>
+                </a:solidFill>
+                <a:latin typeface="Helvetica" pitchFamily="34" charset="0"/>
+                <a:ea typeface="MS PGothic" panose="020B0600070205080204" pitchFamily="34" charset="-128"/>
+              </a:defRPr>
+            </a:lvl9pPr>
+          </a:lstStyle>
+          <a:p>
+            <a:endParaRPr lang="en-US" altLang="en-US"/>
+          </a:p>
+        </p:txBody>
+      </p:sp>
+    </p:spTree>
+  </p:cSld>
+  <p:clrMapOvr>
+    <a:masterClrMapping/>
+  </p:clrMapOvr>
+</p:sld>
+</file>
+
+<file path=ppt/slides/slide51.xml><?xml version="1.0" encoding="utf-8"?>
+<p:sld xmlns:a="http://schemas.openxmlformats.org/drawingml/2006/main" xmlns:r="http://schemas.openxmlformats.org/officeDocument/2006/relationships" xmlns:p="http://schemas.openxmlformats.org/presentationml/2006/main">
+  <p:cSld>
+    <p:spTree>
+      <p:nvGrpSpPr>
+        <p:cNvPr id="1" name=""/>
+        <p:cNvGrpSpPr/>
+        <p:nvPr/>
+      </p:nvGrpSpPr>
+      <p:grpSpPr>
+        <a:xfrm>
+          <a:off x="0" y="0"/>
+          <a:ext cx="0" cy="0"/>
+          <a:chOff x="0" y="0"/>
+          <a:chExt cx="0" cy="0"/>
+        </a:xfrm>
+      </p:grpSpPr>
+      <p:sp>
+        <p:nvSpPr>
+          <p:cNvPr id="371714" name="Rectangle 2"/>
+          <p:cNvSpPr>
+            <a:spLocks noGrp="1" noChangeArrowheads="1"/>
+          </p:cNvSpPr>
+          <p:nvPr>
+            <p:ph type="title"/>
+          </p:nvPr>
+        </p:nvSpPr>
+        <p:spPr/>
+        <p:txBody>
+          <a:bodyPr/>
+          <a:lstStyle/>
+          <a:p>
+            <a:pPr>
+              <a:defRPr/>
+            </a:pPr>
+            <a:r>
+              <a:rPr lang="en-US" altLang="en-US" dirty="0">
+                <a:effectLst>
+                  <a:outerShdw blurRad="38100" dist="38100" dir="2700000" algn="tl">
+                    <a:srgbClr val="C0C0C0"/>
+                  </a:outerShdw>
+                </a:effectLst>
+              </a:rPr>
+              <a:t>Triggers</a:t>
+            </a:r>
+            <a:endParaRPr lang="en-US" altLang="en-US" dirty="0">
+              <a:effectLst>
+                <a:outerShdw blurRad="38100" dist="38100" dir="2700000" algn="tl">
+                  <a:srgbClr val="C0C0C0"/>
+                </a:outerShdw>
+              </a:effectLst>
+            </a:endParaRPr>
+          </a:p>
+        </p:txBody>
+      </p:sp>
+      <p:sp>
+        <p:nvSpPr>
+          <p:cNvPr id="48131" name="Rectangle 3"/>
+          <p:cNvSpPr>
+            <a:spLocks noGrp="1" noChangeArrowheads="1"/>
+          </p:cNvSpPr>
+          <p:nvPr>
+            <p:ph type="body" idx="1"/>
+          </p:nvPr>
+        </p:nvSpPr>
+        <p:spPr>
+          <a:xfrm>
+            <a:off x="768350" y="1155700"/>
+            <a:ext cx="7647681" cy="4833938"/>
+          </a:xfrm>
+        </p:spPr>
+        <p:txBody>
+          <a:bodyPr/>
+          <a:lstStyle/>
+          <a:p>
+            <a:r>
+              <a:rPr lang="en-US" altLang="en-US" dirty="0"/>
+              <a:t>A </a:t>
+            </a:r>
+            <a:r>
+              <a:rPr lang="en-US" altLang="en-US" b="1" dirty="0">
+                <a:solidFill>
+                  <a:srgbClr val="002060"/>
+                </a:solidFill>
+              </a:rPr>
+              <a:t>trigger</a:t>
+            </a:r>
+            <a:r>
+              <a:rPr lang="en-US" altLang="en-US" dirty="0"/>
+              <a:t> is a statement that is executed automatically by the system as a side effect of a modification to the database.</a:t>
+            </a:r>
+            <a:endParaRPr lang="en-US" altLang="en-US" dirty="0"/>
+          </a:p>
+          <a:p>
+            <a:r>
+              <a:rPr lang="en-US" altLang="en-US" dirty="0"/>
+              <a:t>To design a trigger mechanism, we must:</a:t>
+            </a:r>
+            <a:endParaRPr lang="en-US" altLang="en-US" dirty="0"/>
+          </a:p>
+          <a:p>
+            <a:pPr lvl="1"/>
+            <a:r>
+              <a:rPr lang="en-US" altLang="en-US" dirty="0">
+                <a:ea typeface="MS PGothic" panose="020B0600070205080204" pitchFamily="34" charset="-128"/>
+              </a:rPr>
+              <a:t>Specify the </a:t>
+            </a:r>
+            <a:r>
+              <a:rPr lang="en-US" altLang="en-US" b="1" dirty="0">
+                <a:latin typeface="Helvetica Bold" charset="0"/>
+                <a:ea typeface="MS PGothic" panose="020B0600070205080204" pitchFamily="34" charset="-128"/>
+                <a:cs typeface="Helvetica Bold" charset="0"/>
+              </a:rPr>
+              <a:t>conditions </a:t>
+            </a:r>
+            <a:r>
+              <a:rPr lang="en-US" altLang="en-US" dirty="0">
+                <a:ea typeface="MS PGothic" panose="020B0600070205080204" pitchFamily="34" charset="-128"/>
+              </a:rPr>
+              <a:t>under which the trigger is to be executed.</a:t>
+            </a:r>
+            <a:endParaRPr lang="en-US" altLang="en-US" dirty="0">
+              <a:ea typeface="MS PGothic" panose="020B0600070205080204" pitchFamily="34" charset="-128"/>
+            </a:endParaRPr>
+          </a:p>
+          <a:p>
+            <a:pPr lvl="1"/>
+            <a:r>
+              <a:rPr lang="en-US" altLang="en-US" dirty="0">
+                <a:ea typeface="MS PGothic" panose="020B0600070205080204" pitchFamily="34" charset="-128"/>
+              </a:rPr>
+              <a:t>Specify the </a:t>
+            </a:r>
+            <a:r>
+              <a:rPr lang="en-US" altLang="en-US" b="1" dirty="0">
+                <a:latin typeface="Helvetica Bold" charset="0"/>
+                <a:ea typeface="MS PGothic" panose="020B0600070205080204" pitchFamily="34" charset="-128"/>
+                <a:cs typeface="Helvetica Bold" charset="0"/>
+              </a:rPr>
+              <a:t>actions </a:t>
+            </a:r>
+            <a:r>
+              <a:rPr lang="en-US" altLang="en-US" dirty="0">
+                <a:ea typeface="MS PGothic" panose="020B0600070205080204" pitchFamily="34" charset="-128"/>
+              </a:rPr>
+              <a:t>to be taken when the trigger executes.</a:t>
+            </a:r>
+            <a:endParaRPr lang="en-US" altLang="en-US" dirty="0">
+              <a:ea typeface="MS PGothic" panose="020B0600070205080204" pitchFamily="34" charset="-128"/>
+            </a:endParaRPr>
+          </a:p>
+          <a:p>
+            <a:r>
+              <a:rPr lang="en-US" altLang="en-US" dirty="0"/>
+              <a:t>Triggers introduced to SQL standard in SQL:1999, but supported even earlier using non-standard syntax by most databases.		</a:t>
+            </a:r>
+            <a:endParaRPr lang="en-US" altLang="en-US" dirty="0"/>
+          </a:p>
+          <a:p>
+            <a:pPr lvl="1"/>
+            <a:r>
+              <a:rPr lang="en-US" altLang="en-US" dirty="0">
+                <a:solidFill>
+                  <a:srgbClr val="002060"/>
+                </a:solidFill>
+                <a:ea typeface="MS PGothic" panose="020B0600070205080204" pitchFamily="34" charset="-128"/>
+              </a:rPr>
+              <a:t>Syntax illustrated here may not work exactly on your database system; check the system manuals</a:t>
+            </a:r>
+            <a:endParaRPr lang="en-US" altLang="en-US" dirty="0">
+              <a:solidFill>
+                <a:srgbClr val="002060"/>
+              </a:solidFill>
+              <a:ea typeface="MS PGothic" panose="020B0600070205080204" pitchFamily="34" charset="-128"/>
+            </a:endParaRPr>
+          </a:p>
+        </p:txBody>
+      </p:sp>
+    </p:spTree>
+  </p:cSld>
+  <p:clrMapOvr>
+    <a:masterClrMapping/>
+  </p:clrMapOvr>
+</p:sld>
+</file>
+
+<file path=ppt/slides/slide52.xml><?xml version="1.0" encoding="utf-8"?>
 <p:sld xmlns:a="http://schemas.openxmlformats.org/drawingml/2006/main" xmlns:r="http://schemas.openxmlformats.org/officeDocument/2006/relationships" xmlns:p="http://schemas.openxmlformats.org/presentationml/2006/main" show="0">
   <p:cSld>
     <p:spTree>
@@ -25835,7 +27165,24 @@
             </a:pPr>
             <a:r>
               <a:rPr lang="en-US" altLang="en-US" dirty="0"/>
-              <a:t>Triggers on update can be restricted to specific attributes</a:t>
+              <a:t>Triggers on update can be restricted to specific attributes (not supported by </a:t>
+            </a:r>
+            <a:r>
+              <a:rPr lang="en-US" altLang="en-US" b="1" dirty="0">
+                <a:solidFill>
+                  <a:schemeClr val="tx2">
+                    <a:lumMod val="60000"/>
+                    <a:lumOff val="40000"/>
+                  </a:schemeClr>
+                </a:solidFill>
+                <a:latin typeface="Helvetica Bold" charset="0"/>
+                <a:cs typeface="Helvetica Bold" charset="0"/>
+              </a:rPr>
+              <a:t>MySQL instead use codinitonal logic</a:t>
+            </a:r>
+            <a:r>
+              <a:rPr lang="en-US" altLang="en-US" dirty="0"/>
+              <a:t>)</a:t>
             </a:r>
             <a:endParaRPr lang="en-US" altLang="en-US" dirty="0"/>
           </a:p>
@@ -26098,6 +27445,112 @@
           <a:p>
             <a:pPr indent="-365760"/>
             <a:endParaRPr lang="en-US" altLang="en-US" dirty="0"/>
+          </a:p>
+        </p:txBody>
+      </p:sp>
+      <p:sp>
+        <p:nvSpPr>
+          <p:cNvPr id="2" name="Text Box 1"/>
+          <p:cNvSpPr txBox="1"/>
+          <p:nvPr/>
+        </p:nvSpPr>
+        <p:spPr>
+          <a:xfrm>
+            <a:off x="5178425" y="3907790"/>
+            <a:ext cx="3853180" cy="3046095"/>
+          </a:xfrm>
+          <a:prstGeom prst="rect">
+            <a:avLst/>
+          </a:prstGeom>
+          <a:noFill/>
+        </p:spPr>
+        <p:txBody>
+          <a:bodyPr wrap="square" rtlCol="0" anchor="t">
+            <a:spAutoFit/>
+          </a:bodyPr>
+          <a:p>
+            <a:r>
+              <a:rPr lang="en-US"/>
+              <a:t>DELIMITER // </a:t>
+            </a:r>
+            <a:endParaRPr lang="en-US"/>
+          </a:p>
+          <a:p>
+            <a:r>
+              <a:rPr lang="en-US"/>
+              <a:t>create trigger setnull_trigger </a:t>
+            </a:r>
+            <a:endParaRPr lang="en-US"/>
+          </a:p>
+          <a:p>
+            <a:r>
+              <a:rPr lang="en-US"/>
+              <a:t>before update on takes	</a:t>
+            </a:r>
+            <a:endParaRPr lang="en-US"/>
+          </a:p>
+          <a:p>
+            <a:r>
+              <a:rPr lang="en-US"/>
+              <a:t>for each row</a:t>
+            </a:r>
+            <a:endParaRPr lang="en-US"/>
+          </a:p>
+          <a:p>
+            <a:r>
+              <a:rPr lang="en-US"/>
+              <a:t> begin </a:t>
+            </a:r>
+            <a:endParaRPr lang="en-US"/>
+          </a:p>
+          <a:p>
+            <a:r>
+              <a:rPr lang="en-US"/>
+              <a:t>    if NEW.grade = ' ' THEN</a:t>
+            </a:r>
+            <a:endParaRPr lang="en-US"/>
+          </a:p>
+          <a:p>
+            <a:r>
+              <a:rPr lang="en-US"/>
+              <a:t>      set NEW.grade = null;</a:t>
+            </a:r>
+            <a:endParaRPr lang="en-US"/>
+          </a:p>
+          <a:p>
+            <a:r>
+              <a:rPr lang="en-US"/>
+              <a:t>    END IF;</a:t>
+            </a:r>
+            <a:endParaRPr lang="en-US"/>
+          </a:p>
+          <a:p>
+            <a:r>
+              <a:rPr lang="en-US"/>
+              <a:t> end //</a:t>
+            </a:r>
+            <a:endParaRPr lang="en-US"/>
+          </a:p>
+          <a:p>
+            <a:r>
+              <a:rPr lang="en-US"/>
+              <a:t> delimiter ;</a:t>
+            </a:r>
+            <a:endParaRPr lang="en-US"/>
+          </a:p>
+          <a:p>
+            <a:r>
+              <a:rPr lang="en-US"/>
+              <a:t> </a:t>
+            </a:r>
+            <a:endParaRPr lang="en-US"/>
+          </a:p>
+          <a:p>
+            <a:r>
+              <a:rPr lang="en-US"/>
+              <a:t>SHOW triggers;</a:t>
+            </a:r>
+            <a:endParaRPr lang="en-US"/>
           </a:p>
         </p:txBody>
       </p:sp>
@@ -26110,7 +27563,7 @@
 </p:sld>
 </file>
 
-<file path=ppt/slides/slide51.xml><?xml version="1.0" encoding="utf-8"?>
+<file path=ppt/slides/slide53.xml><?xml version="1.0" encoding="utf-8"?>
 <p:sld xmlns:a="http://schemas.openxmlformats.org/drawingml/2006/main" xmlns:r="http://schemas.openxmlformats.org/officeDocument/2006/relationships" xmlns:p="http://schemas.openxmlformats.org/presentationml/2006/main">
   <p:cSld>
     <p:spTree>
@@ -26516,7 +27969,7 @@
 </p:sld>
 </file>
 
-<file path=ppt/slides/slide52.xml><?xml version="1.0" encoding="utf-8"?>
+<file path=ppt/slides/slide54.xml><?xml version="1.0" encoding="utf-8"?>
 <p:sld xmlns:a="http://schemas.openxmlformats.org/drawingml/2006/main" xmlns:r="http://schemas.openxmlformats.org/officeDocument/2006/relationships" xmlns:p="http://schemas.openxmlformats.org/presentationml/2006/main">
   <p:cSld>
     <p:spTree>
@@ -26703,7 +28156,7 @@
 </p:sld>
 </file>
 
-<file path=ppt/slides/slide53.xml><?xml version="1.0" encoding="utf-8"?>
+<file path=ppt/slides/slide55.xml><?xml version="1.0" encoding="utf-8"?>
 <p:sld xmlns:a="http://schemas.openxmlformats.org/drawingml/2006/main" xmlns:r="http://schemas.openxmlformats.org/officeDocument/2006/relationships" xmlns:p="http://schemas.openxmlformats.org/presentationml/2006/main">
   <p:cSld>
     <p:spTree>
@@ -26921,7 +28374,7 @@
 </p:sld>
 </file>
 
-<file path=ppt/slides/slide54.xml><?xml version="1.0" encoding="utf-8"?>
+<file path=ppt/slides/slide56.xml><?xml version="1.0" encoding="utf-8"?>
 <p:sld xmlns:a="http://schemas.openxmlformats.org/drawingml/2006/main" xmlns:r="http://schemas.openxmlformats.org/officeDocument/2006/relationships" xmlns:p="http://schemas.openxmlformats.org/presentationml/2006/main">
   <p:cSld>
     <p:spTree>
@@ -27109,7 +28562,7 @@
 </p:sld>
 </file>
 
-<file path=ppt/slides/slide55.xml><?xml version="1.0" encoding="utf-8"?>
+<file path=ppt/slides/slide57.xml><?xml version="1.0" encoding="utf-8"?>
 <p:sld xmlns:a="http://schemas.openxmlformats.org/drawingml/2006/main" xmlns:r="http://schemas.openxmlformats.org/officeDocument/2006/relationships" xmlns:p="http://schemas.openxmlformats.org/presentationml/2006/main">
   <p:cSld>
     <p:spTree>
@@ -27335,7 +28788,7 @@
 </p:sld>
 </file>
 
-<file path=ppt/slides/slide56.xml><?xml version="1.0" encoding="utf-8"?>
+<file path=ppt/slides/slide58.xml><?xml version="1.0" encoding="utf-8"?>
 <p:sld xmlns:a="http://schemas.openxmlformats.org/drawingml/2006/main" xmlns:r="http://schemas.openxmlformats.org/officeDocument/2006/relationships" xmlns:p="http://schemas.openxmlformats.org/presentationml/2006/main">
   <p:cSld>
     <p:spTree>
@@ -27731,7 +29184,7 @@
 </p:sld>
 </file>
 
-<file path=ppt/slides/slide57.xml><?xml version="1.0" encoding="utf-8"?>
+<file path=ppt/slides/slide59.xml><?xml version="1.0" encoding="utf-8"?>
 <p:sld xmlns:a="http://schemas.openxmlformats.org/drawingml/2006/main" xmlns:r="http://schemas.openxmlformats.org/officeDocument/2006/relationships" xmlns:p="http://schemas.openxmlformats.org/presentationml/2006/main">
   <p:cSld>
     <p:spTree>
@@ -27881,300 +29334,29 @@
               <a:t>See procedure </a:t>
             </a:r>
             <a:r>
-              <a:rPr lang="en-US" altLang="en-US" i="1" dirty="0" err="1">
-                <a:ea typeface="MS PGothic" panose="020B0600070205080204" pitchFamily="34" charset="-128"/>
+              <a:rPr lang="en-US" altLang="en-US" b="1" i="1" dirty="0" err="1">
+                <a:latin typeface="Helvetica Bold Oblique" charset="0"/>
+                <a:ea typeface="MS PGothic" panose="020B0600070205080204" pitchFamily="34" charset="-128"/>
+                <a:cs typeface="Helvetica Bold Oblique" charset="0"/>
               </a:rPr>
               <a:t>findAllPrereqs</a:t>
             </a:r>
             <a:r>
+              <a:rPr lang="en-US" altLang="en-US" b="1" dirty="0">
+                <a:latin typeface="Helvetica Bold Oblique" charset="0"/>
+                <a:ea typeface="MS PGothic" panose="020B0600070205080204" pitchFamily="34" charset="-128"/>
+                <a:cs typeface="Helvetica Bold Oblique" charset="0"/>
+              </a:rPr>
+              <a:t> </a:t>
+            </a:r>
+            <a:r>
               <a:rPr lang="en-US" altLang="en-US" dirty="0">
                 <a:ea typeface="MS PGothic" panose="020B0600070205080204" pitchFamily="34" charset="-128"/>
               </a:rPr>
-              <a:t> in book</a:t>
+              <a:t>in book</a:t>
             </a:r>
             <a:endParaRPr lang="en-US" altLang="en-US" dirty="0">
               <a:ea typeface="MS PGothic" panose="020B0600070205080204" pitchFamily="34" charset="-128"/>
-            </a:endParaRPr>
-          </a:p>
-        </p:txBody>
-      </p:sp>
-    </p:spTree>
-  </p:cSld>
-  <p:clrMapOvr>
-    <a:masterClrMapping/>
-  </p:clrMapOvr>
-</p:sld>
-</file>
-
-<file path=ppt/slides/slide58.xml><?xml version="1.0" encoding="utf-8"?>
-<p:sld xmlns:a="http://schemas.openxmlformats.org/drawingml/2006/main" xmlns:r="http://schemas.openxmlformats.org/officeDocument/2006/relationships" xmlns:p="http://schemas.openxmlformats.org/presentationml/2006/main" show="0">
-  <p:cSld>
-    <p:spTree>
-      <p:nvGrpSpPr>
-        <p:cNvPr id="1" name=""/>
-        <p:cNvGrpSpPr/>
-        <p:nvPr/>
-      </p:nvGrpSpPr>
-      <p:grpSpPr>
-        <a:xfrm>
-          <a:off x="0" y="0"/>
-          <a:ext cx="0" cy="0"/>
-          <a:chOff x="0" y="0"/>
-          <a:chExt cx="0" cy="0"/>
-        </a:xfrm>
-      </p:grpSpPr>
-      <p:sp>
-        <p:nvSpPr>
-          <p:cNvPr id="648194" name="Rectangle 2"/>
-          <p:cNvSpPr>
-            <a:spLocks noGrp="1" noChangeArrowheads="1"/>
-          </p:cNvSpPr>
-          <p:nvPr>
-            <p:ph type="title"/>
-          </p:nvPr>
-        </p:nvSpPr>
-        <p:spPr/>
-        <p:txBody>
-          <a:bodyPr/>
-          <a:lstStyle/>
-          <a:p>
-            <a:r>
-              <a:rPr lang="en-US" altLang="en-US" dirty="0">
-                <a:effectLst>
-                  <a:outerShdw blurRad="38100" dist="38100" dir="2700000" algn="tl">
-                    <a:srgbClr val="C0C0C0"/>
-                  </a:outerShdw>
-                </a:effectLst>
-              </a:rPr>
-              <a:t>The Power of Recursion</a:t>
-            </a:r>
-            <a:endParaRPr lang="en-US" altLang="en-US" sz="3200" dirty="0">
-              <a:effectLst>
-                <a:outerShdw blurRad="38100" dist="38100" dir="2700000" algn="tl">
-                  <a:srgbClr val="C0C0C0"/>
-                </a:outerShdw>
-              </a:effectLst>
-            </a:endParaRPr>
-          </a:p>
-        </p:txBody>
-      </p:sp>
-      <p:sp>
-        <p:nvSpPr>
-          <p:cNvPr id="7170" name="Rectangle 3"/>
-          <p:cNvSpPr>
-            <a:spLocks noGrp="1" noChangeArrowheads="1"/>
-          </p:cNvSpPr>
-          <p:nvPr>
-            <p:ph idx="1"/>
-          </p:nvPr>
-        </p:nvSpPr>
-        <p:spPr>
-          <a:xfrm>
-            <a:off x="768351" y="1093790"/>
-            <a:ext cx="7638802" cy="4903787"/>
-          </a:xfrm>
-        </p:spPr>
-        <p:txBody>
-          <a:bodyPr lIns="91440"/>
-          <a:lstStyle/>
-          <a:p>
-            <a:r>
-              <a:rPr lang="en-US" altLang="en-US" dirty="0"/>
-              <a:t>Computing transitive closure using iteration, adding successive tuples to </a:t>
-            </a:r>
-            <a:r>
-              <a:rPr lang="en-US" altLang="en-US" i="1" dirty="0" err="1"/>
-              <a:t>rec_prereq</a:t>
-            </a:r>
-            <a:endParaRPr lang="en-US" altLang="en-US" i="1" dirty="0"/>
-          </a:p>
-          <a:p>
-            <a:pPr lvl="1"/>
-            <a:r>
-              <a:rPr lang="en-US" altLang="en-US" dirty="0">
-                <a:ea typeface="MS PGothic" panose="020B0600070205080204" pitchFamily="34" charset="-128"/>
-              </a:rPr>
-              <a:t>The next slide shows a </a:t>
-            </a:r>
-            <a:r>
-              <a:rPr lang="en-US" altLang="en-US" i="1" dirty="0" err="1">
-                <a:ea typeface="MS PGothic" panose="020B0600070205080204" pitchFamily="34" charset="-128"/>
-              </a:rPr>
-              <a:t>prereq</a:t>
-            </a:r>
-            <a:r>
-              <a:rPr lang="en-US" altLang="en-US" dirty="0">
-                <a:ea typeface="MS PGothic" panose="020B0600070205080204" pitchFamily="34" charset="-128"/>
-              </a:rPr>
-              <a:t> relation</a:t>
-            </a:r>
-            <a:endParaRPr lang="en-US" altLang="en-US" dirty="0">
-              <a:ea typeface="MS PGothic" panose="020B0600070205080204" pitchFamily="34" charset="-128"/>
-            </a:endParaRPr>
-          </a:p>
-          <a:p>
-            <a:pPr lvl="1"/>
-            <a:r>
-              <a:rPr lang="en-US" altLang="en-US" dirty="0">
-                <a:ea typeface="MS PGothic" panose="020B0600070205080204" pitchFamily="34" charset="-128"/>
-              </a:rPr>
-              <a:t>Each step of the iterative process constructs an extended version of </a:t>
-            </a:r>
-            <a:r>
-              <a:rPr lang="en-US" altLang="en-US" i="1" dirty="0" err="1">
-                <a:ea typeface="MS PGothic" panose="020B0600070205080204" pitchFamily="34" charset="-128"/>
-              </a:rPr>
-              <a:t>rec_prereq</a:t>
-            </a:r>
-            <a:r>
-              <a:rPr lang="en-US" altLang="en-US" i="1" dirty="0">
-                <a:ea typeface="MS PGothic" panose="020B0600070205080204" pitchFamily="34" charset="-128"/>
-              </a:rPr>
-              <a:t> </a:t>
-            </a:r>
-            <a:r>
-              <a:rPr lang="en-US" altLang="en-US" dirty="0">
-                <a:ea typeface="MS PGothic" panose="020B0600070205080204" pitchFamily="34" charset="-128"/>
-              </a:rPr>
-              <a:t>from its recursive definition.  </a:t>
-            </a:r>
-            <a:endParaRPr lang="en-US" altLang="en-US" dirty="0">
-              <a:ea typeface="MS PGothic" panose="020B0600070205080204" pitchFamily="34" charset="-128"/>
-            </a:endParaRPr>
-          </a:p>
-          <a:p>
-            <a:pPr lvl="1"/>
-            <a:r>
-              <a:rPr lang="en-US" altLang="en-US" dirty="0">
-                <a:ea typeface="MS PGothic" panose="020B0600070205080204" pitchFamily="34" charset="-128"/>
-              </a:rPr>
-              <a:t>The final result is called the </a:t>
-            </a:r>
-            <a:r>
-              <a:rPr lang="en-US" altLang="en-US" i="1" dirty="0">
-                <a:ea typeface="MS PGothic" panose="020B0600070205080204" pitchFamily="34" charset="-128"/>
-              </a:rPr>
-              <a:t>fixed point </a:t>
-            </a:r>
-            <a:r>
-              <a:rPr lang="en-US" altLang="en-US" dirty="0">
-                <a:ea typeface="MS PGothic" panose="020B0600070205080204" pitchFamily="34" charset="-128"/>
-              </a:rPr>
-              <a:t> of the recursive view definition.</a:t>
-            </a:r>
-            <a:endParaRPr lang="en-US" altLang="en-US" dirty="0">
-              <a:ea typeface="MS PGothic" panose="020B0600070205080204" pitchFamily="34" charset="-128"/>
-            </a:endParaRPr>
-          </a:p>
-          <a:p>
-            <a:r>
-              <a:rPr lang="en-US" altLang="en-US" dirty="0"/>
-              <a:t>Recursive views are required to be </a:t>
-            </a:r>
-            <a:r>
-              <a:rPr lang="en-US" altLang="en-US" b="1" dirty="0">
-                <a:solidFill>
-                  <a:srgbClr val="002060"/>
-                </a:solidFill>
-              </a:rPr>
-              <a:t>monotonic</a:t>
-            </a:r>
-            <a:r>
-              <a:rPr lang="en-US" altLang="en-US" i="1" dirty="0"/>
-              <a:t>.  </a:t>
-            </a:r>
-            <a:r>
-              <a:rPr lang="en-US" altLang="en-US" dirty="0"/>
-              <a:t>That is, if we add tuples to </a:t>
-            </a:r>
-            <a:r>
-              <a:rPr lang="en-US" altLang="en-US" i="1" dirty="0" err="1"/>
-              <a:t>prereq</a:t>
-            </a:r>
-            <a:r>
-              <a:rPr lang="en-US" altLang="en-US" dirty="0"/>
-              <a:t> the view </a:t>
-            </a:r>
-            <a:r>
-              <a:rPr lang="en-US" altLang="en-US" i="1" dirty="0" err="1"/>
-              <a:t>rec_prereq</a:t>
-            </a:r>
-            <a:r>
-              <a:rPr lang="en-US" altLang="en-US" i="1" dirty="0"/>
-              <a:t> </a:t>
-            </a:r>
-            <a:r>
-              <a:rPr lang="en-US" altLang="en-US" dirty="0"/>
-              <a:t>contains all of the tuples it contained before, plus possibly more</a:t>
-            </a:r>
-            <a:endParaRPr lang="en-US" altLang="en-US" dirty="0"/>
-          </a:p>
-          <a:p>
-            <a:pPr indent="-365760"/>
-            <a:endParaRPr lang="en-US" altLang="en-US" dirty="0"/>
-          </a:p>
-        </p:txBody>
-      </p:sp>
-    </p:spTree>
-  </p:cSld>
-  <p:clrMapOvr>
-    <a:masterClrMapping/>
-  </p:clrMapOvr>
-  <p:transition spd="slow"/>
-</p:sld>
-</file>
-
-<file path=ppt/slides/slide59.xml><?xml version="1.0" encoding="utf-8"?>
-<p:sld xmlns:a="http://schemas.openxmlformats.org/drawingml/2006/main" xmlns:r="http://schemas.openxmlformats.org/officeDocument/2006/relationships" xmlns:p="http://schemas.openxmlformats.org/presentationml/2006/main">
-  <p:cSld>
-    <p:spTree>
-      <p:nvGrpSpPr>
-        <p:cNvPr id="1" name=""/>
-        <p:cNvGrpSpPr/>
-        <p:nvPr/>
-      </p:nvGrpSpPr>
-      <p:grpSpPr>
-        <a:xfrm>
-          <a:off x="0" y="0"/>
-          <a:ext cx="0" cy="0"/>
-          <a:chOff x="0" y="0"/>
-          <a:chExt cx="0" cy="0"/>
-        </a:xfrm>
-      </p:grpSpPr>
-      <p:sp>
-        <p:nvSpPr>
-          <p:cNvPr id="43010" name="Rectangle 4"/>
-          <p:cNvSpPr>
-            <a:spLocks noGrp="1" noChangeArrowheads="1"/>
-          </p:cNvSpPr>
-          <p:nvPr>
-            <p:ph type="ctrTitle"/>
-          </p:nvPr>
-        </p:nvSpPr>
-        <p:spPr>
-          <a:noFill/>
-          <a:extLst>
-            <a:ext uri="{909E8E84-426E-40DD-AFC4-6F175D3DCCD1}">
-              <a14:hiddenFill xmlns:a14="http://schemas.microsoft.com/office/drawing/2010/main">
-                <a:solidFill>
-                  <a:srgbClr val="FFFFFF"/>
-                </a:solidFill>
-              </a14:hiddenFill>
-            </a:ext>
-          </a:extLst>
-        </p:spPr>
-        <p:txBody>
-          <a:bodyPr/>
-          <a:lstStyle/>
-          <a:p>
-            <a:r>
-              <a:rPr lang="en-US" altLang="en-US">
-                <a:effectLst/>
-              </a:rPr>
-              <a:t>Advanced Aggregation Features</a:t>
-            </a:r>
-            <a:endParaRPr lang="en-IN" altLang="en-US">
-              <a:effectLst/>
             </a:endParaRPr>
           </a:p>
         </p:txBody>
@@ -28380,6 +29562,287 @@
 </file>
 
 <file path=ppt/slides/slide60.xml><?xml version="1.0" encoding="utf-8"?>
+<p:sld xmlns:a="http://schemas.openxmlformats.org/drawingml/2006/main" xmlns:r="http://schemas.openxmlformats.org/officeDocument/2006/relationships" xmlns:p="http://schemas.openxmlformats.org/presentationml/2006/main" show="0">
+  <p:cSld>
+    <p:spTree>
+      <p:nvGrpSpPr>
+        <p:cNvPr id="1" name=""/>
+        <p:cNvGrpSpPr/>
+        <p:nvPr/>
+      </p:nvGrpSpPr>
+      <p:grpSpPr>
+        <a:xfrm>
+          <a:off x="0" y="0"/>
+          <a:ext cx="0" cy="0"/>
+          <a:chOff x="0" y="0"/>
+          <a:chExt cx="0" cy="0"/>
+        </a:xfrm>
+      </p:grpSpPr>
+      <p:sp>
+        <p:nvSpPr>
+          <p:cNvPr id="648194" name="Rectangle 2"/>
+          <p:cNvSpPr>
+            <a:spLocks noGrp="1" noChangeArrowheads="1"/>
+          </p:cNvSpPr>
+          <p:nvPr>
+            <p:ph type="title"/>
+          </p:nvPr>
+        </p:nvSpPr>
+        <p:spPr/>
+        <p:txBody>
+          <a:bodyPr/>
+          <a:lstStyle/>
+          <a:p>
+            <a:r>
+              <a:rPr lang="en-US" altLang="en-US" dirty="0">
+                <a:effectLst>
+                  <a:outerShdw blurRad="38100" dist="38100" dir="2700000" algn="tl">
+                    <a:srgbClr val="C0C0C0"/>
+                  </a:outerShdw>
+                </a:effectLst>
+              </a:rPr>
+              <a:t>The Power of Recursion</a:t>
+            </a:r>
+            <a:endParaRPr lang="en-US" altLang="en-US" sz="3200" dirty="0">
+              <a:effectLst>
+                <a:outerShdw blurRad="38100" dist="38100" dir="2700000" algn="tl">
+                  <a:srgbClr val="C0C0C0"/>
+                </a:outerShdw>
+              </a:effectLst>
+            </a:endParaRPr>
+          </a:p>
+        </p:txBody>
+      </p:sp>
+      <p:sp>
+        <p:nvSpPr>
+          <p:cNvPr id="7170" name="Rectangle 3"/>
+          <p:cNvSpPr>
+            <a:spLocks noGrp="1" noChangeArrowheads="1"/>
+          </p:cNvSpPr>
+          <p:nvPr>
+            <p:ph idx="1"/>
+          </p:nvPr>
+        </p:nvSpPr>
+        <p:spPr>
+          <a:xfrm>
+            <a:off x="768351" y="1093790"/>
+            <a:ext cx="7638802" cy="4903787"/>
+          </a:xfrm>
+        </p:spPr>
+        <p:txBody>
+          <a:bodyPr lIns="91440"/>
+          <a:lstStyle/>
+          <a:p>
+            <a:r>
+              <a:rPr lang="en-US" altLang="en-US" dirty="0"/>
+              <a:t>Computing transitive closure using iteration, adding successive tuples to </a:t>
+            </a:r>
+            <a:r>
+              <a:rPr lang="en-US" altLang="en-US" i="1" dirty="0" err="1"/>
+              <a:t>rec_prereq</a:t>
+            </a:r>
+            <a:endParaRPr lang="en-US" altLang="en-US" i="1" dirty="0"/>
+          </a:p>
+          <a:p>
+            <a:pPr lvl="1"/>
+            <a:r>
+              <a:rPr lang="en-US" altLang="en-US" dirty="0">
+                <a:ea typeface="MS PGothic" panose="020B0600070205080204" pitchFamily="34" charset="-128"/>
+              </a:rPr>
+              <a:t>The next slide shows a </a:t>
+            </a:r>
+            <a:r>
+              <a:rPr lang="en-US" altLang="en-US" i="1" dirty="0" err="1">
+                <a:ea typeface="MS PGothic" panose="020B0600070205080204" pitchFamily="34" charset="-128"/>
+              </a:rPr>
+              <a:t>prereq</a:t>
+            </a:r>
+            <a:r>
+              <a:rPr lang="en-US" altLang="en-US" dirty="0">
+                <a:ea typeface="MS PGothic" panose="020B0600070205080204" pitchFamily="34" charset="-128"/>
+              </a:rPr>
+              <a:t> relation</a:t>
+            </a:r>
+            <a:endParaRPr lang="en-US" altLang="en-US" dirty="0">
+              <a:ea typeface="MS PGothic" panose="020B0600070205080204" pitchFamily="34" charset="-128"/>
+            </a:endParaRPr>
+          </a:p>
+          <a:p>
+            <a:pPr lvl="1"/>
+            <a:r>
+              <a:rPr lang="en-US" altLang="en-US" dirty="0">
+                <a:ea typeface="MS PGothic" panose="020B0600070205080204" pitchFamily="34" charset="-128"/>
+              </a:rPr>
+              <a:t>Each step of the iterative process constructs an extended version of </a:t>
+            </a:r>
+            <a:r>
+              <a:rPr lang="en-US" altLang="en-US" i="1" dirty="0" err="1">
+                <a:ea typeface="MS PGothic" panose="020B0600070205080204" pitchFamily="34" charset="-128"/>
+              </a:rPr>
+              <a:t>rec_prereq</a:t>
+            </a:r>
+            <a:r>
+              <a:rPr lang="en-US" altLang="en-US" i="1" dirty="0">
+                <a:ea typeface="MS PGothic" panose="020B0600070205080204" pitchFamily="34" charset="-128"/>
+              </a:rPr>
+              <a:t> </a:t>
+            </a:r>
+            <a:r>
+              <a:rPr lang="en-US" altLang="en-US" dirty="0">
+                <a:ea typeface="MS PGothic" panose="020B0600070205080204" pitchFamily="34" charset="-128"/>
+              </a:rPr>
+              <a:t>from its recursive definition.  </a:t>
+            </a:r>
+            <a:endParaRPr lang="en-US" altLang="en-US" dirty="0">
+              <a:ea typeface="MS PGothic" panose="020B0600070205080204" pitchFamily="34" charset="-128"/>
+            </a:endParaRPr>
+          </a:p>
+          <a:p>
+            <a:pPr lvl="1"/>
+            <a:r>
+              <a:rPr lang="en-US" altLang="en-US" dirty="0">
+                <a:ea typeface="MS PGothic" panose="020B0600070205080204" pitchFamily="34" charset="-128"/>
+              </a:rPr>
+              <a:t>The final result is called the </a:t>
+            </a:r>
+            <a:r>
+              <a:rPr lang="en-US" altLang="en-US" i="1" dirty="0">
+                <a:ea typeface="MS PGothic" panose="020B0600070205080204" pitchFamily="34" charset="-128"/>
+              </a:rPr>
+              <a:t>fixed point </a:t>
+            </a:r>
+            <a:r>
+              <a:rPr lang="en-US" altLang="en-US" dirty="0">
+                <a:ea typeface="MS PGothic" panose="020B0600070205080204" pitchFamily="34" charset="-128"/>
+              </a:rPr>
+              <a:t> of the recursive view definition.</a:t>
+            </a:r>
+            <a:endParaRPr lang="en-US" altLang="en-US" dirty="0">
+              <a:ea typeface="MS PGothic" panose="020B0600070205080204" pitchFamily="34" charset="-128"/>
+            </a:endParaRPr>
+          </a:p>
+          <a:p>
+            <a:r>
+              <a:rPr lang="en-US" altLang="en-US" dirty="0"/>
+              <a:t>Recursive views are required to be </a:t>
+            </a:r>
+            <a:r>
+              <a:rPr lang="en-US" altLang="en-US" b="1" dirty="0">
+                <a:solidFill>
+                  <a:srgbClr val="002060"/>
+                </a:solidFill>
+              </a:rPr>
+              <a:t>monotonic</a:t>
+            </a:r>
+            <a:r>
+              <a:rPr lang="en-US" altLang="en-US" i="1" dirty="0"/>
+              <a:t>.  </a:t>
+            </a:r>
+            <a:r>
+              <a:rPr lang="en-US" altLang="en-US" dirty="0"/>
+              <a:t>That is, if we add tuples to </a:t>
+            </a:r>
+            <a:r>
+              <a:rPr lang="en-US" altLang="en-US" i="1" dirty="0" err="1"/>
+              <a:t>prereq</a:t>
+            </a:r>
+            <a:r>
+              <a:rPr lang="en-US" altLang="en-US" dirty="0"/>
+              <a:t> the view </a:t>
+            </a:r>
+            <a:r>
+              <a:rPr lang="en-US" altLang="en-US" i="1" dirty="0" err="1"/>
+              <a:t>rec_prereq</a:t>
+            </a:r>
+            <a:r>
+              <a:rPr lang="en-US" altLang="en-US" i="1" dirty="0"/>
+              <a:t> </a:t>
+            </a:r>
+            <a:r>
+              <a:rPr lang="en-US" altLang="en-US" dirty="0"/>
+              <a:t>contains all of the tuples it contained before, plus possibly more</a:t>
+            </a:r>
+            <a:endParaRPr lang="en-US" altLang="en-US" dirty="0"/>
+          </a:p>
+          <a:p>
+            <a:pPr indent="-365760"/>
+            <a:endParaRPr lang="en-US" altLang="en-US" dirty="0"/>
+          </a:p>
+        </p:txBody>
+      </p:sp>
+    </p:spTree>
+  </p:cSld>
+  <p:clrMapOvr>
+    <a:masterClrMapping/>
+  </p:clrMapOvr>
+  <p:transition spd="slow"/>
+</p:sld>
+</file>
+
+<file path=ppt/slides/slide61.xml><?xml version="1.0" encoding="utf-8"?>
+<p:sld xmlns:a="http://schemas.openxmlformats.org/drawingml/2006/main" xmlns:r="http://schemas.openxmlformats.org/officeDocument/2006/relationships" xmlns:p="http://schemas.openxmlformats.org/presentationml/2006/main">
+  <p:cSld>
+    <p:spTree>
+      <p:nvGrpSpPr>
+        <p:cNvPr id="1" name=""/>
+        <p:cNvGrpSpPr/>
+        <p:nvPr/>
+      </p:nvGrpSpPr>
+      <p:grpSpPr>
+        <a:xfrm>
+          <a:off x="0" y="0"/>
+          <a:ext cx="0" cy="0"/>
+          <a:chOff x="0" y="0"/>
+          <a:chExt cx="0" cy="0"/>
+        </a:xfrm>
+      </p:grpSpPr>
+      <p:sp>
+        <p:nvSpPr>
+          <p:cNvPr id="43010" name="Rectangle 4"/>
+          <p:cNvSpPr>
+            <a:spLocks noGrp="1" noChangeArrowheads="1"/>
+          </p:cNvSpPr>
+          <p:nvPr>
+            <p:ph type="ctrTitle"/>
+          </p:nvPr>
+        </p:nvSpPr>
+        <p:spPr>
+          <a:noFill/>
+          <a:extLst>
+            <a:ext uri="{909E8E84-426E-40DD-AFC4-6F175D3DCCD1}">
+              <a14:hiddenFill xmlns:a14="http://schemas.microsoft.com/office/drawing/2010/main">
+                <a:solidFill>
+                  <a:srgbClr val="FFFFFF"/>
+                </a:solidFill>
+              </a14:hiddenFill>
+            </a:ext>
+          </a:extLst>
+        </p:spPr>
+        <p:txBody>
+          <a:bodyPr/>
+          <a:lstStyle/>
+          <a:p>
+            <a:r>
+              <a:rPr lang="en-US" altLang="en-US">
+                <a:effectLst/>
+              </a:rPr>
+              <a:t>Advanced Aggregation Features</a:t>
+            </a:r>
+            <a:endParaRPr lang="en-IN" altLang="en-US">
+              <a:effectLst/>
+            </a:endParaRPr>
+          </a:p>
+        </p:txBody>
+      </p:sp>
+    </p:spTree>
+  </p:cSld>
+  <p:clrMapOvr>
+    <a:masterClrMapping/>
+  </p:clrMapOvr>
+</p:sld>
+</file>
+
+<file path=ppt/slides/slide62.xml><?xml version="1.0" encoding="utf-8"?>
 <p:sld xmlns:a="http://schemas.openxmlformats.org/drawingml/2006/main" xmlns:r="http://schemas.openxmlformats.org/officeDocument/2006/relationships" xmlns:p="http://schemas.openxmlformats.org/presentationml/2006/main">
   <p:cSld>
     <p:spTree>
@@ -28752,7 +30215,7 @@
 </p:sld>
 </file>
 
-<file path=ppt/slides/slide61.xml><?xml version="1.0" encoding="utf-8"?>
+<file path=ppt/slides/slide63.xml><?xml version="1.0" encoding="utf-8"?>
 <p:sld xmlns:a="http://schemas.openxmlformats.org/drawingml/2006/main" xmlns:r="http://schemas.openxmlformats.org/officeDocument/2006/relationships" xmlns:p="http://schemas.openxmlformats.org/presentationml/2006/main">
   <p:cSld>
     <p:spTree>
@@ -29029,7 +30492,7 @@
 </p:sld>
 </file>
 
-<file path=ppt/slides/slide62.xml><?xml version="1.0" encoding="utf-8"?>
+<file path=ppt/slides/slide64.xml><?xml version="1.0" encoding="utf-8"?>
 <p:sld xmlns:a="http://schemas.openxmlformats.org/drawingml/2006/main" xmlns:r="http://schemas.openxmlformats.org/officeDocument/2006/relationships" xmlns:p="http://schemas.openxmlformats.org/presentationml/2006/main">
   <p:cSld>
     <p:spTree>
@@ -29351,7 +30814,7 @@
 </p:sld>
 </file>
 
-<file path=ppt/slides/slide63.xml><?xml version="1.0" encoding="utf-8"?>
+<file path=ppt/slides/slide65.xml><?xml version="1.0" encoding="utf-8"?>
 <p:sld xmlns:a="http://schemas.openxmlformats.org/drawingml/2006/main" xmlns:r="http://schemas.openxmlformats.org/officeDocument/2006/relationships" xmlns:p="http://schemas.openxmlformats.org/presentationml/2006/main">
   <p:cSld>
     <p:spTree>
@@ -29637,7 +31100,7 @@
 </p:sld>
 </file>
 
-<file path=ppt/slides/slide64.xml><?xml version="1.0" encoding="utf-8"?>
+<file path=ppt/slides/slide66.xml><?xml version="1.0" encoding="utf-8"?>
 <p:sld xmlns:a="http://schemas.openxmlformats.org/drawingml/2006/main" xmlns:r="http://schemas.openxmlformats.org/officeDocument/2006/relationships" xmlns:p="http://schemas.openxmlformats.org/presentationml/2006/main">
   <p:cSld>
     <p:spTree>
